--- a/03-Hadoop-Temel-Bilesenler/05-map_reduce_teori.pptx
+++ b/03-Hadoop-Temel-Bilesenler/05-map_reduce_teori.pptx
@@ -126,309 +126,6 @@
 
 <file path=ppt/changesInfos/changesInfo1.xml><?xml version="1.0" encoding="utf-8"?>
 <pc:chgInfo xmlns:a="http://schemas.openxmlformats.org/drawingml/2006/main" xmlns:r="http://schemas.openxmlformats.org/officeDocument/2006/relationships" xmlns:ac="http://schemas.microsoft.com/office/drawing/2013/main/command" xmlns:pc="http://schemas.microsoft.com/office/powerpoint/2013/main/command">
-  <pc:docChgLst>
-    <pc:chgData name="Erkan ŞİRİN" userId="7f10ce1d6aaf8c5d" providerId="LiveId" clId="{588B88DF-C2C4-4BCD-97AE-CDE38E57829F}"/>
-    <pc:docChg chg="undo custSel addSld modSld">
-      <pc:chgData name="Erkan ŞİRİN" userId="7f10ce1d6aaf8c5d" providerId="LiveId" clId="{588B88DF-C2C4-4BCD-97AE-CDE38E57829F}" dt="2019-07-18T05:38:47.372" v="271" actId="313"/>
-      <pc:docMkLst>
-        <pc:docMk/>
-      </pc:docMkLst>
-      <pc:sldChg chg="modSp">
-        <pc:chgData name="Erkan ŞİRİN" userId="7f10ce1d6aaf8c5d" providerId="LiveId" clId="{588B88DF-C2C4-4BCD-97AE-CDE38E57829F}" dt="2019-07-18T05:38:47.372" v="271" actId="313"/>
-        <pc:sldMkLst>
-          <pc:docMk/>
-          <pc:sldMk cId="2116207015" sldId="259"/>
-        </pc:sldMkLst>
-        <pc:spChg chg="mod">
-          <ac:chgData name="Erkan ŞİRİN" userId="7f10ce1d6aaf8c5d" providerId="LiveId" clId="{588B88DF-C2C4-4BCD-97AE-CDE38E57829F}" dt="2019-07-18T05:38:47.372" v="271" actId="313"/>
-          <ac:spMkLst>
-            <pc:docMk/>
-            <pc:sldMk cId="2116207015" sldId="259"/>
-            <ac:spMk id="3" creationId="{00000000-0000-0000-0000-000000000000}"/>
-          </ac:spMkLst>
-        </pc:spChg>
-      </pc:sldChg>
-      <pc:sldChg chg="addSp delSp modSp add modAnim">
-        <pc:chgData name="Erkan ŞİRİN" userId="7f10ce1d6aaf8c5d" providerId="LiveId" clId="{588B88DF-C2C4-4BCD-97AE-CDE38E57829F}" dt="2019-07-17T20:46:46.336" v="270"/>
-        <pc:sldMkLst>
-          <pc:docMk/>
-          <pc:sldMk cId="68549751" sldId="267"/>
-        </pc:sldMkLst>
-        <pc:spChg chg="del">
-          <ac:chgData name="Erkan ŞİRİN" userId="7f10ce1d6aaf8c5d" providerId="LiveId" clId="{588B88DF-C2C4-4BCD-97AE-CDE38E57829F}" dt="2019-07-17T20:22:59.600" v="120" actId="478"/>
-          <ac:spMkLst>
-            <pc:docMk/>
-            <pc:sldMk cId="68549751" sldId="267"/>
-            <ac:spMk id="3" creationId="{00000000-0000-0000-0000-000000000000}"/>
-          </ac:spMkLst>
-        </pc:spChg>
-        <pc:spChg chg="add del mod">
-          <ac:chgData name="Erkan ŞİRİN" userId="7f10ce1d6aaf8c5d" providerId="LiveId" clId="{588B88DF-C2C4-4BCD-97AE-CDE38E57829F}" dt="2019-07-17T20:22:56.020" v="119" actId="478"/>
-          <ac:spMkLst>
-            <pc:docMk/>
-            <pc:sldMk cId="68549751" sldId="267"/>
-            <ac:spMk id="9" creationId="{BE6F9E12-AB30-41A9-8F09-FD34F8B4B842}"/>
-          </ac:spMkLst>
-        </pc:spChg>
-        <pc:spChg chg="del">
-          <ac:chgData name="Erkan ŞİRİN" userId="7f10ce1d6aaf8c5d" providerId="LiveId" clId="{588B88DF-C2C4-4BCD-97AE-CDE38E57829F}" dt="2019-07-17T20:22:53.009" v="118" actId="478"/>
-          <ac:spMkLst>
-            <pc:docMk/>
-            <pc:sldMk cId="68549751" sldId="267"/>
-            <ac:spMk id="16" creationId="{00000000-0000-0000-0000-000000000000}"/>
-          </ac:spMkLst>
-        </pc:spChg>
-        <pc:spChg chg="add del">
-          <ac:chgData name="Erkan ŞİRİN" userId="7f10ce1d6aaf8c5d" providerId="LiveId" clId="{588B88DF-C2C4-4BCD-97AE-CDE38E57829F}" dt="2019-07-17T20:24:42.435" v="123" actId="478"/>
-          <ac:spMkLst>
-            <pc:docMk/>
-            <pc:sldMk cId="68549751" sldId="267"/>
-            <ac:spMk id="17" creationId="{EC64E681-ABB8-4CAD-AAD6-08CE738AD5AB}"/>
-          </ac:spMkLst>
-        </pc:spChg>
-        <pc:spChg chg="add">
-          <ac:chgData name="Erkan ŞİRİN" userId="7f10ce1d6aaf8c5d" providerId="LiveId" clId="{588B88DF-C2C4-4BCD-97AE-CDE38E57829F}" dt="2019-07-17T20:24:39.576" v="122"/>
-          <ac:spMkLst>
-            <pc:docMk/>
-            <pc:sldMk cId="68549751" sldId="267"/>
-            <ac:spMk id="18" creationId="{340A3CC5-1582-442D-B126-63E0350F4FA2}"/>
-          </ac:spMkLst>
-        </pc:spChg>
-        <pc:spChg chg="add del">
-          <ac:chgData name="Erkan ŞİRİN" userId="7f10ce1d6aaf8c5d" providerId="LiveId" clId="{588B88DF-C2C4-4BCD-97AE-CDE38E57829F}" dt="2019-07-17T20:24:50.774" v="125" actId="478"/>
-          <ac:spMkLst>
-            <pc:docMk/>
-            <pc:sldMk cId="68549751" sldId="267"/>
-            <ac:spMk id="19" creationId="{E6389829-D68F-4E1B-A1D0-4826A571D158}"/>
-          </ac:spMkLst>
-        </pc:spChg>
-        <pc:spChg chg="add mod">
-          <ac:chgData name="Erkan ŞİRİN" userId="7f10ce1d6aaf8c5d" providerId="LiveId" clId="{588B88DF-C2C4-4BCD-97AE-CDE38E57829F}" dt="2019-07-17T20:26:00.429" v="154" actId="1076"/>
-          <ac:spMkLst>
-            <pc:docMk/>
-            <pc:sldMk cId="68549751" sldId="267"/>
-            <ac:spMk id="20" creationId="{F2082B7F-F9AD-4893-A7A2-2DD572349ADE}"/>
-          </ac:spMkLst>
-        </pc:spChg>
-        <pc:spChg chg="add mod">
-          <ac:chgData name="Erkan ŞİRİN" userId="7f10ce1d6aaf8c5d" providerId="LiveId" clId="{588B88DF-C2C4-4BCD-97AE-CDE38E57829F}" dt="2019-07-17T20:26:20.123" v="161" actId="20577"/>
-          <ac:spMkLst>
-            <pc:docMk/>
-            <pc:sldMk cId="68549751" sldId="267"/>
-            <ac:spMk id="21" creationId="{24CB0C8F-CF0E-4934-8C06-FCAA42AC77EB}"/>
-          </ac:spMkLst>
-        </pc:spChg>
-        <pc:spChg chg="add mod">
-          <ac:chgData name="Erkan ŞİRİN" userId="7f10ce1d6aaf8c5d" providerId="LiveId" clId="{588B88DF-C2C4-4BCD-97AE-CDE38E57829F}" dt="2019-07-17T20:26:30.069" v="163" actId="1076"/>
-          <ac:spMkLst>
-            <pc:docMk/>
-            <pc:sldMk cId="68549751" sldId="267"/>
-            <ac:spMk id="23" creationId="{4F0BE6ED-24AC-453E-9657-C62B9498EEC1}"/>
-          </ac:spMkLst>
-        </pc:spChg>
-        <pc:spChg chg="add mod">
-          <ac:chgData name="Erkan ŞİRİN" userId="7f10ce1d6aaf8c5d" providerId="LiveId" clId="{588B88DF-C2C4-4BCD-97AE-CDE38E57829F}" dt="2019-07-17T20:26:37.633" v="165" actId="1076"/>
-          <ac:spMkLst>
-            <pc:docMk/>
-            <pc:sldMk cId="68549751" sldId="267"/>
-            <ac:spMk id="24" creationId="{6FE68652-73E6-41F1-BC1F-20F88A5EB59F}"/>
-          </ac:spMkLst>
-        </pc:spChg>
-        <pc:spChg chg="add mod">
-          <ac:chgData name="Erkan ŞİRİN" userId="7f10ce1d6aaf8c5d" providerId="LiveId" clId="{588B88DF-C2C4-4BCD-97AE-CDE38E57829F}" dt="2019-07-17T20:26:37.633" v="165" actId="1076"/>
-          <ac:spMkLst>
-            <pc:docMk/>
-            <pc:sldMk cId="68549751" sldId="267"/>
-            <ac:spMk id="25" creationId="{058FA32E-47C0-4505-8D68-B230994A6101}"/>
-          </ac:spMkLst>
-        </pc:spChg>
-        <pc:spChg chg="add del mod">
-          <ac:chgData name="Erkan ŞİRİN" userId="7f10ce1d6aaf8c5d" providerId="LiveId" clId="{588B88DF-C2C4-4BCD-97AE-CDE38E57829F}" dt="2019-07-17T20:26:48.113" v="168" actId="478"/>
-          <ac:spMkLst>
-            <pc:docMk/>
-            <pc:sldMk cId="68549751" sldId="267"/>
-            <ac:spMk id="26" creationId="{D51EDAFC-ECEC-4992-B9D1-2A2BC094FA2E}"/>
-          </ac:spMkLst>
-        </pc:spChg>
-        <pc:spChg chg="add del mod">
-          <ac:chgData name="Erkan ŞİRİN" userId="7f10ce1d6aaf8c5d" providerId="LiveId" clId="{588B88DF-C2C4-4BCD-97AE-CDE38E57829F}" dt="2019-07-17T20:26:48.113" v="168" actId="478"/>
-          <ac:spMkLst>
-            <pc:docMk/>
-            <pc:sldMk cId="68549751" sldId="267"/>
-            <ac:spMk id="27" creationId="{6934464D-B2A3-4473-A9AA-4CEC4F5598AD}"/>
-          </ac:spMkLst>
-        </pc:spChg>
-        <pc:spChg chg="add mod">
-          <ac:chgData name="Erkan ŞİRİN" userId="7f10ce1d6aaf8c5d" providerId="LiveId" clId="{588B88DF-C2C4-4BCD-97AE-CDE38E57829F}" dt="2019-07-17T20:30:29.175" v="182" actId="1076"/>
-          <ac:spMkLst>
-            <pc:docMk/>
-            <pc:sldMk cId="68549751" sldId="267"/>
-            <ac:spMk id="28" creationId="{E8C5C7CF-309B-4E28-B8D3-78D39B5E7F73}"/>
-          </ac:spMkLst>
-        </pc:spChg>
-        <pc:spChg chg="add mod">
-          <ac:chgData name="Erkan ŞİRİN" userId="7f10ce1d6aaf8c5d" providerId="LiveId" clId="{588B88DF-C2C4-4BCD-97AE-CDE38E57829F}" dt="2019-07-17T20:26:56.009" v="170" actId="1076"/>
-          <ac:spMkLst>
-            <pc:docMk/>
-            <pc:sldMk cId="68549751" sldId="267"/>
-            <ac:spMk id="29" creationId="{D61800C2-3405-49D7-B5F8-6A0C0584DB99}"/>
-          </ac:spMkLst>
-        </pc:spChg>
-        <pc:spChg chg="add mod">
-          <ac:chgData name="Erkan ŞİRİN" userId="7f10ce1d6aaf8c5d" providerId="LiveId" clId="{588B88DF-C2C4-4BCD-97AE-CDE38E57829F}" dt="2019-07-17T20:44:31.271" v="245" actId="11529"/>
-          <ac:spMkLst>
-            <pc:docMk/>
-            <pc:sldMk cId="68549751" sldId="267"/>
-            <ac:spMk id="31" creationId="{72A4AF04-5B03-41E1-AF05-EBFC8F72D3C5}"/>
-          </ac:spMkLst>
-        </pc:spChg>
-        <pc:spChg chg="add mod">
-          <ac:chgData name="Erkan ŞİRİN" userId="7f10ce1d6aaf8c5d" providerId="LiveId" clId="{588B88DF-C2C4-4BCD-97AE-CDE38E57829F}" dt="2019-07-17T20:42:04.375" v="207" actId="13822"/>
-          <ac:spMkLst>
-            <pc:docMk/>
-            <pc:sldMk cId="68549751" sldId="267"/>
-            <ac:spMk id="32" creationId="{78132E68-4D3E-4F2F-BF8E-4A4384777CD3}"/>
-          </ac:spMkLst>
-        </pc:spChg>
-        <pc:spChg chg="add mod">
-          <ac:chgData name="Erkan ŞİRİN" userId="7f10ce1d6aaf8c5d" providerId="LiveId" clId="{588B88DF-C2C4-4BCD-97AE-CDE38E57829F}" dt="2019-07-17T20:42:13.343" v="209" actId="1076"/>
-          <ac:spMkLst>
-            <pc:docMk/>
-            <pc:sldMk cId="68549751" sldId="267"/>
-            <ac:spMk id="33" creationId="{E32AAACC-BB11-4DC6-BBC5-46537AE0D6DA}"/>
-          </ac:spMkLst>
-        </pc:spChg>
-        <pc:spChg chg="add mod">
-          <ac:chgData name="Erkan ŞİRİN" userId="7f10ce1d6aaf8c5d" providerId="LiveId" clId="{588B88DF-C2C4-4BCD-97AE-CDE38E57829F}" dt="2019-07-17T20:42:21.064" v="211" actId="1076"/>
-          <ac:spMkLst>
-            <pc:docMk/>
-            <pc:sldMk cId="68549751" sldId="267"/>
-            <ac:spMk id="34" creationId="{A4F69133-BFC6-4C75-9D66-E57DBBBAE309}"/>
-          </ac:spMkLst>
-        </pc:spChg>
-        <pc:spChg chg="add mod">
-          <ac:chgData name="Erkan ŞİRİN" userId="7f10ce1d6aaf8c5d" providerId="LiveId" clId="{588B88DF-C2C4-4BCD-97AE-CDE38E57829F}" dt="2019-07-17T20:42:21.064" v="211" actId="1076"/>
-          <ac:spMkLst>
-            <pc:docMk/>
-            <pc:sldMk cId="68549751" sldId="267"/>
-            <ac:spMk id="35" creationId="{18049254-EBDE-47E0-ACAA-146B0626E65A}"/>
-          </ac:spMkLst>
-        </pc:spChg>
-        <pc:spChg chg="add mod">
-          <ac:chgData name="Erkan ŞİRİN" userId="7f10ce1d6aaf8c5d" providerId="LiveId" clId="{588B88DF-C2C4-4BCD-97AE-CDE38E57829F}" dt="2019-07-17T20:42:27.918" v="213" actId="1076"/>
-          <ac:spMkLst>
-            <pc:docMk/>
-            <pc:sldMk cId="68549751" sldId="267"/>
-            <ac:spMk id="36" creationId="{A7369E94-618D-413B-BC44-6098D4CF92B8}"/>
-          </ac:spMkLst>
-        </pc:spChg>
-        <pc:spChg chg="add mod">
-          <ac:chgData name="Erkan ŞİRİN" userId="7f10ce1d6aaf8c5d" providerId="LiveId" clId="{588B88DF-C2C4-4BCD-97AE-CDE38E57829F}" dt="2019-07-17T20:42:27.918" v="213" actId="1076"/>
-          <ac:spMkLst>
-            <pc:docMk/>
-            <pc:sldMk cId="68549751" sldId="267"/>
-            <ac:spMk id="37" creationId="{CCEDD0CE-9519-4AB6-B893-28F4FE4ABFCB}"/>
-          </ac:spMkLst>
-        </pc:spChg>
-        <pc:spChg chg="add mod">
-          <ac:chgData name="Erkan ŞİRİN" userId="7f10ce1d6aaf8c5d" providerId="LiveId" clId="{588B88DF-C2C4-4BCD-97AE-CDE38E57829F}" dt="2019-07-17T20:43:08.068" v="218" actId="1076"/>
-          <ac:spMkLst>
-            <pc:docMk/>
-            <pc:sldMk cId="68549751" sldId="267"/>
-            <ac:spMk id="39" creationId="{89A08CE6-22DE-42F0-811A-654350D95813}"/>
-          </ac:spMkLst>
-        </pc:spChg>
-        <pc:spChg chg="add mod">
-          <ac:chgData name="Erkan ŞİRİN" userId="7f10ce1d6aaf8c5d" providerId="LiveId" clId="{588B88DF-C2C4-4BCD-97AE-CDE38E57829F}" dt="2019-07-17T20:43:38.121" v="233" actId="20577"/>
-          <ac:spMkLst>
-            <pc:docMk/>
-            <pc:sldMk cId="68549751" sldId="267"/>
-            <ac:spMk id="40" creationId="{661E564C-E22D-4FCB-8EC1-6F9B8FCBA0B3}"/>
-          </ac:spMkLst>
-        </pc:spChg>
-        <pc:spChg chg="add mod">
-          <ac:chgData name="Erkan ŞİRİN" userId="7f10ce1d6aaf8c5d" providerId="LiveId" clId="{588B88DF-C2C4-4BCD-97AE-CDE38E57829F}" dt="2019-07-17T20:43:48.014" v="235" actId="20577"/>
-          <ac:spMkLst>
-            <pc:docMk/>
-            <pc:sldMk cId="68549751" sldId="267"/>
-            <ac:spMk id="41" creationId="{64E0872D-0E44-40D0-976B-2AA6EEE7CF4D}"/>
-          </ac:spMkLst>
-        </pc:spChg>
-        <pc:spChg chg="add mod">
-          <ac:chgData name="Erkan ŞİRİN" userId="7f10ce1d6aaf8c5d" providerId="LiveId" clId="{588B88DF-C2C4-4BCD-97AE-CDE38E57829F}" dt="2019-07-17T20:43:55.171" v="237" actId="20577"/>
-          <ac:spMkLst>
-            <pc:docMk/>
-            <pc:sldMk cId="68549751" sldId="267"/>
-            <ac:spMk id="42" creationId="{6C9E524D-6B91-428B-9540-BA21DAF91FB7}"/>
-          </ac:spMkLst>
-        </pc:spChg>
-        <pc:spChg chg="add mod">
-          <ac:chgData name="Erkan ŞİRİN" userId="7f10ce1d6aaf8c5d" providerId="LiveId" clId="{588B88DF-C2C4-4BCD-97AE-CDE38E57829F}" dt="2019-07-17T20:43:58.452" v="239" actId="20577"/>
-          <ac:spMkLst>
-            <pc:docMk/>
-            <pc:sldMk cId="68549751" sldId="267"/>
-            <ac:spMk id="43" creationId="{F93C6761-1ED7-4C83-A3C2-FEDC37A206A2}"/>
-          </ac:spMkLst>
-        </pc:spChg>
-        <pc:spChg chg="add mod">
-          <ac:chgData name="Erkan ŞİRİN" userId="7f10ce1d6aaf8c5d" providerId="LiveId" clId="{588B88DF-C2C4-4BCD-97AE-CDE38E57829F}" dt="2019-07-17T20:44:02.219" v="241" actId="20577"/>
-          <ac:spMkLst>
-            <pc:docMk/>
-            <pc:sldMk cId="68549751" sldId="267"/>
-            <ac:spMk id="44" creationId="{7CE7371A-6BCF-489A-A328-F748186609F0}"/>
-          </ac:spMkLst>
-        </pc:spChg>
-        <pc:spChg chg="add mod">
-          <ac:chgData name="Erkan ŞİRİN" userId="7f10ce1d6aaf8c5d" providerId="LiveId" clId="{588B88DF-C2C4-4BCD-97AE-CDE38E57829F}" dt="2019-07-17T20:44:05.428" v="243" actId="20577"/>
-          <ac:spMkLst>
-            <pc:docMk/>
-            <pc:sldMk cId="68549751" sldId="267"/>
-            <ac:spMk id="45" creationId="{9BDAC7E7-261F-4270-8FD4-DB29E0E150A3}"/>
-          </ac:spMkLst>
-        </pc:spChg>
-        <pc:spChg chg="add mod">
-          <ac:chgData name="Erkan ŞİRİN" userId="7f10ce1d6aaf8c5d" providerId="LiveId" clId="{588B88DF-C2C4-4BCD-97AE-CDE38E57829F}" dt="2019-07-17T20:45:10.262" v="262" actId="255"/>
-          <ac:spMkLst>
-            <pc:docMk/>
-            <pc:sldMk cId="68549751" sldId="267"/>
-            <ac:spMk id="48" creationId="{CD081D93-D954-49BA-B720-ED8AB446E8F5}"/>
-          </ac:spMkLst>
-        </pc:spChg>
-        <pc:picChg chg="add del mod">
-          <ac:chgData name="Erkan ŞİRİN" userId="7f10ce1d6aaf8c5d" providerId="LiveId" clId="{588B88DF-C2C4-4BCD-97AE-CDE38E57829F}" dt="2019-07-17T20:25:19.068" v="130" actId="478"/>
-          <ac:picMkLst>
-            <pc:docMk/>
-            <pc:sldMk cId="68549751" sldId="267"/>
-            <ac:picMk id="1032" creationId="{3688A77F-7771-4DC3-B07E-195073CB1452}"/>
-          </ac:picMkLst>
-        </pc:picChg>
-        <pc:cxnChg chg="add mod">
-          <ac:chgData name="Erkan ŞİRİN" userId="7f10ce1d6aaf8c5d" providerId="LiveId" clId="{588B88DF-C2C4-4BCD-97AE-CDE38E57829F}" dt="2019-07-17T20:27:31.639" v="176" actId="208"/>
-          <ac:cxnSpMkLst>
-            <pc:docMk/>
-            <pc:sldMk cId="68549751" sldId="267"/>
-            <ac:cxnSpMk id="30" creationId="{41D8DE17-27CD-4DB0-861B-98DA171921D2}"/>
-          </ac:cxnSpMkLst>
-        </pc:cxnChg>
-        <pc:cxnChg chg="add mod">
-          <ac:chgData name="Erkan ŞİRİN" userId="7f10ce1d6aaf8c5d" providerId="LiveId" clId="{588B88DF-C2C4-4BCD-97AE-CDE38E57829F}" dt="2019-07-17T20:42:35.347" v="215" actId="1076"/>
-          <ac:cxnSpMkLst>
-            <pc:docMk/>
-            <pc:sldMk cId="68549751" sldId="267"/>
-            <ac:cxnSpMk id="38" creationId="{2C563B99-458E-4E3E-BBB9-29D96925DA10}"/>
-          </ac:cxnSpMkLst>
-        </pc:cxnChg>
-        <pc:cxnChg chg="add mod">
-          <ac:chgData name="Erkan ŞİRİN" userId="7f10ce1d6aaf8c5d" providerId="LiveId" clId="{588B88DF-C2C4-4BCD-97AE-CDE38E57829F}" dt="2019-07-17T20:43:08.068" v="218" actId="1076"/>
-          <ac:cxnSpMkLst>
-            <pc:docMk/>
-            <pc:sldMk cId="68549751" sldId="267"/>
-            <ac:cxnSpMk id="46" creationId="{BEF337A5-5BD1-4F92-B2F1-CAF3A9B5E5E3}"/>
-          </ac:cxnSpMkLst>
-        </pc:cxnChg>
-      </pc:sldChg>
-    </pc:docChg>
-  </pc:docChgLst>
   <pc:docChgLst>
     <pc:chgData name="Erkan ŞİRİN" userId="7f10ce1d6aaf8c5d" providerId="LiveId" clId="{71BE6C37-2B26-4D08-BBBF-96D8C682D5C4}"/>
     <pc:docChg chg="custSel addSld modSld sldOrd">
@@ -1062,6 +759,309 @@
   <pc:docChgLst>
     <pc:chgData name="Erkan ŞİRİN" userId="7f10ce1d6aaf8c5d" providerId="LiveId" clId="{F779A547-DC96-4CF6-BDAD-400CF67D935B}"/>
   </pc:docChgLst>
+  <pc:docChgLst>
+    <pc:chgData name="Erkan ŞİRİN" userId="7f10ce1d6aaf8c5d" providerId="LiveId" clId="{588B88DF-C2C4-4BCD-97AE-CDE38E57829F}"/>
+    <pc:docChg chg="undo custSel addSld modSld">
+      <pc:chgData name="Erkan ŞİRİN" userId="7f10ce1d6aaf8c5d" providerId="LiveId" clId="{588B88DF-C2C4-4BCD-97AE-CDE38E57829F}" dt="2019-07-18T05:38:47.372" v="271" actId="313"/>
+      <pc:docMkLst>
+        <pc:docMk/>
+      </pc:docMkLst>
+      <pc:sldChg chg="modSp">
+        <pc:chgData name="Erkan ŞİRİN" userId="7f10ce1d6aaf8c5d" providerId="LiveId" clId="{588B88DF-C2C4-4BCD-97AE-CDE38E57829F}" dt="2019-07-18T05:38:47.372" v="271" actId="313"/>
+        <pc:sldMkLst>
+          <pc:docMk/>
+          <pc:sldMk cId="2116207015" sldId="259"/>
+        </pc:sldMkLst>
+        <pc:spChg chg="mod">
+          <ac:chgData name="Erkan ŞİRİN" userId="7f10ce1d6aaf8c5d" providerId="LiveId" clId="{588B88DF-C2C4-4BCD-97AE-CDE38E57829F}" dt="2019-07-18T05:38:47.372" v="271" actId="313"/>
+          <ac:spMkLst>
+            <pc:docMk/>
+            <pc:sldMk cId="2116207015" sldId="259"/>
+            <ac:spMk id="3" creationId="{00000000-0000-0000-0000-000000000000}"/>
+          </ac:spMkLst>
+        </pc:spChg>
+      </pc:sldChg>
+      <pc:sldChg chg="addSp delSp modSp add modAnim">
+        <pc:chgData name="Erkan ŞİRİN" userId="7f10ce1d6aaf8c5d" providerId="LiveId" clId="{588B88DF-C2C4-4BCD-97AE-CDE38E57829F}" dt="2019-07-17T20:46:46.336" v="270"/>
+        <pc:sldMkLst>
+          <pc:docMk/>
+          <pc:sldMk cId="68549751" sldId="267"/>
+        </pc:sldMkLst>
+        <pc:spChg chg="del">
+          <ac:chgData name="Erkan ŞİRİN" userId="7f10ce1d6aaf8c5d" providerId="LiveId" clId="{588B88DF-C2C4-4BCD-97AE-CDE38E57829F}" dt="2019-07-17T20:22:59.600" v="120" actId="478"/>
+          <ac:spMkLst>
+            <pc:docMk/>
+            <pc:sldMk cId="68549751" sldId="267"/>
+            <ac:spMk id="3" creationId="{00000000-0000-0000-0000-000000000000}"/>
+          </ac:spMkLst>
+        </pc:spChg>
+        <pc:spChg chg="add del mod">
+          <ac:chgData name="Erkan ŞİRİN" userId="7f10ce1d6aaf8c5d" providerId="LiveId" clId="{588B88DF-C2C4-4BCD-97AE-CDE38E57829F}" dt="2019-07-17T20:22:56.020" v="119" actId="478"/>
+          <ac:spMkLst>
+            <pc:docMk/>
+            <pc:sldMk cId="68549751" sldId="267"/>
+            <ac:spMk id="9" creationId="{BE6F9E12-AB30-41A9-8F09-FD34F8B4B842}"/>
+          </ac:spMkLst>
+        </pc:spChg>
+        <pc:spChg chg="del">
+          <ac:chgData name="Erkan ŞİRİN" userId="7f10ce1d6aaf8c5d" providerId="LiveId" clId="{588B88DF-C2C4-4BCD-97AE-CDE38E57829F}" dt="2019-07-17T20:22:53.009" v="118" actId="478"/>
+          <ac:spMkLst>
+            <pc:docMk/>
+            <pc:sldMk cId="68549751" sldId="267"/>
+            <ac:spMk id="16" creationId="{00000000-0000-0000-0000-000000000000}"/>
+          </ac:spMkLst>
+        </pc:spChg>
+        <pc:spChg chg="add del">
+          <ac:chgData name="Erkan ŞİRİN" userId="7f10ce1d6aaf8c5d" providerId="LiveId" clId="{588B88DF-C2C4-4BCD-97AE-CDE38E57829F}" dt="2019-07-17T20:24:42.435" v="123" actId="478"/>
+          <ac:spMkLst>
+            <pc:docMk/>
+            <pc:sldMk cId="68549751" sldId="267"/>
+            <ac:spMk id="17" creationId="{EC64E681-ABB8-4CAD-AAD6-08CE738AD5AB}"/>
+          </ac:spMkLst>
+        </pc:spChg>
+        <pc:spChg chg="add">
+          <ac:chgData name="Erkan ŞİRİN" userId="7f10ce1d6aaf8c5d" providerId="LiveId" clId="{588B88DF-C2C4-4BCD-97AE-CDE38E57829F}" dt="2019-07-17T20:24:39.576" v="122"/>
+          <ac:spMkLst>
+            <pc:docMk/>
+            <pc:sldMk cId="68549751" sldId="267"/>
+            <ac:spMk id="18" creationId="{340A3CC5-1582-442D-B126-63E0350F4FA2}"/>
+          </ac:spMkLst>
+        </pc:spChg>
+        <pc:spChg chg="add del">
+          <ac:chgData name="Erkan ŞİRİN" userId="7f10ce1d6aaf8c5d" providerId="LiveId" clId="{588B88DF-C2C4-4BCD-97AE-CDE38E57829F}" dt="2019-07-17T20:24:50.774" v="125" actId="478"/>
+          <ac:spMkLst>
+            <pc:docMk/>
+            <pc:sldMk cId="68549751" sldId="267"/>
+            <ac:spMk id="19" creationId="{E6389829-D68F-4E1B-A1D0-4826A571D158}"/>
+          </ac:spMkLst>
+        </pc:spChg>
+        <pc:spChg chg="add mod">
+          <ac:chgData name="Erkan ŞİRİN" userId="7f10ce1d6aaf8c5d" providerId="LiveId" clId="{588B88DF-C2C4-4BCD-97AE-CDE38E57829F}" dt="2019-07-17T20:26:00.429" v="154" actId="1076"/>
+          <ac:spMkLst>
+            <pc:docMk/>
+            <pc:sldMk cId="68549751" sldId="267"/>
+            <ac:spMk id="20" creationId="{F2082B7F-F9AD-4893-A7A2-2DD572349ADE}"/>
+          </ac:spMkLst>
+        </pc:spChg>
+        <pc:spChg chg="add mod">
+          <ac:chgData name="Erkan ŞİRİN" userId="7f10ce1d6aaf8c5d" providerId="LiveId" clId="{588B88DF-C2C4-4BCD-97AE-CDE38E57829F}" dt="2019-07-17T20:26:20.123" v="161" actId="20577"/>
+          <ac:spMkLst>
+            <pc:docMk/>
+            <pc:sldMk cId="68549751" sldId="267"/>
+            <ac:spMk id="21" creationId="{24CB0C8F-CF0E-4934-8C06-FCAA42AC77EB}"/>
+          </ac:spMkLst>
+        </pc:spChg>
+        <pc:spChg chg="add mod">
+          <ac:chgData name="Erkan ŞİRİN" userId="7f10ce1d6aaf8c5d" providerId="LiveId" clId="{588B88DF-C2C4-4BCD-97AE-CDE38E57829F}" dt="2019-07-17T20:26:30.069" v="163" actId="1076"/>
+          <ac:spMkLst>
+            <pc:docMk/>
+            <pc:sldMk cId="68549751" sldId="267"/>
+            <ac:spMk id="23" creationId="{4F0BE6ED-24AC-453E-9657-C62B9498EEC1}"/>
+          </ac:spMkLst>
+        </pc:spChg>
+        <pc:spChg chg="add mod">
+          <ac:chgData name="Erkan ŞİRİN" userId="7f10ce1d6aaf8c5d" providerId="LiveId" clId="{588B88DF-C2C4-4BCD-97AE-CDE38E57829F}" dt="2019-07-17T20:26:37.633" v="165" actId="1076"/>
+          <ac:spMkLst>
+            <pc:docMk/>
+            <pc:sldMk cId="68549751" sldId="267"/>
+            <ac:spMk id="24" creationId="{6FE68652-73E6-41F1-BC1F-20F88A5EB59F}"/>
+          </ac:spMkLst>
+        </pc:spChg>
+        <pc:spChg chg="add mod">
+          <ac:chgData name="Erkan ŞİRİN" userId="7f10ce1d6aaf8c5d" providerId="LiveId" clId="{588B88DF-C2C4-4BCD-97AE-CDE38E57829F}" dt="2019-07-17T20:26:37.633" v="165" actId="1076"/>
+          <ac:spMkLst>
+            <pc:docMk/>
+            <pc:sldMk cId="68549751" sldId="267"/>
+            <ac:spMk id="25" creationId="{058FA32E-47C0-4505-8D68-B230994A6101}"/>
+          </ac:spMkLst>
+        </pc:spChg>
+        <pc:spChg chg="add del mod">
+          <ac:chgData name="Erkan ŞİRİN" userId="7f10ce1d6aaf8c5d" providerId="LiveId" clId="{588B88DF-C2C4-4BCD-97AE-CDE38E57829F}" dt="2019-07-17T20:26:48.113" v="168" actId="478"/>
+          <ac:spMkLst>
+            <pc:docMk/>
+            <pc:sldMk cId="68549751" sldId="267"/>
+            <ac:spMk id="26" creationId="{D51EDAFC-ECEC-4992-B9D1-2A2BC094FA2E}"/>
+          </ac:spMkLst>
+        </pc:spChg>
+        <pc:spChg chg="add del mod">
+          <ac:chgData name="Erkan ŞİRİN" userId="7f10ce1d6aaf8c5d" providerId="LiveId" clId="{588B88DF-C2C4-4BCD-97AE-CDE38E57829F}" dt="2019-07-17T20:26:48.113" v="168" actId="478"/>
+          <ac:spMkLst>
+            <pc:docMk/>
+            <pc:sldMk cId="68549751" sldId="267"/>
+            <ac:spMk id="27" creationId="{6934464D-B2A3-4473-A9AA-4CEC4F5598AD}"/>
+          </ac:spMkLst>
+        </pc:spChg>
+        <pc:spChg chg="add mod">
+          <ac:chgData name="Erkan ŞİRİN" userId="7f10ce1d6aaf8c5d" providerId="LiveId" clId="{588B88DF-C2C4-4BCD-97AE-CDE38E57829F}" dt="2019-07-17T20:30:29.175" v="182" actId="1076"/>
+          <ac:spMkLst>
+            <pc:docMk/>
+            <pc:sldMk cId="68549751" sldId="267"/>
+            <ac:spMk id="28" creationId="{E8C5C7CF-309B-4E28-B8D3-78D39B5E7F73}"/>
+          </ac:spMkLst>
+        </pc:spChg>
+        <pc:spChg chg="add mod">
+          <ac:chgData name="Erkan ŞİRİN" userId="7f10ce1d6aaf8c5d" providerId="LiveId" clId="{588B88DF-C2C4-4BCD-97AE-CDE38E57829F}" dt="2019-07-17T20:26:56.009" v="170" actId="1076"/>
+          <ac:spMkLst>
+            <pc:docMk/>
+            <pc:sldMk cId="68549751" sldId="267"/>
+            <ac:spMk id="29" creationId="{D61800C2-3405-49D7-B5F8-6A0C0584DB99}"/>
+          </ac:spMkLst>
+        </pc:spChg>
+        <pc:spChg chg="add mod">
+          <ac:chgData name="Erkan ŞİRİN" userId="7f10ce1d6aaf8c5d" providerId="LiveId" clId="{588B88DF-C2C4-4BCD-97AE-CDE38E57829F}" dt="2019-07-17T20:44:31.271" v="245" actId="11529"/>
+          <ac:spMkLst>
+            <pc:docMk/>
+            <pc:sldMk cId="68549751" sldId="267"/>
+            <ac:spMk id="31" creationId="{72A4AF04-5B03-41E1-AF05-EBFC8F72D3C5}"/>
+          </ac:spMkLst>
+        </pc:spChg>
+        <pc:spChg chg="add mod">
+          <ac:chgData name="Erkan ŞİRİN" userId="7f10ce1d6aaf8c5d" providerId="LiveId" clId="{588B88DF-C2C4-4BCD-97AE-CDE38E57829F}" dt="2019-07-17T20:42:04.375" v="207" actId="13822"/>
+          <ac:spMkLst>
+            <pc:docMk/>
+            <pc:sldMk cId="68549751" sldId="267"/>
+            <ac:spMk id="32" creationId="{78132E68-4D3E-4F2F-BF8E-4A4384777CD3}"/>
+          </ac:spMkLst>
+        </pc:spChg>
+        <pc:spChg chg="add mod">
+          <ac:chgData name="Erkan ŞİRİN" userId="7f10ce1d6aaf8c5d" providerId="LiveId" clId="{588B88DF-C2C4-4BCD-97AE-CDE38E57829F}" dt="2019-07-17T20:42:13.343" v="209" actId="1076"/>
+          <ac:spMkLst>
+            <pc:docMk/>
+            <pc:sldMk cId="68549751" sldId="267"/>
+            <ac:spMk id="33" creationId="{E32AAACC-BB11-4DC6-BBC5-46537AE0D6DA}"/>
+          </ac:spMkLst>
+        </pc:spChg>
+        <pc:spChg chg="add mod">
+          <ac:chgData name="Erkan ŞİRİN" userId="7f10ce1d6aaf8c5d" providerId="LiveId" clId="{588B88DF-C2C4-4BCD-97AE-CDE38E57829F}" dt="2019-07-17T20:42:21.064" v="211" actId="1076"/>
+          <ac:spMkLst>
+            <pc:docMk/>
+            <pc:sldMk cId="68549751" sldId="267"/>
+            <ac:spMk id="34" creationId="{A4F69133-BFC6-4C75-9D66-E57DBBBAE309}"/>
+          </ac:spMkLst>
+        </pc:spChg>
+        <pc:spChg chg="add mod">
+          <ac:chgData name="Erkan ŞİRİN" userId="7f10ce1d6aaf8c5d" providerId="LiveId" clId="{588B88DF-C2C4-4BCD-97AE-CDE38E57829F}" dt="2019-07-17T20:42:21.064" v="211" actId="1076"/>
+          <ac:spMkLst>
+            <pc:docMk/>
+            <pc:sldMk cId="68549751" sldId="267"/>
+            <ac:spMk id="35" creationId="{18049254-EBDE-47E0-ACAA-146B0626E65A}"/>
+          </ac:spMkLst>
+        </pc:spChg>
+        <pc:spChg chg="add mod">
+          <ac:chgData name="Erkan ŞİRİN" userId="7f10ce1d6aaf8c5d" providerId="LiveId" clId="{588B88DF-C2C4-4BCD-97AE-CDE38E57829F}" dt="2019-07-17T20:42:27.918" v="213" actId="1076"/>
+          <ac:spMkLst>
+            <pc:docMk/>
+            <pc:sldMk cId="68549751" sldId="267"/>
+            <ac:spMk id="36" creationId="{A7369E94-618D-413B-BC44-6098D4CF92B8}"/>
+          </ac:spMkLst>
+        </pc:spChg>
+        <pc:spChg chg="add mod">
+          <ac:chgData name="Erkan ŞİRİN" userId="7f10ce1d6aaf8c5d" providerId="LiveId" clId="{588B88DF-C2C4-4BCD-97AE-CDE38E57829F}" dt="2019-07-17T20:42:27.918" v="213" actId="1076"/>
+          <ac:spMkLst>
+            <pc:docMk/>
+            <pc:sldMk cId="68549751" sldId="267"/>
+            <ac:spMk id="37" creationId="{CCEDD0CE-9519-4AB6-B893-28F4FE4ABFCB}"/>
+          </ac:spMkLst>
+        </pc:spChg>
+        <pc:spChg chg="add mod">
+          <ac:chgData name="Erkan ŞİRİN" userId="7f10ce1d6aaf8c5d" providerId="LiveId" clId="{588B88DF-C2C4-4BCD-97AE-CDE38E57829F}" dt="2019-07-17T20:43:08.068" v="218" actId="1076"/>
+          <ac:spMkLst>
+            <pc:docMk/>
+            <pc:sldMk cId="68549751" sldId="267"/>
+            <ac:spMk id="39" creationId="{89A08CE6-22DE-42F0-811A-654350D95813}"/>
+          </ac:spMkLst>
+        </pc:spChg>
+        <pc:spChg chg="add mod">
+          <ac:chgData name="Erkan ŞİRİN" userId="7f10ce1d6aaf8c5d" providerId="LiveId" clId="{588B88DF-C2C4-4BCD-97AE-CDE38E57829F}" dt="2019-07-17T20:43:38.121" v="233" actId="20577"/>
+          <ac:spMkLst>
+            <pc:docMk/>
+            <pc:sldMk cId="68549751" sldId="267"/>
+            <ac:spMk id="40" creationId="{661E564C-E22D-4FCB-8EC1-6F9B8FCBA0B3}"/>
+          </ac:spMkLst>
+        </pc:spChg>
+        <pc:spChg chg="add mod">
+          <ac:chgData name="Erkan ŞİRİN" userId="7f10ce1d6aaf8c5d" providerId="LiveId" clId="{588B88DF-C2C4-4BCD-97AE-CDE38E57829F}" dt="2019-07-17T20:43:48.014" v="235" actId="20577"/>
+          <ac:spMkLst>
+            <pc:docMk/>
+            <pc:sldMk cId="68549751" sldId="267"/>
+            <ac:spMk id="41" creationId="{64E0872D-0E44-40D0-976B-2AA6EEE7CF4D}"/>
+          </ac:spMkLst>
+        </pc:spChg>
+        <pc:spChg chg="add mod">
+          <ac:chgData name="Erkan ŞİRİN" userId="7f10ce1d6aaf8c5d" providerId="LiveId" clId="{588B88DF-C2C4-4BCD-97AE-CDE38E57829F}" dt="2019-07-17T20:43:55.171" v="237" actId="20577"/>
+          <ac:spMkLst>
+            <pc:docMk/>
+            <pc:sldMk cId="68549751" sldId="267"/>
+            <ac:spMk id="42" creationId="{6C9E524D-6B91-428B-9540-BA21DAF91FB7}"/>
+          </ac:spMkLst>
+        </pc:spChg>
+        <pc:spChg chg="add mod">
+          <ac:chgData name="Erkan ŞİRİN" userId="7f10ce1d6aaf8c5d" providerId="LiveId" clId="{588B88DF-C2C4-4BCD-97AE-CDE38E57829F}" dt="2019-07-17T20:43:58.452" v="239" actId="20577"/>
+          <ac:spMkLst>
+            <pc:docMk/>
+            <pc:sldMk cId="68549751" sldId="267"/>
+            <ac:spMk id="43" creationId="{F93C6761-1ED7-4C83-A3C2-FEDC37A206A2}"/>
+          </ac:spMkLst>
+        </pc:spChg>
+        <pc:spChg chg="add mod">
+          <ac:chgData name="Erkan ŞİRİN" userId="7f10ce1d6aaf8c5d" providerId="LiveId" clId="{588B88DF-C2C4-4BCD-97AE-CDE38E57829F}" dt="2019-07-17T20:44:02.219" v="241" actId="20577"/>
+          <ac:spMkLst>
+            <pc:docMk/>
+            <pc:sldMk cId="68549751" sldId="267"/>
+            <ac:spMk id="44" creationId="{7CE7371A-6BCF-489A-A328-F748186609F0}"/>
+          </ac:spMkLst>
+        </pc:spChg>
+        <pc:spChg chg="add mod">
+          <ac:chgData name="Erkan ŞİRİN" userId="7f10ce1d6aaf8c5d" providerId="LiveId" clId="{588B88DF-C2C4-4BCD-97AE-CDE38E57829F}" dt="2019-07-17T20:44:05.428" v="243" actId="20577"/>
+          <ac:spMkLst>
+            <pc:docMk/>
+            <pc:sldMk cId="68549751" sldId="267"/>
+            <ac:spMk id="45" creationId="{9BDAC7E7-261F-4270-8FD4-DB29E0E150A3}"/>
+          </ac:spMkLst>
+        </pc:spChg>
+        <pc:spChg chg="add mod">
+          <ac:chgData name="Erkan ŞİRİN" userId="7f10ce1d6aaf8c5d" providerId="LiveId" clId="{588B88DF-C2C4-4BCD-97AE-CDE38E57829F}" dt="2019-07-17T20:45:10.262" v="262" actId="255"/>
+          <ac:spMkLst>
+            <pc:docMk/>
+            <pc:sldMk cId="68549751" sldId="267"/>
+            <ac:spMk id="48" creationId="{CD081D93-D954-49BA-B720-ED8AB446E8F5}"/>
+          </ac:spMkLst>
+        </pc:spChg>
+        <pc:picChg chg="add del mod">
+          <ac:chgData name="Erkan ŞİRİN" userId="7f10ce1d6aaf8c5d" providerId="LiveId" clId="{588B88DF-C2C4-4BCD-97AE-CDE38E57829F}" dt="2019-07-17T20:25:19.068" v="130" actId="478"/>
+          <ac:picMkLst>
+            <pc:docMk/>
+            <pc:sldMk cId="68549751" sldId="267"/>
+            <ac:picMk id="1032" creationId="{3688A77F-7771-4DC3-B07E-195073CB1452}"/>
+          </ac:picMkLst>
+        </pc:picChg>
+        <pc:cxnChg chg="add mod">
+          <ac:chgData name="Erkan ŞİRİN" userId="7f10ce1d6aaf8c5d" providerId="LiveId" clId="{588B88DF-C2C4-4BCD-97AE-CDE38E57829F}" dt="2019-07-17T20:27:31.639" v="176" actId="208"/>
+          <ac:cxnSpMkLst>
+            <pc:docMk/>
+            <pc:sldMk cId="68549751" sldId="267"/>
+            <ac:cxnSpMk id="30" creationId="{41D8DE17-27CD-4DB0-861B-98DA171921D2}"/>
+          </ac:cxnSpMkLst>
+        </pc:cxnChg>
+        <pc:cxnChg chg="add mod">
+          <ac:chgData name="Erkan ŞİRİN" userId="7f10ce1d6aaf8c5d" providerId="LiveId" clId="{588B88DF-C2C4-4BCD-97AE-CDE38E57829F}" dt="2019-07-17T20:42:35.347" v="215" actId="1076"/>
+          <ac:cxnSpMkLst>
+            <pc:docMk/>
+            <pc:sldMk cId="68549751" sldId="267"/>
+            <ac:cxnSpMk id="38" creationId="{2C563B99-458E-4E3E-BBB9-29D96925DA10}"/>
+          </ac:cxnSpMkLst>
+        </pc:cxnChg>
+        <pc:cxnChg chg="add mod">
+          <ac:chgData name="Erkan ŞİRİN" userId="7f10ce1d6aaf8c5d" providerId="LiveId" clId="{588B88DF-C2C4-4BCD-97AE-CDE38E57829F}" dt="2019-07-17T20:43:08.068" v="218" actId="1076"/>
+          <ac:cxnSpMkLst>
+            <pc:docMk/>
+            <pc:sldMk cId="68549751" sldId="267"/>
+            <ac:cxnSpMk id="46" creationId="{BEF337A5-5BD1-4F92-B2F1-CAF3A9B5E5E3}"/>
+          </ac:cxnSpMkLst>
+        </pc:cxnChg>
+      </pc:sldChg>
+    </pc:docChg>
+  </pc:docChgLst>
 </pc:chgInfo>
 </file>
 
@@ -1147,7 +1147,7 @@
           <a:p>
             <a:fld id="{6F77F576-AE14-466D-AA6B-335273622B21}" type="datetimeFigureOut">
               <a:rPr lang="en-US" smtClean="0"/>
-              <a:t>7/20/2019</a:t>
+              <a:t>10/4/2019</a:t>
             </a:fld>
             <a:endParaRPr lang="en-US"/>
           </a:p>
@@ -1546,7 +1546,7 @@
           <a:p>
             <a:fld id="{54AA066D-271F-4C1A-B89A-0705A7689EE9}" type="datetimeFigureOut">
               <a:rPr lang="en-US" smtClean="0"/>
-              <a:t>7/20/2019</a:t>
+              <a:t>10/4/2019</a:t>
             </a:fld>
             <a:endParaRPr lang="en-US"/>
           </a:p>
@@ -1716,7 +1716,7 @@
           <a:p>
             <a:fld id="{54AA066D-271F-4C1A-B89A-0705A7689EE9}" type="datetimeFigureOut">
               <a:rPr lang="en-US" smtClean="0"/>
-              <a:t>7/20/2019</a:t>
+              <a:t>10/4/2019</a:t>
             </a:fld>
             <a:endParaRPr lang="en-US"/>
           </a:p>
@@ -1896,7 +1896,7 @@
           <a:p>
             <a:fld id="{54AA066D-271F-4C1A-B89A-0705A7689EE9}" type="datetimeFigureOut">
               <a:rPr lang="en-US" smtClean="0"/>
-              <a:t>7/20/2019</a:t>
+              <a:t>10/4/2019</a:t>
             </a:fld>
             <a:endParaRPr lang="en-US"/>
           </a:p>
@@ -2066,7 +2066,7 @@
           <a:p>
             <a:fld id="{54AA066D-271F-4C1A-B89A-0705A7689EE9}" type="datetimeFigureOut">
               <a:rPr lang="en-US" smtClean="0"/>
-              <a:t>7/20/2019</a:t>
+              <a:t>10/4/2019</a:t>
             </a:fld>
             <a:endParaRPr lang="en-US"/>
           </a:p>
@@ -2312,7 +2312,7 @@
           <a:p>
             <a:fld id="{54AA066D-271F-4C1A-B89A-0705A7689EE9}" type="datetimeFigureOut">
               <a:rPr lang="en-US" smtClean="0"/>
-              <a:t>7/20/2019</a:t>
+              <a:t>10/4/2019</a:t>
             </a:fld>
             <a:endParaRPr lang="en-US"/>
           </a:p>
@@ -2544,7 +2544,7 @@
           <a:p>
             <a:fld id="{54AA066D-271F-4C1A-B89A-0705A7689EE9}" type="datetimeFigureOut">
               <a:rPr lang="en-US" smtClean="0"/>
-              <a:t>7/20/2019</a:t>
+              <a:t>10/4/2019</a:t>
             </a:fld>
             <a:endParaRPr lang="en-US"/>
           </a:p>
@@ -2911,7 +2911,7 @@
           <a:p>
             <a:fld id="{54AA066D-271F-4C1A-B89A-0705A7689EE9}" type="datetimeFigureOut">
               <a:rPr lang="en-US" smtClean="0"/>
-              <a:t>7/20/2019</a:t>
+              <a:t>10/4/2019</a:t>
             </a:fld>
             <a:endParaRPr lang="en-US"/>
           </a:p>
@@ -3029,7 +3029,7 @@
           <a:p>
             <a:fld id="{54AA066D-271F-4C1A-B89A-0705A7689EE9}" type="datetimeFigureOut">
               <a:rPr lang="en-US" smtClean="0"/>
-              <a:t>7/20/2019</a:t>
+              <a:t>10/4/2019</a:t>
             </a:fld>
             <a:endParaRPr lang="en-US"/>
           </a:p>
@@ -3124,7 +3124,7 @@
           <a:p>
             <a:fld id="{54AA066D-271F-4C1A-B89A-0705A7689EE9}" type="datetimeFigureOut">
               <a:rPr lang="en-US" smtClean="0"/>
-              <a:t>7/20/2019</a:t>
+              <a:t>10/4/2019</a:t>
             </a:fld>
             <a:endParaRPr lang="en-US"/>
           </a:p>
@@ -3401,7 +3401,7 @@
           <a:p>
             <a:fld id="{54AA066D-271F-4C1A-B89A-0705A7689EE9}" type="datetimeFigureOut">
               <a:rPr lang="en-US" smtClean="0"/>
-              <a:t>7/20/2019</a:t>
+              <a:t>10/4/2019</a:t>
             </a:fld>
             <a:endParaRPr lang="en-US"/>
           </a:p>
@@ -3654,7 +3654,7 @@
           <a:p>
             <a:fld id="{54AA066D-271F-4C1A-B89A-0705A7689EE9}" type="datetimeFigureOut">
               <a:rPr lang="en-US" smtClean="0"/>
-              <a:t>7/20/2019</a:t>
+              <a:t>10/4/2019</a:t>
             </a:fld>
             <a:endParaRPr lang="en-US"/>
           </a:p>
@@ -3867,7 +3867,7 @@
           <a:p>
             <a:fld id="{54AA066D-271F-4C1A-B89A-0705A7689EE9}" type="datetimeFigureOut">
               <a:rPr lang="en-US" smtClean="0"/>
-              <a:t>7/20/2019</a:t>
+              <a:t>10/4/2019</a:t>
             </a:fld>
             <a:endParaRPr lang="en-US"/>
           </a:p>
@@ -4309,362 +4309,6 @@
           </a:fontRef>
         </p:style>
       </p:cxnSp>
-      <p:grpSp>
-        <p:nvGrpSpPr>
-          <p:cNvPr id="15" name="Grup 14"/>
-          <p:cNvGrpSpPr/>
-          <p:nvPr/>
-        </p:nvGrpSpPr>
-        <p:grpSpPr>
-          <a:xfrm>
-            <a:off x="228596" y="6231467"/>
-            <a:ext cx="3041654" cy="492576"/>
-            <a:chOff x="228596" y="6231467"/>
-            <a:chExt cx="3041654" cy="492576"/>
-          </a:xfrm>
-        </p:grpSpPr>
-        <p:grpSp>
-          <p:nvGrpSpPr>
-            <p:cNvPr id="8" name="Grup 7"/>
-            <p:cNvGrpSpPr/>
-            <p:nvPr/>
-          </p:nvGrpSpPr>
-          <p:grpSpPr>
-            <a:xfrm>
-              <a:off x="228596" y="6231467"/>
-              <a:ext cx="2802471" cy="457084"/>
-              <a:chOff x="127000" y="5901146"/>
-              <a:chExt cx="5156200" cy="838200"/>
-            </a:xfrm>
-          </p:grpSpPr>
-          <p:sp>
-            <p:nvSpPr>
-              <p:cNvPr id="7" name="Dikdörtgen 6"/>
-              <p:cNvSpPr/>
-              <p:nvPr/>
-            </p:nvSpPr>
-            <p:spPr>
-              <a:xfrm>
-                <a:off x="127000" y="5901146"/>
-                <a:ext cx="5156200" cy="838200"/>
-              </a:xfrm>
-              <a:prstGeom prst="rect">
-                <a:avLst/>
-              </a:prstGeom>
-              <a:solidFill>
-                <a:schemeClr val="bg1">
-                  <a:lumMod val="95000"/>
-                </a:schemeClr>
-              </a:solidFill>
-              <a:ln>
-                <a:noFill/>
-              </a:ln>
-            </p:spPr>
-            <p:style>
-              <a:lnRef idx="2">
-                <a:schemeClr val="accent1">
-                  <a:shade val="50000"/>
-                </a:schemeClr>
-              </a:lnRef>
-              <a:fillRef idx="1">
-                <a:schemeClr val="accent1"/>
-              </a:fillRef>
-              <a:effectRef idx="0">
-                <a:schemeClr val="accent1"/>
-              </a:effectRef>
-              <a:fontRef idx="minor">
-                <a:schemeClr val="lt1"/>
-              </a:fontRef>
-            </p:style>
-            <p:txBody>
-              <a:bodyPr rtlCol="0" anchor="ctr"/>
-              <a:lstStyle/>
-              <a:p>
-                <a:pPr algn="ctr"/>
-                <a:endParaRPr lang="en-US" sz="2000"/>
-              </a:p>
-            </p:txBody>
-          </p:sp>
-          <p:grpSp>
-            <p:nvGrpSpPr>
-              <p:cNvPr id="6" name="Grup 5"/>
-              <p:cNvGrpSpPr/>
-              <p:nvPr/>
-            </p:nvGrpSpPr>
-            <p:grpSpPr>
-              <a:xfrm>
-                <a:off x="211667" y="6019800"/>
-                <a:ext cx="5012266" cy="605115"/>
-                <a:chOff x="211667" y="6019800"/>
-                <a:chExt cx="5012266" cy="605115"/>
-              </a:xfrm>
-            </p:grpSpPr>
-            <p:pic>
-              <p:nvPicPr>
-                <p:cNvPr id="4" name="Resim 3"/>
-                <p:cNvPicPr>
-                  <a:picLocks noChangeAspect="1"/>
-                </p:cNvPicPr>
-                <p:nvPr/>
-              </p:nvPicPr>
-              <p:blipFill rotWithShape="1">
-                <a:blip r:embed="rId2" cstate="print">
-                  <a:extLst>
-                    <a:ext uri="{28A0092B-C50C-407E-A947-70E740481C1C}">
-                      <a14:useLocalDpi xmlns:a14="http://schemas.microsoft.com/office/drawing/2010/main" val="0"/>
-                    </a:ext>
-                  </a:extLst>
-                </a:blip>
-                <a:srcRect l="24387" t="8319" r="18355" b="50150"/>
-                <a:stretch/>
-              </p:blipFill>
-              <p:spPr>
-                <a:xfrm>
-                  <a:off x="211667" y="6019800"/>
-                  <a:ext cx="1072095" cy="600892"/>
-                </a:xfrm>
-                <a:prstGeom prst="rect">
-                  <a:avLst/>
-                </a:prstGeom>
-              </p:spPr>
-            </p:pic>
-            <p:sp>
-              <p:nvSpPr>
-                <p:cNvPr id="5" name="Unvan 1"/>
-                <p:cNvSpPr txBox="1">
-                  <a:spLocks/>
-                </p:cNvSpPr>
-                <p:nvPr/>
-              </p:nvSpPr>
-              <p:spPr>
-                <a:xfrm>
-                  <a:off x="1283763" y="6024023"/>
-                  <a:ext cx="3940170" cy="600892"/>
-                </a:xfrm>
-                <a:prstGeom prst="rect">
-                  <a:avLst/>
-                </a:prstGeom>
-              </p:spPr>
-              <p:txBody>
-                <a:bodyPr vert="horz" lIns="91440" tIns="45720" rIns="91440" bIns="45720" rtlCol="0" anchor="b">
-                  <a:noAutofit/>
-                </a:bodyPr>
-                <a:lstStyle>
-                  <a:lvl1pPr algn="ctr" defTabSz="914400" rtl="0" eaLnBrk="1" latinLnBrk="0" hangingPunct="1">
-                    <a:lnSpc>
-                      <a:spcPct val="90000"/>
-                    </a:lnSpc>
-                    <a:spcBef>
-                      <a:spcPct val="0"/>
-                    </a:spcBef>
-                    <a:buNone/>
-                    <a:defRPr sz="6000" kern="1200">
-                      <a:solidFill>
-                        <a:schemeClr val="tx1"/>
-                      </a:solidFill>
-                      <a:latin typeface="+mj-lt"/>
-                      <a:ea typeface="+mj-ea"/>
-                      <a:cs typeface="+mj-cs"/>
-                    </a:defRPr>
-                  </a:lvl1pPr>
-                </a:lstStyle>
-                <a:p>
-                  <a:pPr algn="l"/>
-                  <a:r>
-                    <a:rPr lang="tr-TR" sz="2000" dirty="0">
-                      <a:solidFill>
-                        <a:srgbClr val="CB171F"/>
-                      </a:solidFill>
-                      <a:latin typeface="Constantia" panose="02030602050306030303" pitchFamily="18" charset="0"/>
-                      <a:ea typeface="Verdana" panose="020B0604030504040204" pitchFamily="34" charset="0"/>
-                      <a:cs typeface="Arial" panose="020B0604020202020204" pitchFamily="34" charset="0"/>
-                    </a:rPr>
-                    <a:t>Veri Bilimi Okulu</a:t>
-                  </a:r>
-                  <a:endParaRPr lang="en-US" sz="2000" dirty="0">
-                    <a:solidFill>
-                      <a:srgbClr val="CB171F"/>
-                    </a:solidFill>
-                    <a:latin typeface="Constantia" panose="02030602050306030303" pitchFamily="18" charset="0"/>
-                    <a:ea typeface="Verdana" panose="020B0604030504040204" pitchFamily="34" charset="0"/>
-                    <a:cs typeface="Arial" panose="020B0604020202020204" pitchFamily="34" charset="0"/>
-                  </a:endParaRPr>
-                </a:p>
-              </p:txBody>
-            </p:sp>
-          </p:grpSp>
-        </p:grpSp>
-        <p:sp>
-          <p:nvSpPr>
-            <p:cNvPr id="12" name="Metin kutusu 11"/>
-            <p:cNvSpPr txBox="1"/>
-            <p:nvPr/>
-          </p:nvSpPr>
-          <p:spPr>
-            <a:xfrm>
-              <a:off x="1582782" y="6493211"/>
-              <a:ext cx="1687468" cy="230832"/>
-            </a:xfrm>
-            <a:prstGeom prst="rect">
-              <a:avLst/>
-            </a:prstGeom>
-            <a:noFill/>
-          </p:spPr>
-          <p:txBody>
-            <a:bodyPr wrap="square" rtlCol="0">
-              <a:spAutoFit/>
-            </a:bodyPr>
-            <a:lstStyle/>
-            <a:p>
-              <a:r>
-                <a:rPr lang="en-US" sz="900" dirty="0">
-                  <a:solidFill>
-                    <a:srgbClr val="0B8043"/>
-                  </a:solidFill>
-                </a:rPr>
-                <a:t>https:</a:t>
-              </a:r>
-              <a:r>
-                <a:rPr lang="en-US" sz="900" dirty="0">
-                  <a:solidFill>
-                    <a:schemeClr val="bg1">
-                      <a:lumMod val="50000"/>
-                    </a:schemeClr>
-                  </a:solidFill>
-                </a:rPr>
-                <a:t>//www.veribilimi.co</a:t>
-              </a:r>
-            </a:p>
-          </p:txBody>
-        </p:sp>
-      </p:grpSp>
-      <p:grpSp>
-        <p:nvGrpSpPr>
-          <p:cNvPr id="11" name="Grup 10"/>
-          <p:cNvGrpSpPr/>
-          <p:nvPr/>
-        </p:nvGrpSpPr>
-        <p:grpSpPr>
-          <a:xfrm>
-            <a:off x="9194796" y="6231467"/>
-            <a:ext cx="2802471" cy="457084"/>
-            <a:chOff x="184993" y="5905369"/>
-            <a:chExt cx="5156200" cy="838200"/>
-          </a:xfrm>
-        </p:grpSpPr>
-        <p:sp>
-          <p:nvSpPr>
-            <p:cNvPr id="13" name="Dikdörtgen 12"/>
-            <p:cNvSpPr/>
-            <p:nvPr/>
-          </p:nvSpPr>
-          <p:spPr>
-            <a:xfrm>
-              <a:off x="184993" y="5905369"/>
-              <a:ext cx="5156200" cy="838200"/>
-            </a:xfrm>
-            <a:prstGeom prst="rect">
-              <a:avLst/>
-            </a:prstGeom>
-            <a:solidFill>
-              <a:schemeClr val="bg1">
-                <a:lumMod val="95000"/>
-              </a:schemeClr>
-            </a:solidFill>
-            <a:ln>
-              <a:noFill/>
-            </a:ln>
-          </p:spPr>
-          <p:style>
-            <a:lnRef idx="2">
-              <a:schemeClr val="accent1">
-                <a:shade val="50000"/>
-              </a:schemeClr>
-            </a:lnRef>
-            <a:fillRef idx="1">
-              <a:schemeClr val="accent1"/>
-            </a:fillRef>
-            <a:effectRef idx="0">
-              <a:schemeClr val="accent1"/>
-            </a:effectRef>
-            <a:fontRef idx="minor">
-              <a:schemeClr val="lt1"/>
-            </a:fontRef>
-          </p:style>
-          <p:txBody>
-            <a:bodyPr rtlCol="0" anchor="ctr"/>
-            <a:lstStyle/>
-            <a:p>
-              <a:pPr algn="ctr"/>
-              <a:endParaRPr lang="en-US" sz="2000"/>
-            </a:p>
-          </p:txBody>
-        </p:sp>
-        <p:sp>
-          <p:nvSpPr>
-            <p:cNvPr id="14" name="Unvan 1"/>
-            <p:cNvSpPr txBox="1">
-              <a:spLocks/>
-            </p:cNvSpPr>
-            <p:nvPr/>
-          </p:nvSpPr>
-          <p:spPr>
-            <a:xfrm>
-              <a:off x="302252" y="6024023"/>
-              <a:ext cx="4921678" cy="600892"/>
-            </a:xfrm>
-            <a:prstGeom prst="rect">
-              <a:avLst/>
-            </a:prstGeom>
-          </p:spPr>
-          <p:txBody>
-            <a:bodyPr vert="horz" lIns="91440" tIns="45720" rIns="91440" bIns="45720" rtlCol="0" anchor="b">
-              <a:noAutofit/>
-            </a:bodyPr>
-            <a:lstStyle>
-              <a:lvl1pPr algn="ctr" defTabSz="914400" rtl="0" eaLnBrk="1" latinLnBrk="0" hangingPunct="1">
-                <a:lnSpc>
-                  <a:spcPct val="90000"/>
-                </a:lnSpc>
-                <a:spcBef>
-                  <a:spcPct val="0"/>
-                </a:spcBef>
-                <a:buNone/>
-                <a:defRPr sz="6000" kern="1200">
-                  <a:solidFill>
-                    <a:schemeClr val="tx1"/>
-                  </a:solidFill>
-                  <a:latin typeface="+mj-lt"/>
-                  <a:ea typeface="+mj-ea"/>
-                  <a:cs typeface="+mj-cs"/>
-                </a:defRPr>
-              </a:lvl1pPr>
-            </a:lstStyle>
-            <a:p>
-              <a:pPr algn="l"/>
-              <a:r>
-                <a:rPr lang="tr-TR" sz="2000" dirty="0">
-                  <a:solidFill>
-                    <a:srgbClr val="CB171F"/>
-                  </a:solidFill>
-                  <a:latin typeface="Constantia" panose="02030602050306030303" pitchFamily="18" charset="0"/>
-                  <a:ea typeface="Verdana" panose="020B0604030504040204" pitchFamily="34" charset="0"/>
-                  <a:cs typeface="Arial" panose="020B0604020202020204" pitchFamily="34" charset="0"/>
-                </a:rPr>
-                <a:t>A’dan Z’ye Büyük Veri</a:t>
-              </a:r>
-              <a:endParaRPr lang="en-US" sz="2000" dirty="0">
-                <a:solidFill>
-                  <a:srgbClr val="CB171F"/>
-                </a:solidFill>
-                <a:latin typeface="Constantia" panose="02030602050306030303" pitchFamily="18" charset="0"/>
-                <a:ea typeface="Verdana" panose="020B0604030504040204" pitchFamily="34" charset="0"/>
-                <a:cs typeface="Arial" panose="020B0604020202020204" pitchFamily="34" charset="0"/>
-              </a:endParaRPr>
-            </a:p>
-          </p:txBody>
-        </p:sp>
-      </p:grpSp>
       <p:pic>
         <p:nvPicPr>
           <p:cNvPr id="18" name="Resim 17"/>
@@ -4674,7 +4318,7 @@
           <p:nvPr/>
         </p:nvPicPr>
         <p:blipFill>
-          <a:blip r:embed="rId3">
+          <a:blip r:embed="rId2">
             <a:extLst>
               <a:ext uri="{28A0092B-C50C-407E-A947-70E740481C1C}">
                 <a14:useLocalDpi xmlns:a14="http://schemas.microsoft.com/office/drawing/2010/main" val="0"/>
@@ -4762,362 +4406,6 @@
           </a:fontRef>
         </p:style>
       </p:cxnSp>
-      <p:grpSp>
-        <p:nvGrpSpPr>
-          <p:cNvPr id="15" name="Grup 14"/>
-          <p:cNvGrpSpPr/>
-          <p:nvPr/>
-        </p:nvGrpSpPr>
-        <p:grpSpPr>
-          <a:xfrm>
-            <a:off x="228596" y="6231467"/>
-            <a:ext cx="3041654" cy="492576"/>
-            <a:chOff x="228596" y="6231467"/>
-            <a:chExt cx="3041654" cy="492576"/>
-          </a:xfrm>
-        </p:grpSpPr>
-        <p:grpSp>
-          <p:nvGrpSpPr>
-            <p:cNvPr id="8" name="Grup 7"/>
-            <p:cNvGrpSpPr/>
-            <p:nvPr/>
-          </p:nvGrpSpPr>
-          <p:grpSpPr>
-            <a:xfrm>
-              <a:off x="228596" y="6231467"/>
-              <a:ext cx="2802471" cy="457084"/>
-              <a:chOff x="127000" y="5901146"/>
-              <a:chExt cx="5156200" cy="838200"/>
-            </a:xfrm>
-          </p:grpSpPr>
-          <p:sp>
-            <p:nvSpPr>
-              <p:cNvPr id="7" name="Dikdörtgen 6"/>
-              <p:cNvSpPr/>
-              <p:nvPr/>
-            </p:nvSpPr>
-            <p:spPr>
-              <a:xfrm>
-                <a:off x="127000" y="5901146"/>
-                <a:ext cx="5156200" cy="838200"/>
-              </a:xfrm>
-              <a:prstGeom prst="rect">
-                <a:avLst/>
-              </a:prstGeom>
-              <a:solidFill>
-                <a:schemeClr val="bg1">
-                  <a:lumMod val="95000"/>
-                </a:schemeClr>
-              </a:solidFill>
-              <a:ln>
-                <a:noFill/>
-              </a:ln>
-            </p:spPr>
-            <p:style>
-              <a:lnRef idx="2">
-                <a:schemeClr val="accent1">
-                  <a:shade val="50000"/>
-                </a:schemeClr>
-              </a:lnRef>
-              <a:fillRef idx="1">
-                <a:schemeClr val="accent1"/>
-              </a:fillRef>
-              <a:effectRef idx="0">
-                <a:schemeClr val="accent1"/>
-              </a:effectRef>
-              <a:fontRef idx="minor">
-                <a:schemeClr val="lt1"/>
-              </a:fontRef>
-            </p:style>
-            <p:txBody>
-              <a:bodyPr rtlCol="0" anchor="ctr"/>
-              <a:lstStyle/>
-              <a:p>
-                <a:pPr algn="ctr"/>
-                <a:endParaRPr lang="en-US" sz="2000"/>
-              </a:p>
-            </p:txBody>
-          </p:sp>
-          <p:grpSp>
-            <p:nvGrpSpPr>
-              <p:cNvPr id="6" name="Grup 5"/>
-              <p:cNvGrpSpPr/>
-              <p:nvPr/>
-            </p:nvGrpSpPr>
-            <p:grpSpPr>
-              <a:xfrm>
-                <a:off x="211667" y="6019800"/>
-                <a:ext cx="5012266" cy="605115"/>
-                <a:chOff x="211667" y="6019800"/>
-                <a:chExt cx="5012266" cy="605115"/>
-              </a:xfrm>
-            </p:grpSpPr>
-            <p:pic>
-              <p:nvPicPr>
-                <p:cNvPr id="4" name="Resim 3"/>
-                <p:cNvPicPr>
-                  <a:picLocks noChangeAspect="1"/>
-                </p:cNvPicPr>
-                <p:nvPr/>
-              </p:nvPicPr>
-              <p:blipFill rotWithShape="1">
-                <a:blip r:embed="rId2" cstate="print">
-                  <a:extLst>
-                    <a:ext uri="{28A0092B-C50C-407E-A947-70E740481C1C}">
-                      <a14:useLocalDpi xmlns:a14="http://schemas.microsoft.com/office/drawing/2010/main" val="0"/>
-                    </a:ext>
-                  </a:extLst>
-                </a:blip>
-                <a:srcRect l="24387" t="8319" r="18355" b="50150"/>
-                <a:stretch/>
-              </p:blipFill>
-              <p:spPr>
-                <a:xfrm>
-                  <a:off x="211667" y="6019800"/>
-                  <a:ext cx="1072095" cy="600892"/>
-                </a:xfrm>
-                <a:prstGeom prst="rect">
-                  <a:avLst/>
-                </a:prstGeom>
-              </p:spPr>
-            </p:pic>
-            <p:sp>
-              <p:nvSpPr>
-                <p:cNvPr id="5" name="Unvan 1"/>
-                <p:cNvSpPr txBox="1">
-                  <a:spLocks/>
-                </p:cNvSpPr>
-                <p:nvPr/>
-              </p:nvSpPr>
-              <p:spPr>
-                <a:xfrm>
-                  <a:off x="1283763" y="6024023"/>
-                  <a:ext cx="3940170" cy="600892"/>
-                </a:xfrm>
-                <a:prstGeom prst="rect">
-                  <a:avLst/>
-                </a:prstGeom>
-              </p:spPr>
-              <p:txBody>
-                <a:bodyPr vert="horz" lIns="91440" tIns="45720" rIns="91440" bIns="45720" rtlCol="0" anchor="b">
-                  <a:noAutofit/>
-                </a:bodyPr>
-                <a:lstStyle>
-                  <a:lvl1pPr algn="ctr" defTabSz="914400" rtl="0" eaLnBrk="1" latinLnBrk="0" hangingPunct="1">
-                    <a:lnSpc>
-                      <a:spcPct val="90000"/>
-                    </a:lnSpc>
-                    <a:spcBef>
-                      <a:spcPct val="0"/>
-                    </a:spcBef>
-                    <a:buNone/>
-                    <a:defRPr sz="6000" kern="1200">
-                      <a:solidFill>
-                        <a:schemeClr val="tx1"/>
-                      </a:solidFill>
-                      <a:latin typeface="+mj-lt"/>
-                      <a:ea typeface="+mj-ea"/>
-                      <a:cs typeface="+mj-cs"/>
-                    </a:defRPr>
-                  </a:lvl1pPr>
-                </a:lstStyle>
-                <a:p>
-                  <a:pPr algn="l"/>
-                  <a:r>
-                    <a:rPr lang="tr-TR" sz="2000" dirty="0">
-                      <a:solidFill>
-                        <a:srgbClr val="CB171F"/>
-                      </a:solidFill>
-                      <a:latin typeface="Constantia" panose="02030602050306030303" pitchFamily="18" charset="0"/>
-                      <a:ea typeface="Verdana" panose="020B0604030504040204" pitchFamily="34" charset="0"/>
-                      <a:cs typeface="Arial" panose="020B0604020202020204" pitchFamily="34" charset="0"/>
-                    </a:rPr>
-                    <a:t>Veri Bilimi Okulu</a:t>
-                  </a:r>
-                  <a:endParaRPr lang="en-US" sz="2000" dirty="0">
-                    <a:solidFill>
-                      <a:srgbClr val="CB171F"/>
-                    </a:solidFill>
-                    <a:latin typeface="Constantia" panose="02030602050306030303" pitchFamily="18" charset="0"/>
-                    <a:ea typeface="Verdana" panose="020B0604030504040204" pitchFamily="34" charset="0"/>
-                    <a:cs typeface="Arial" panose="020B0604020202020204" pitchFamily="34" charset="0"/>
-                  </a:endParaRPr>
-                </a:p>
-              </p:txBody>
-            </p:sp>
-          </p:grpSp>
-        </p:grpSp>
-        <p:sp>
-          <p:nvSpPr>
-            <p:cNvPr id="12" name="Metin kutusu 11"/>
-            <p:cNvSpPr txBox="1"/>
-            <p:nvPr/>
-          </p:nvSpPr>
-          <p:spPr>
-            <a:xfrm>
-              <a:off x="1582782" y="6493211"/>
-              <a:ext cx="1687468" cy="230832"/>
-            </a:xfrm>
-            <a:prstGeom prst="rect">
-              <a:avLst/>
-            </a:prstGeom>
-            <a:noFill/>
-          </p:spPr>
-          <p:txBody>
-            <a:bodyPr wrap="square" rtlCol="0">
-              <a:spAutoFit/>
-            </a:bodyPr>
-            <a:lstStyle/>
-            <a:p>
-              <a:r>
-                <a:rPr lang="en-US" sz="900" dirty="0">
-                  <a:solidFill>
-                    <a:srgbClr val="0B8043"/>
-                  </a:solidFill>
-                </a:rPr>
-                <a:t>https:</a:t>
-              </a:r>
-              <a:r>
-                <a:rPr lang="en-US" sz="900" dirty="0">
-                  <a:solidFill>
-                    <a:schemeClr val="bg1">
-                      <a:lumMod val="50000"/>
-                    </a:schemeClr>
-                  </a:solidFill>
-                </a:rPr>
-                <a:t>//www.veribilimi.co</a:t>
-              </a:r>
-            </a:p>
-          </p:txBody>
-        </p:sp>
-      </p:grpSp>
-      <p:grpSp>
-        <p:nvGrpSpPr>
-          <p:cNvPr id="11" name="Grup 10"/>
-          <p:cNvGrpSpPr/>
-          <p:nvPr/>
-        </p:nvGrpSpPr>
-        <p:grpSpPr>
-          <a:xfrm>
-            <a:off x="9194796" y="6231467"/>
-            <a:ext cx="2802471" cy="457084"/>
-            <a:chOff x="184993" y="5905369"/>
-            <a:chExt cx="5156200" cy="838200"/>
-          </a:xfrm>
-        </p:grpSpPr>
-        <p:sp>
-          <p:nvSpPr>
-            <p:cNvPr id="13" name="Dikdörtgen 12"/>
-            <p:cNvSpPr/>
-            <p:nvPr/>
-          </p:nvSpPr>
-          <p:spPr>
-            <a:xfrm>
-              <a:off x="184993" y="5905369"/>
-              <a:ext cx="5156200" cy="838200"/>
-            </a:xfrm>
-            <a:prstGeom prst="rect">
-              <a:avLst/>
-            </a:prstGeom>
-            <a:solidFill>
-              <a:schemeClr val="bg1">
-                <a:lumMod val="95000"/>
-              </a:schemeClr>
-            </a:solidFill>
-            <a:ln>
-              <a:noFill/>
-            </a:ln>
-          </p:spPr>
-          <p:style>
-            <a:lnRef idx="2">
-              <a:schemeClr val="accent1">
-                <a:shade val="50000"/>
-              </a:schemeClr>
-            </a:lnRef>
-            <a:fillRef idx="1">
-              <a:schemeClr val="accent1"/>
-            </a:fillRef>
-            <a:effectRef idx="0">
-              <a:schemeClr val="accent1"/>
-            </a:effectRef>
-            <a:fontRef idx="minor">
-              <a:schemeClr val="lt1"/>
-            </a:fontRef>
-          </p:style>
-          <p:txBody>
-            <a:bodyPr rtlCol="0" anchor="ctr"/>
-            <a:lstStyle/>
-            <a:p>
-              <a:pPr algn="ctr"/>
-              <a:endParaRPr lang="en-US" sz="2000"/>
-            </a:p>
-          </p:txBody>
-        </p:sp>
-        <p:sp>
-          <p:nvSpPr>
-            <p:cNvPr id="14" name="Unvan 1"/>
-            <p:cNvSpPr txBox="1">
-              <a:spLocks/>
-            </p:cNvSpPr>
-            <p:nvPr/>
-          </p:nvSpPr>
-          <p:spPr>
-            <a:xfrm>
-              <a:off x="302252" y="6024023"/>
-              <a:ext cx="4921678" cy="600892"/>
-            </a:xfrm>
-            <a:prstGeom prst="rect">
-              <a:avLst/>
-            </a:prstGeom>
-          </p:spPr>
-          <p:txBody>
-            <a:bodyPr vert="horz" lIns="91440" tIns="45720" rIns="91440" bIns="45720" rtlCol="0" anchor="b">
-              <a:noAutofit/>
-            </a:bodyPr>
-            <a:lstStyle>
-              <a:lvl1pPr algn="ctr" defTabSz="914400" rtl="0" eaLnBrk="1" latinLnBrk="0" hangingPunct="1">
-                <a:lnSpc>
-                  <a:spcPct val="90000"/>
-                </a:lnSpc>
-                <a:spcBef>
-                  <a:spcPct val="0"/>
-                </a:spcBef>
-                <a:buNone/>
-                <a:defRPr sz="6000" kern="1200">
-                  <a:solidFill>
-                    <a:schemeClr val="tx1"/>
-                  </a:solidFill>
-                  <a:latin typeface="+mj-lt"/>
-                  <a:ea typeface="+mj-ea"/>
-                  <a:cs typeface="+mj-cs"/>
-                </a:defRPr>
-              </a:lvl1pPr>
-            </a:lstStyle>
-            <a:p>
-              <a:pPr algn="l"/>
-              <a:r>
-                <a:rPr lang="tr-TR" sz="2000" dirty="0">
-                  <a:solidFill>
-                    <a:srgbClr val="CB171F"/>
-                  </a:solidFill>
-                  <a:latin typeface="Constantia" panose="02030602050306030303" pitchFamily="18" charset="0"/>
-                  <a:ea typeface="Verdana" panose="020B0604030504040204" pitchFamily="34" charset="0"/>
-                  <a:cs typeface="Arial" panose="020B0604020202020204" pitchFamily="34" charset="0"/>
-                </a:rPr>
-                <a:t>A’dan Z’ye Büyük Veri</a:t>
-              </a:r>
-              <a:endParaRPr lang="en-US" sz="2000" dirty="0">
-                <a:solidFill>
-                  <a:srgbClr val="CB171F"/>
-                </a:solidFill>
-                <a:latin typeface="Constantia" panose="02030602050306030303" pitchFamily="18" charset="0"/>
-                <a:ea typeface="Verdana" panose="020B0604030504040204" pitchFamily="34" charset="0"/>
-                <a:cs typeface="Arial" panose="020B0604020202020204" pitchFamily="34" charset="0"/>
-              </a:endParaRPr>
-            </a:p>
-          </p:txBody>
-        </p:sp>
-      </p:grpSp>
       <p:sp>
         <p:nvSpPr>
           <p:cNvPr id="47" name="Unvan 1">
@@ -8748,362 +8036,6 @@
           </a:fontRef>
         </p:style>
       </p:cxnSp>
-      <p:grpSp>
-        <p:nvGrpSpPr>
-          <p:cNvPr id="15" name="Grup 14"/>
-          <p:cNvGrpSpPr/>
-          <p:nvPr/>
-        </p:nvGrpSpPr>
-        <p:grpSpPr>
-          <a:xfrm>
-            <a:off x="228596" y="6231467"/>
-            <a:ext cx="3041654" cy="492576"/>
-            <a:chOff x="228596" y="6231467"/>
-            <a:chExt cx="3041654" cy="492576"/>
-          </a:xfrm>
-        </p:grpSpPr>
-        <p:grpSp>
-          <p:nvGrpSpPr>
-            <p:cNvPr id="8" name="Grup 7"/>
-            <p:cNvGrpSpPr/>
-            <p:nvPr/>
-          </p:nvGrpSpPr>
-          <p:grpSpPr>
-            <a:xfrm>
-              <a:off x="228596" y="6231467"/>
-              <a:ext cx="2802471" cy="457084"/>
-              <a:chOff x="127000" y="5901146"/>
-              <a:chExt cx="5156200" cy="838200"/>
-            </a:xfrm>
-          </p:grpSpPr>
-          <p:sp>
-            <p:nvSpPr>
-              <p:cNvPr id="7" name="Dikdörtgen 6"/>
-              <p:cNvSpPr/>
-              <p:nvPr/>
-            </p:nvSpPr>
-            <p:spPr>
-              <a:xfrm>
-                <a:off x="127000" y="5901146"/>
-                <a:ext cx="5156200" cy="838200"/>
-              </a:xfrm>
-              <a:prstGeom prst="rect">
-                <a:avLst/>
-              </a:prstGeom>
-              <a:solidFill>
-                <a:schemeClr val="bg1">
-                  <a:lumMod val="95000"/>
-                </a:schemeClr>
-              </a:solidFill>
-              <a:ln>
-                <a:noFill/>
-              </a:ln>
-            </p:spPr>
-            <p:style>
-              <a:lnRef idx="2">
-                <a:schemeClr val="accent1">
-                  <a:shade val="50000"/>
-                </a:schemeClr>
-              </a:lnRef>
-              <a:fillRef idx="1">
-                <a:schemeClr val="accent1"/>
-              </a:fillRef>
-              <a:effectRef idx="0">
-                <a:schemeClr val="accent1"/>
-              </a:effectRef>
-              <a:fontRef idx="minor">
-                <a:schemeClr val="lt1"/>
-              </a:fontRef>
-            </p:style>
-            <p:txBody>
-              <a:bodyPr rtlCol="0" anchor="ctr"/>
-              <a:lstStyle/>
-              <a:p>
-                <a:pPr algn="ctr"/>
-                <a:endParaRPr lang="en-US" sz="2000"/>
-              </a:p>
-            </p:txBody>
-          </p:sp>
-          <p:grpSp>
-            <p:nvGrpSpPr>
-              <p:cNvPr id="6" name="Grup 5"/>
-              <p:cNvGrpSpPr/>
-              <p:nvPr/>
-            </p:nvGrpSpPr>
-            <p:grpSpPr>
-              <a:xfrm>
-                <a:off x="211667" y="6019800"/>
-                <a:ext cx="5012266" cy="605115"/>
-                <a:chOff x="211667" y="6019800"/>
-                <a:chExt cx="5012266" cy="605115"/>
-              </a:xfrm>
-            </p:grpSpPr>
-            <p:pic>
-              <p:nvPicPr>
-                <p:cNvPr id="4" name="Resim 3"/>
-                <p:cNvPicPr>
-                  <a:picLocks noChangeAspect="1"/>
-                </p:cNvPicPr>
-                <p:nvPr/>
-              </p:nvPicPr>
-              <p:blipFill rotWithShape="1">
-                <a:blip r:embed="rId2" cstate="print">
-                  <a:extLst>
-                    <a:ext uri="{28A0092B-C50C-407E-A947-70E740481C1C}">
-                      <a14:useLocalDpi xmlns:a14="http://schemas.microsoft.com/office/drawing/2010/main" val="0"/>
-                    </a:ext>
-                  </a:extLst>
-                </a:blip>
-                <a:srcRect l="24387" t="8319" r="18355" b="50150"/>
-                <a:stretch/>
-              </p:blipFill>
-              <p:spPr>
-                <a:xfrm>
-                  <a:off x="211667" y="6019800"/>
-                  <a:ext cx="1072095" cy="600892"/>
-                </a:xfrm>
-                <a:prstGeom prst="rect">
-                  <a:avLst/>
-                </a:prstGeom>
-              </p:spPr>
-            </p:pic>
-            <p:sp>
-              <p:nvSpPr>
-                <p:cNvPr id="5" name="Unvan 1"/>
-                <p:cNvSpPr txBox="1">
-                  <a:spLocks/>
-                </p:cNvSpPr>
-                <p:nvPr/>
-              </p:nvSpPr>
-              <p:spPr>
-                <a:xfrm>
-                  <a:off x="1283763" y="6024023"/>
-                  <a:ext cx="3940170" cy="600892"/>
-                </a:xfrm>
-                <a:prstGeom prst="rect">
-                  <a:avLst/>
-                </a:prstGeom>
-              </p:spPr>
-              <p:txBody>
-                <a:bodyPr vert="horz" lIns="91440" tIns="45720" rIns="91440" bIns="45720" rtlCol="0" anchor="b">
-                  <a:noAutofit/>
-                </a:bodyPr>
-                <a:lstStyle>
-                  <a:lvl1pPr algn="ctr" defTabSz="914400" rtl="0" eaLnBrk="1" latinLnBrk="0" hangingPunct="1">
-                    <a:lnSpc>
-                      <a:spcPct val="90000"/>
-                    </a:lnSpc>
-                    <a:spcBef>
-                      <a:spcPct val="0"/>
-                    </a:spcBef>
-                    <a:buNone/>
-                    <a:defRPr sz="6000" kern="1200">
-                      <a:solidFill>
-                        <a:schemeClr val="tx1"/>
-                      </a:solidFill>
-                      <a:latin typeface="+mj-lt"/>
-                      <a:ea typeface="+mj-ea"/>
-                      <a:cs typeface="+mj-cs"/>
-                    </a:defRPr>
-                  </a:lvl1pPr>
-                </a:lstStyle>
-                <a:p>
-                  <a:pPr algn="l"/>
-                  <a:r>
-                    <a:rPr lang="tr-TR" sz="2000" dirty="0">
-                      <a:solidFill>
-                        <a:srgbClr val="CB171F"/>
-                      </a:solidFill>
-                      <a:latin typeface="Constantia" panose="02030602050306030303" pitchFamily="18" charset="0"/>
-                      <a:ea typeface="Verdana" panose="020B0604030504040204" pitchFamily="34" charset="0"/>
-                      <a:cs typeface="Arial" panose="020B0604020202020204" pitchFamily="34" charset="0"/>
-                    </a:rPr>
-                    <a:t>Veri Bilimi Okulu</a:t>
-                  </a:r>
-                  <a:endParaRPr lang="en-US" sz="2000" dirty="0">
-                    <a:solidFill>
-                      <a:srgbClr val="CB171F"/>
-                    </a:solidFill>
-                    <a:latin typeface="Constantia" panose="02030602050306030303" pitchFamily="18" charset="0"/>
-                    <a:ea typeface="Verdana" panose="020B0604030504040204" pitchFamily="34" charset="0"/>
-                    <a:cs typeface="Arial" panose="020B0604020202020204" pitchFamily="34" charset="0"/>
-                  </a:endParaRPr>
-                </a:p>
-              </p:txBody>
-            </p:sp>
-          </p:grpSp>
-        </p:grpSp>
-        <p:sp>
-          <p:nvSpPr>
-            <p:cNvPr id="12" name="Metin kutusu 11"/>
-            <p:cNvSpPr txBox="1"/>
-            <p:nvPr/>
-          </p:nvSpPr>
-          <p:spPr>
-            <a:xfrm>
-              <a:off x="1582782" y="6493211"/>
-              <a:ext cx="1687468" cy="230832"/>
-            </a:xfrm>
-            <a:prstGeom prst="rect">
-              <a:avLst/>
-            </a:prstGeom>
-            <a:noFill/>
-          </p:spPr>
-          <p:txBody>
-            <a:bodyPr wrap="square" rtlCol="0">
-              <a:spAutoFit/>
-            </a:bodyPr>
-            <a:lstStyle/>
-            <a:p>
-              <a:r>
-                <a:rPr lang="en-US" sz="900" dirty="0">
-                  <a:solidFill>
-                    <a:srgbClr val="0B8043"/>
-                  </a:solidFill>
-                </a:rPr>
-                <a:t>https:</a:t>
-              </a:r>
-              <a:r>
-                <a:rPr lang="en-US" sz="900" dirty="0">
-                  <a:solidFill>
-                    <a:schemeClr val="bg1">
-                      <a:lumMod val="50000"/>
-                    </a:schemeClr>
-                  </a:solidFill>
-                </a:rPr>
-                <a:t>//www.veribilimi.co</a:t>
-              </a:r>
-            </a:p>
-          </p:txBody>
-        </p:sp>
-      </p:grpSp>
-      <p:grpSp>
-        <p:nvGrpSpPr>
-          <p:cNvPr id="11" name="Grup 10"/>
-          <p:cNvGrpSpPr/>
-          <p:nvPr/>
-        </p:nvGrpSpPr>
-        <p:grpSpPr>
-          <a:xfrm>
-            <a:off x="9194796" y="6231467"/>
-            <a:ext cx="2802471" cy="457084"/>
-            <a:chOff x="184993" y="5905369"/>
-            <a:chExt cx="5156200" cy="838200"/>
-          </a:xfrm>
-        </p:grpSpPr>
-        <p:sp>
-          <p:nvSpPr>
-            <p:cNvPr id="13" name="Dikdörtgen 12"/>
-            <p:cNvSpPr/>
-            <p:nvPr/>
-          </p:nvSpPr>
-          <p:spPr>
-            <a:xfrm>
-              <a:off x="184993" y="5905369"/>
-              <a:ext cx="5156200" cy="838200"/>
-            </a:xfrm>
-            <a:prstGeom prst="rect">
-              <a:avLst/>
-            </a:prstGeom>
-            <a:solidFill>
-              <a:schemeClr val="bg1">
-                <a:lumMod val="95000"/>
-              </a:schemeClr>
-            </a:solidFill>
-            <a:ln>
-              <a:noFill/>
-            </a:ln>
-          </p:spPr>
-          <p:style>
-            <a:lnRef idx="2">
-              <a:schemeClr val="accent1">
-                <a:shade val="50000"/>
-              </a:schemeClr>
-            </a:lnRef>
-            <a:fillRef idx="1">
-              <a:schemeClr val="accent1"/>
-            </a:fillRef>
-            <a:effectRef idx="0">
-              <a:schemeClr val="accent1"/>
-            </a:effectRef>
-            <a:fontRef idx="minor">
-              <a:schemeClr val="lt1"/>
-            </a:fontRef>
-          </p:style>
-          <p:txBody>
-            <a:bodyPr rtlCol="0" anchor="ctr"/>
-            <a:lstStyle/>
-            <a:p>
-              <a:pPr algn="ctr"/>
-              <a:endParaRPr lang="en-US" sz="2000"/>
-            </a:p>
-          </p:txBody>
-        </p:sp>
-        <p:sp>
-          <p:nvSpPr>
-            <p:cNvPr id="14" name="Unvan 1"/>
-            <p:cNvSpPr txBox="1">
-              <a:spLocks/>
-            </p:cNvSpPr>
-            <p:nvPr/>
-          </p:nvSpPr>
-          <p:spPr>
-            <a:xfrm>
-              <a:off x="302252" y="6024023"/>
-              <a:ext cx="4921678" cy="600892"/>
-            </a:xfrm>
-            <a:prstGeom prst="rect">
-              <a:avLst/>
-            </a:prstGeom>
-          </p:spPr>
-          <p:txBody>
-            <a:bodyPr vert="horz" lIns="91440" tIns="45720" rIns="91440" bIns="45720" rtlCol="0" anchor="b">
-              <a:noAutofit/>
-            </a:bodyPr>
-            <a:lstStyle>
-              <a:lvl1pPr algn="ctr" defTabSz="914400" rtl="0" eaLnBrk="1" latinLnBrk="0" hangingPunct="1">
-                <a:lnSpc>
-                  <a:spcPct val="90000"/>
-                </a:lnSpc>
-                <a:spcBef>
-                  <a:spcPct val="0"/>
-                </a:spcBef>
-                <a:buNone/>
-                <a:defRPr sz="6000" kern="1200">
-                  <a:solidFill>
-                    <a:schemeClr val="tx1"/>
-                  </a:solidFill>
-                  <a:latin typeface="+mj-lt"/>
-                  <a:ea typeface="+mj-ea"/>
-                  <a:cs typeface="+mj-cs"/>
-                </a:defRPr>
-              </a:lvl1pPr>
-            </a:lstStyle>
-            <a:p>
-              <a:pPr algn="l"/>
-              <a:r>
-                <a:rPr lang="tr-TR" sz="2000" dirty="0">
-                  <a:solidFill>
-                    <a:srgbClr val="CB171F"/>
-                  </a:solidFill>
-                  <a:latin typeface="Constantia" panose="02030602050306030303" pitchFamily="18" charset="0"/>
-                  <a:ea typeface="Verdana" panose="020B0604030504040204" pitchFamily="34" charset="0"/>
-                  <a:cs typeface="Arial" panose="020B0604020202020204" pitchFamily="34" charset="0"/>
-                </a:rPr>
-                <a:t>A’dan Z’ye Büyük Veri</a:t>
-              </a:r>
-              <a:endParaRPr lang="en-US" sz="2000" dirty="0">
-                <a:solidFill>
-                  <a:srgbClr val="CB171F"/>
-                </a:solidFill>
-                <a:latin typeface="Constantia" panose="02030602050306030303" pitchFamily="18" charset="0"/>
-                <a:ea typeface="Verdana" panose="020B0604030504040204" pitchFamily="34" charset="0"/>
-                <a:cs typeface="Arial" panose="020B0604020202020204" pitchFamily="34" charset="0"/>
-              </a:endParaRPr>
-            </a:p>
-          </p:txBody>
-        </p:sp>
-      </p:grpSp>
       <p:sp>
         <p:nvSpPr>
           <p:cNvPr id="3" name="Dikdörtgen 2"/>
@@ -9830,362 +8762,6 @@
           </a:fontRef>
         </p:style>
       </p:cxnSp>
-      <p:grpSp>
-        <p:nvGrpSpPr>
-          <p:cNvPr id="15" name="Grup 14"/>
-          <p:cNvGrpSpPr/>
-          <p:nvPr/>
-        </p:nvGrpSpPr>
-        <p:grpSpPr>
-          <a:xfrm>
-            <a:off x="228596" y="6231467"/>
-            <a:ext cx="3041654" cy="492576"/>
-            <a:chOff x="228596" y="6231467"/>
-            <a:chExt cx="3041654" cy="492576"/>
-          </a:xfrm>
-        </p:grpSpPr>
-        <p:grpSp>
-          <p:nvGrpSpPr>
-            <p:cNvPr id="8" name="Grup 7"/>
-            <p:cNvGrpSpPr/>
-            <p:nvPr/>
-          </p:nvGrpSpPr>
-          <p:grpSpPr>
-            <a:xfrm>
-              <a:off x="228596" y="6231467"/>
-              <a:ext cx="2802471" cy="457084"/>
-              <a:chOff x="127000" y="5901146"/>
-              <a:chExt cx="5156200" cy="838200"/>
-            </a:xfrm>
-          </p:grpSpPr>
-          <p:sp>
-            <p:nvSpPr>
-              <p:cNvPr id="7" name="Dikdörtgen 6"/>
-              <p:cNvSpPr/>
-              <p:nvPr/>
-            </p:nvSpPr>
-            <p:spPr>
-              <a:xfrm>
-                <a:off x="127000" y="5901146"/>
-                <a:ext cx="5156200" cy="838200"/>
-              </a:xfrm>
-              <a:prstGeom prst="rect">
-                <a:avLst/>
-              </a:prstGeom>
-              <a:solidFill>
-                <a:schemeClr val="bg1">
-                  <a:lumMod val="95000"/>
-                </a:schemeClr>
-              </a:solidFill>
-              <a:ln>
-                <a:noFill/>
-              </a:ln>
-            </p:spPr>
-            <p:style>
-              <a:lnRef idx="2">
-                <a:schemeClr val="accent1">
-                  <a:shade val="50000"/>
-                </a:schemeClr>
-              </a:lnRef>
-              <a:fillRef idx="1">
-                <a:schemeClr val="accent1"/>
-              </a:fillRef>
-              <a:effectRef idx="0">
-                <a:schemeClr val="accent1"/>
-              </a:effectRef>
-              <a:fontRef idx="minor">
-                <a:schemeClr val="lt1"/>
-              </a:fontRef>
-            </p:style>
-            <p:txBody>
-              <a:bodyPr rtlCol="0" anchor="ctr"/>
-              <a:lstStyle/>
-              <a:p>
-                <a:pPr algn="ctr"/>
-                <a:endParaRPr lang="en-US" sz="2000"/>
-              </a:p>
-            </p:txBody>
-          </p:sp>
-          <p:grpSp>
-            <p:nvGrpSpPr>
-              <p:cNvPr id="6" name="Grup 5"/>
-              <p:cNvGrpSpPr/>
-              <p:nvPr/>
-            </p:nvGrpSpPr>
-            <p:grpSpPr>
-              <a:xfrm>
-                <a:off x="211667" y="6019800"/>
-                <a:ext cx="5012266" cy="605115"/>
-                <a:chOff x="211667" y="6019800"/>
-                <a:chExt cx="5012266" cy="605115"/>
-              </a:xfrm>
-            </p:grpSpPr>
-            <p:pic>
-              <p:nvPicPr>
-                <p:cNvPr id="4" name="Resim 3"/>
-                <p:cNvPicPr>
-                  <a:picLocks noChangeAspect="1"/>
-                </p:cNvPicPr>
-                <p:nvPr/>
-              </p:nvPicPr>
-              <p:blipFill rotWithShape="1">
-                <a:blip r:embed="rId2" cstate="print">
-                  <a:extLst>
-                    <a:ext uri="{28A0092B-C50C-407E-A947-70E740481C1C}">
-                      <a14:useLocalDpi xmlns:a14="http://schemas.microsoft.com/office/drawing/2010/main" val="0"/>
-                    </a:ext>
-                  </a:extLst>
-                </a:blip>
-                <a:srcRect l="24387" t="8319" r="18355" b="50150"/>
-                <a:stretch/>
-              </p:blipFill>
-              <p:spPr>
-                <a:xfrm>
-                  <a:off x="211667" y="6019800"/>
-                  <a:ext cx="1072095" cy="600892"/>
-                </a:xfrm>
-                <a:prstGeom prst="rect">
-                  <a:avLst/>
-                </a:prstGeom>
-              </p:spPr>
-            </p:pic>
-            <p:sp>
-              <p:nvSpPr>
-                <p:cNvPr id="5" name="Unvan 1"/>
-                <p:cNvSpPr txBox="1">
-                  <a:spLocks/>
-                </p:cNvSpPr>
-                <p:nvPr/>
-              </p:nvSpPr>
-              <p:spPr>
-                <a:xfrm>
-                  <a:off x="1283763" y="6024023"/>
-                  <a:ext cx="3940170" cy="600892"/>
-                </a:xfrm>
-                <a:prstGeom prst="rect">
-                  <a:avLst/>
-                </a:prstGeom>
-              </p:spPr>
-              <p:txBody>
-                <a:bodyPr vert="horz" lIns="91440" tIns="45720" rIns="91440" bIns="45720" rtlCol="0" anchor="b">
-                  <a:noAutofit/>
-                </a:bodyPr>
-                <a:lstStyle>
-                  <a:lvl1pPr algn="ctr" defTabSz="914400" rtl="0" eaLnBrk="1" latinLnBrk="0" hangingPunct="1">
-                    <a:lnSpc>
-                      <a:spcPct val="90000"/>
-                    </a:lnSpc>
-                    <a:spcBef>
-                      <a:spcPct val="0"/>
-                    </a:spcBef>
-                    <a:buNone/>
-                    <a:defRPr sz="6000" kern="1200">
-                      <a:solidFill>
-                        <a:schemeClr val="tx1"/>
-                      </a:solidFill>
-                      <a:latin typeface="+mj-lt"/>
-                      <a:ea typeface="+mj-ea"/>
-                      <a:cs typeface="+mj-cs"/>
-                    </a:defRPr>
-                  </a:lvl1pPr>
-                </a:lstStyle>
-                <a:p>
-                  <a:pPr algn="l"/>
-                  <a:r>
-                    <a:rPr lang="tr-TR" sz="2000" dirty="0">
-                      <a:solidFill>
-                        <a:srgbClr val="CB171F"/>
-                      </a:solidFill>
-                      <a:latin typeface="Constantia" panose="02030602050306030303" pitchFamily="18" charset="0"/>
-                      <a:ea typeface="Verdana" panose="020B0604030504040204" pitchFamily="34" charset="0"/>
-                      <a:cs typeface="Arial" panose="020B0604020202020204" pitchFamily="34" charset="0"/>
-                    </a:rPr>
-                    <a:t>Veri Bilimi Okulu</a:t>
-                  </a:r>
-                  <a:endParaRPr lang="en-US" sz="2000" dirty="0">
-                    <a:solidFill>
-                      <a:srgbClr val="CB171F"/>
-                    </a:solidFill>
-                    <a:latin typeface="Constantia" panose="02030602050306030303" pitchFamily="18" charset="0"/>
-                    <a:ea typeface="Verdana" panose="020B0604030504040204" pitchFamily="34" charset="0"/>
-                    <a:cs typeface="Arial" panose="020B0604020202020204" pitchFamily="34" charset="0"/>
-                  </a:endParaRPr>
-                </a:p>
-              </p:txBody>
-            </p:sp>
-          </p:grpSp>
-        </p:grpSp>
-        <p:sp>
-          <p:nvSpPr>
-            <p:cNvPr id="12" name="Metin kutusu 11"/>
-            <p:cNvSpPr txBox="1"/>
-            <p:nvPr/>
-          </p:nvSpPr>
-          <p:spPr>
-            <a:xfrm>
-              <a:off x="1582782" y="6493211"/>
-              <a:ext cx="1687468" cy="230832"/>
-            </a:xfrm>
-            <a:prstGeom prst="rect">
-              <a:avLst/>
-            </a:prstGeom>
-            <a:noFill/>
-          </p:spPr>
-          <p:txBody>
-            <a:bodyPr wrap="square" rtlCol="0">
-              <a:spAutoFit/>
-            </a:bodyPr>
-            <a:lstStyle/>
-            <a:p>
-              <a:r>
-                <a:rPr lang="en-US" sz="900" dirty="0">
-                  <a:solidFill>
-                    <a:srgbClr val="0B8043"/>
-                  </a:solidFill>
-                </a:rPr>
-                <a:t>https:</a:t>
-              </a:r>
-              <a:r>
-                <a:rPr lang="en-US" sz="900" dirty="0">
-                  <a:solidFill>
-                    <a:schemeClr val="bg1">
-                      <a:lumMod val="50000"/>
-                    </a:schemeClr>
-                  </a:solidFill>
-                </a:rPr>
-                <a:t>//www.veribilimi.co</a:t>
-              </a:r>
-            </a:p>
-          </p:txBody>
-        </p:sp>
-      </p:grpSp>
-      <p:grpSp>
-        <p:nvGrpSpPr>
-          <p:cNvPr id="11" name="Grup 10"/>
-          <p:cNvGrpSpPr/>
-          <p:nvPr/>
-        </p:nvGrpSpPr>
-        <p:grpSpPr>
-          <a:xfrm>
-            <a:off x="9194796" y="6231467"/>
-            <a:ext cx="2802471" cy="457084"/>
-            <a:chOff x="184993" y="5905369"/>
-            <a:chExt cx="5156200" cy="838200"/>
-          </a:xfrm>
-        </p:grpSpPr>
-        <p:sp>
-          <p:nvSpPr>
-            <p:cNvPr id="13" name="Dikdörtgen 12"/>
-            <p:cNvSpPr/>
-            <p:nvPr/>
-          </p:nvSpPr>
-          <p:spPr>
-            <a:xfrm>
-              <a:off x="184993" y="5905369"/>
-              <a:ext cx="5156200" cy="838200"/>
-            </a:xfrm>
-            <a:prstGeom prst="rect">
-              <a:avLst/>
-            </a:prstGeom>
-            <a:solidFill>
-              <a:schemeClr val="bg1">
-                <a:lumMod val="95000"/>
-              </a:schemeClr>
-            </a:solidFill>
-            <a:ln>
-              <a:noFill/>
-            </a:ln>
-          </p:spPr>
-          <p:style>
-            <a:lnRef idx="2">
-              <a:schemeClr val="accent1">
-                <a:shade val="50000"/>
-              </a:schemeClr>
-            </a:lnRef>
-            <a:fillRef idx="1">
-              <a:schemeClr val="accent1"/>
-            </a:fillRef>
-            <a:effectRef idx="0">
-              <a:schemeClr val="accent1"/>
-            </a:effectRef>
-            <a:fontRef idx="minor">
-              <a:schemeClr val="lt1"/>
-            </a:fontRef>
-          </p:style>
-          <p:txBody>
-            <a:bodyPr rtlCol="0" anchor="ctr"/>
-            <a:lstStyle/>
-            <a:p>
-              <a:pPr algn="ctr"/>
-              <a:endParaRPr lang="en-US" sz="2000"/>
-            </a:p>
-          </p:txBody>
-        </p:sp>
-        <p:sp>
-          <p:nvSpPr>
-            <p:cNvPr id="14" name="Unvan 1"/>
-            <p:cNvSpPr txBox="1">
-              <a:spLocks/>
-            </p:cNvSpPr>
-            <p:nvPr/>
-          </p:nvSpPr>
-          <p:spPr>
-            <a:xfrm>
-              <a:off x="302252" y="6024023"/>
-              <a:ext cx="4921678" cy="600892"/>
-            </a:xfrm>
-            <a:prstGeom prst="rect">
-              <a:avLst/>
-            </a:prstGeom>
-          </p:spPr>
-          <p:txBody>
-            <a:bodyPr vert="horz" lIns="91440" tIns="45720" rIns="91440" bIns="45720" rtlCol="0" anchor="b">
-              <a:noAutofit/>
-            </a:bodyPr>
-            <a:lstStyle>
-              <a:lvl1pPr algn="ctr" defTabSz="914400" rtl="0" eaLnBrk="1" latinLnBrk="0" hangingPunct="1">
-                <a:lnSpc>
-                  <a:spcPct val="90000"/>
-                </a:lnSpc>
-                <a:spcBef>
-                  <a:spcPct val="0"/>
-                </a:spcBef>
-                <a:buNone/>
-                <a:defRPr sz="6000" kern="1200">
-                  <a:solidFill>
-                    <a:schemeClr val="tx1"/>
-                  </a:solidFill>
-                  <a:latin typeface="+mj-lt"/>
-                  <a:ea typeface="+mj-ea"/>
-                  <a:cs typeface="+mj-cs"/>
-                </a:defRPr>
-              </a:lvl1pPr>
-            </a:lstStyle>
-            <a:p>
-              <a:pPr algn="l"/>
-              <a:r>
-                <a:rPr lang="tr-TR" sz="2000" dirty="0">
-                  <a:solidFill>
-                    <a:srgbClr val="CB171F"/>
-                  </a:solidFill>
-                  <a:latin typeface="Constantia" panose="02030602050306030303" pitchFamily="18" charset="0"/>
-                  <a:ea typeface="Verdana" panose="020B0604030504040204" pitchFamily="34" charset="0"/>
-                  <a:cs typeface="Arial" panose="020B0604020202020204" pitchFamily="34" charset="0"/>
-                </a:rPr>
-                <a:t>A’dan Z’ye Büyük Veri</a:t>
-              </a:r>
-              <a:endParaRPr lang="en-US" sz="2000" dirty="0">
-                <a:solidFill>
-                  <a:srgbClr val="CB171F"/>
-                </a:solidFill>
-                <a:latin typeface="Constantia" panose="02030602050306030303" pitchFamily="18" charset="0"/>
-                <a:ea typeface="Verdana" panose="020B0604030504040204" pitchFamily="34" charset="0"/>
-                <a:cs typeface="Arial" panose="020B0604020202020204" pitchFamily="34" charset="0"/>
-              </a:endParaRPr>
-            </a:p>
-          </p:txBody>
-        </p:sp>
-      </p:grpSp>
       <p:sp>
         <p:nvSpPr>
           <p:cNvPr id="3" name="Dikdörtgen 2"/>
@@ -10745,362 +9321,6 @@
           </a:fontRef>
         </p:style>
       </p:cxnSp>
-      <p:grpSp>
-        <p:nvGrpSpPr>
-          <p:cNvPr id="15" name="Grup 14"/>
-          <p:cNvGrpSpPr/>
-          <p:nvPr/>
-        </p:nvGrpSpPr>
-        <p:grpSpPr>
-          <a:xfrm>
-            <a:off x="228596" y="6231467"/>
-            <a:ext cx="3041654" cy="492576"/>
-            <a:chOff x="228596" y="6231467"/>
-            <a:chExt cx="3041654" cy="492576"/>
-          </a:xfrm>
-        </p:grpSpPr>
-        <p:grpSp>
-          <p:nvGrpSpPr>
-            <p:cNvPr id="8" name="Grup 7"/>
-            <p:cNvGrpSpPr/>
-            <p:nvPr/>
-          </p:nvGrpSpPr>
-          <p:grpSpPr>
-            <a:xfrm>
-              <a:off x="228596" y="6231467"/>
-              <a:ext cx="2802471" cy="457084"/>
-              <a:chOff x="127000" y="5901146"/>
-              <a:chExt cx="5156200" cy="838200"/>
-            </a:xfrm>
-          </p:grpSpPr>
-          <p:sp>
-            <p:nvSpPr>
-              <p:cNvPr id="7" name="Dikdörtgen 6"/>
-              <p:cNvSpPr/>
-              <p:nvPr/>
-            </p:nvSpPr>
-            <p:spPr>
-              <a:xfrm>
-                <a:off x="127000" y="5901146"/>
-                <a:ext cx="5156200" cy="838200"/>
-              </a:xfrm>
-              <a:prstGeom prst="rect">
-                <a:avLst/>
-              </a:prstGeom>
-              <a:solidFill>
-                <a:schemeClr val="bg1">
-                  <a:lumMod val="95000"/>
-                </a:schemeClr>
-              </a:solidFill>
-              <a:ln>
-                <a:noFill/>
-              </a:ln>
-            </p:spPr>
-            <p:style>
-              <a:lnRef idx="2">
-                <a:schemeClr val="accent1">
-                  <a:shade val="50000"/>
-                </a:schemeClr>
-              </a:lnRef>
-              <a:fillRef idx="1">
-                <a:schemeClr val="accent1"/>
-              </a:fillRef>
-              <a:effectRef idx="0">
-                <a:schemeClr val="accent1"/>
-              </a:effectRef>
-              <a:fontRef idx="minor">
-                <a:schemeClr val="lt1"/>
-              </a:fontRef>
-            </p:style>
-            <p:txBody>
-              <a:bodyPr rtlCol="0" anchor="ctr"/>
-              <a:lstStyle/>
-              <a:p>
-                <a:pPr algn="ctr"/>
-                <a:endParaRPr lang="en-US" sz="2000"/>
-              </a:p>
-            </p:txBody>
-          </p:sp>
-          <p:grpSp>
-            <p:nvGrpSpPr>
-              <p:cNvPr id="6" name="Grup 5"/>
-              <p:cNvGrpSpPr/>
-              <p:nvPr/>
-            </p:nvGrpSpPr>
-            <p:grpSpPr>
-              <a:xfrm>
-                <a:off x="211667" y="6019800"/>
-                <a:ext cx="5012266" cy="605115"/>
-                <a:chOff x="211667" y="6019800"/>
-                <a:chExt cx="5012266" cy="605115"/>
-              </a:xfrm>
-            </p:grpSpPr>
-            <p:pic>
-              <p:nvPicPr>
-                <p:cNvPr id="4" name="Resim 3"/>
-                <p:cNvPicPr>
-                  <a:picLocks noChangeAspect="1"/>
-                </p:cNvPicPr>
-                <p:nvPr/>
-              </p:nvPicPr>
-              <p:blipFill rotWithShape="1">
-                <a:blip r:embed="rId2" cstate="print">
-                  <a:extLst>
-                    <a:ext uri="{28A0092B-C50C-407E-A947-70E740481C1C}">
-                      <a14:useLocalDpi xmlns:a14="http://schemas.microsoft.com/office/drawing/2010/main" val="0"/>
-                    </a:ext>
-                  </a:extLst>
-                </a:blip>
-                <a:srcRect l="24387" t="8319" r="18355" b="50150"/>
-                <a:stretch/>
-              </p:blipFill>
-              <p:spPr>
-                <a:xfrm>
-                  <a:off x="211667" y="6019800"/>
-                  <a:ext cx="1072095" cy="600892"/>
-                </a:xfrm>
-                <a:prstGeom prst="rect">
-                  <a:avLst/>
-                </a:prstGeom>
-              </p:spPr>
-            </p:pic>
-            <p:sp>
-              <p:nvSpPr>
-                <p:cNvPr id="5" name="Unvan 1"/>
-                <p:cNvSpPr txBox="1">
-                  <a:spLocks/>
-                </p:cNvSpPr>
-                <p:nvPr/>
-              </p:nvSpPr>
-              <p:spPr>
-                <a:xfrm>
-                  <a:off x="1283763" y="6024023"/>
-                  <a:ext cx="3940170" cy="600892"/>
-                </a:xfrm>
-                <a:prstGeom prst="rect">
-                  <a:avLst/>
-                </a:prstGeom>
-              </p:spPr>
-              <p:txBody>
-                <a:bodyPr vert="horz" lIns="91440" tIns="45720" rIns="91440" bIns="45720" rtlCol="0" anchor="b">
-                  <a:noAutofit/>
-                </a:bodyPr>
-                <a:lstStyle>
-                  <a:lvl1pPr algn="ctr" defTabSz="914400" rtl="0" eaLnBrk="1" latinLnBrk="0" hangingPunct="1">
-                    <a:lnSpc>
-                      <a:spcPct val="90000"/>
-                    </a:lnSpc>
-                    <a:spcBef>
-                      <a:spcPct val="0"/>
-                    </a:spcBef>
-                    <a:buNone/>
-                    <a:defRPr sz="6000" kern="1200">
-                      <a:solidFill>
-                        <a:schemeClr val="tx1"/>
-                      </a:solidFill>
-                      <a:latin typeface="+mj-lt"/>
-                      <a:ea typeface="+mj-ea"/>
-                      <a:cs typeface="+mj-cs"/>
-                    </a:defRPr>
-                  </a:lvl1pPr>
-                </a:lstStyle>
-                <a:p>
-                  <a:pPr algn="l"/>
-                  <a:r>
-                    <a:rPr lang="tr-TR" sz="2000" dirty="0">
-                      <a:solidFill>
-                        <a:srgbClr val="CB171F"/>
-                      </a:solidFill>
-                      <a:latin typeface="Constantia" panose="02030602050306030303" pitchFamily="18" charset="0"/>
-                      <a:ea typeface="Verdana" panose="020B0604030504040204" pitchFamily="34" charset="0"/>
-                      <a:cs typeface="Arial" panose="020B0604020202020204" pitchFamily="34" charset="0"/>
-                    </a:rPr>
-                    <a:t>Veri Bilimi Okulu</a:t>
-                  </a:r>
-                  <a:endParaRPr lang="en-US" sz="2000" dirty="0">
-                    <a:solidFill>
-                      <a:srgbClr val="CB171F"/>
-                    </a:solidFill>
-                    <a:latin typeface="Constantia" panose="02030602050306030303" pitchFamily="18" charset="0"/>
-                    <a:ea typeface="Verdana" panose="020B0604030504040204" pitchFamily="34" charset="0"/>
-                    <a:cs typeface="Arial" panose="020B0604020202020204" pitchFamily="34" charset="0"/>
-                  </a:endParaRPr>
-                </a:p>
-              </p:txBody>
-            </p:sp>
-          </p:grpSp>
-        </p:grpSp>
-        <p:sp>
-          <p:nvSpPr>
-            <p:cNvPr id="12" name="Metin kutusu 11"/>
-            <p:cNvSpPr txBox="1"/>
-            <p:nvPr/>
-          </p:nvSpPr>
-          <p:spPr>
-            <a:xfrm>
-              <a:off x="1582782" y="6493211"/>
-              <a:ext cx="1687468" cy="230832"/>
-            </a:xfrm>
-            <a:prstGeom prst="rect">
-              <a:avLst/>
-            </a:prstGeom>
-            <a:noFill/>
-          </p:spPr>
-          <p:txBody>
-            <a:bodyPr wrap="square" rtlCol="0">
-              <a:spAutoFit/>
-            </a:bodyPr>
-            <a:lstStyle/>
-            <a:p>
-              <a:r>
-                <a:rPr lang="en-US" sz="900" dirty="0">
-                  <a:solidFill>
-                    <a:srgbClr val="0B8043"/>
-                  </a:solidFill>
-                </a:rPr>
-                <a:t>https:</a:t>
-              </a:r>
-              <a:r>
-                <a:rPr lang="en-US" sz="900" dirty="0">
-                  <a:solidFill>
-                    <a:schemeClr val="bg1">
-                      <a:lumMod val="50000"/>
-                    </a:schemeClr>
-                  </a:solidFill>
-                </a:rPr>
-                <a:t>//www.veribilimi.co</a:t>
-              </a:r>
-            </a:p>
-          </p:txBody>
-        </p:sp>
-      </p:grpSp>
-      <p:grpSp>
-        <p:nvGrpSpPr>
-          <p:cNvPr id="11" name="Grup 10"/>
-          <p:cNvGrpSpPr/>
-          <p:nvPr/>
-        </p:nvGrpSpPr>
-        <p:grpSpPr>
-          <a:xfrm>
-            <a:off x="9194796" y="6231467"/>
-            <a:ext cx="2802471" cy="457084"/>
-            <a:chOff x="184993" y="5905369"/>
-            <a:chExt cx="5156200" cy="838200"/>
-          </a:xfrm>
-        </p:grpSpPr>
-        <p:sp>
-          <p:nvSpPr>
-            <p:cNvPr id="13" name="Dikdörtgen 12"/>
-            <p:cNvSpPr/>
-            <p:nvPr/>
-          </p:nvSpPr>
-          <p:spPr>
-            <a:xfrm>
-              <a:off x="184993" y="5905369"/>
-              <a:ext cx="5156200" cy="838200"/>
-            </a:xfrm>
-            <a:prstGeom prst="rect">
-              <a:avLst/>
-            </a:prstGeom>
-            <a:solidFill>
-              <a:schemeClr val="bg1">
-                <a:lumMod val="95000"/>
-              </a:schemeClr>
-            </a:solidFill>
-            <a:ln>
-              <a:noFill/>
-            </a:ln>
-          </p:spPr>
-          <p:style>
-            <a:lnRef idx="2">
-              <a:schemeClr val="accent1">
-                <a:shade val="50000"/>
-              </a:schemeClr>
-            </a:lnRef>
-            <a:fillRef idx="1">
-              <a:schemeClr val="accent1"/>
-            </a:fillRef>
-            <a:effectRef idx="0">
-              <a:schemeClr val="accent1"/>
-            </a:effectRef>
-            <a:fontRef idx="minor">
-              <a:schemeClr val="lt1"/>
-            </a:fontRef>
-          </p:style>
-          <p:txBody>
-            <a:bodyPr rtlCol="0" anchor="ctr"/>
-            <a:lstStyle/>
-            <a:p>
-              <a:pPr algn="ctr"/>
-              <a:endParaRPr lang="en-US" sz="2000"/>
-            </a:p>
-          </p:txBody>
-        </p:sp>
-        <p:sp>
-          <p:nvSpPr>
-            <p:cNvPr id="14" name="Unvan 1"/>
-            <p:cNvSpPr txBox="1">
-              <a:spLocks/>
-            </p:cNvSpPr>
-            <p:nvPr/>
-          </p:nvSpPr>
-          <p:spPr>
-            <a:xfrm>
-              <a:off x="302252" y="6024023"/>
-              <a:ext cx="4921678" cy="600892"/>
-            </a:xfrm>
-            <a:prstGeom prst="rect">
-              <a:avLst/>
-            </a:prstGeom>
-          </p:spPr>
-          <p:txBody>
-            <a:bodyPr vert="horz" lIns="91440" tIns="45720" rIns="91440" bIns="45720" rtlCol="0" anchor="b">
-              <a:noAutofit/>
-            </a:bodyPr>
-            <a:lstStyle>
-              <a:lvl1pPr algn="ctr" defTabSz="914400" rtl="0" eaLnBrk="1" latinLnBrk="0" hangingPunct="1">
-                <a:lnSpc>
-                  <a:spcPct val="90000"/>
-                </a:lnSpc>
-                <a:spcBef>
-                  <a:spcPct val="0"/>
-                </a:spcBef>
-                <a:buNone/>
-                <a:defRPr sz="6000" kern="1200">
-                  <a:solidFill>
-                    <a:schemeClr val="tx1"/>
-                  </a:solidFill>
-                  <a:latin typeface="+mj-lt"/>
-                  <a:ea typeface="+mj-ea"/>
-                  <a:cs typeface="+mj-cs"/>
-                </a:defRPr>
-              </a:lvl1pPr>
-            </a:lstStyle>
-            <a:p>
-              <a:pPr algn="l"/>
-              <a:r>
-                <a:rPr lang="tr-TR" sz="2000" dirty="0">
-                  <a:solidFill>
-                    <a:srgbClr val="CB171F"/>
-                  </a:solidFill>
-                  <a:latin typeface="Constantia" panose="02030602050306030303" pitchFamily="18" charset="0"/>
-                  <a:ea typeface="Verdana" panose="020B0604030504040204" pitchFamily="34" charset="0"/>
-                  <a:cs typeface="Arial" panose="020B0604020202020204" pitchFamily="34" charset="0"/>
-                </a:rPr>
-                <a:t>A’dan Z’ye Büyük Veri</a:t>
-              </a:r>
-              <a:endParaRPr lang="en-US" sz="2000" dirty="0">
-                <a:solidFill>
-                  <a:srgbClr val="CB171F"/>
-                </a:solidFill>
-                <a:latin typeface="Constantia" panose="02030602050306030303" pitchFamily="18" charset="0"/>
-                <a:ea typeface="Verdana" panose="020B0604030504040204" pitchFamily="34" charset="0"/>
-                <a:cs typeface="Arial" panose="020B0604020202020204" pitchFamily="34" charset="0"/>
-              </a:endParaRPr>
-            </a:p>
-          </p:txBody>
-        </p:sp>
-      </p:grpSp>
       <p:sp>
         <p:nvSpPr>
           <p:cNvPr id="18" name="AutoShape 4" descr="Ä°lgili resim">
@@ -14006,362 +12226,6 @@
           </a:fontRef>
         </p:style>
       </p:cxnSp>
-      <p:grpSp>
-        <p:nvGrpSpPr>
-          <p:cNvPr id="15" name="Grup 14"/>
-          <p:cNvGrpSpPr/>
-          <p:nvPr/>
-        </p:nvGrpSpPr>
-        <p:grpSpPr>
-          <a:xfrm>
-            <a:off x="228596" y="6231467"/>
-            <a:ext cx="3041654" cy="492576"/>
-            <a:chOff x="228596" y="6231467"/>
-            <a:chExt cx="3041654" cy="492576"/>
-          </a:xfrm>
-        </p:grpSpPr>
-        <p:grpSp>
-          <p:nvGrpSpPr>
-            <p:cNvPr id="8" name="Grup 7"/>
-            <p:cNvGrpSpPr/>
-            <p:nvPr/>
-          </p:nvGrpSpPr>
-          <p:grpSpPr>
-            <a:xfrm>
-              <a:off x="228596" y="6231467"/>
-              <a:ext cx="2802471" cy="457084"/>
-              <a:chOff x="127000" y="5901146"/>
-              <a:chExt cx="5156200" cy="838200"/>
-            </a:xfrm>
-          </p:grpSpPr>
-          <p:sp>
-            <p:nvSpPr>
-              <p:cNvPr id="7" name="Dikdörtgen 6"/>
-              <p:cNvSpPr/>
-              <p:nvPr/>
-            </p:nvSpPr>
-            <p:spPr>
-              <a:xfrm>
-                <a:off x="127000" y="5901146"/>
-                <a:ext cx="5156200" cy="838200"/>
-              </a:xfrm>
-              <a:prstGeom prst="rect">
-                <a:avLst/>
-              </a:prstGeom>
-              <a:solidFill>
-                <a:schemeClr val="bg1">
-                  <a:lumMod val="95000"/>
-                </a:schemeClr>
-              </a:solidFill>
-              <a:ln>
-                <a:noFill/>
-              </a:ln>
-            </p:spPr>
-            <p:style>
-              <a:lnRef idx="2">
-                <a:schemeClr val="accent1">
-                  <a:shade val="50000"/>
-                </a:schemeClr>
-              </a:lnRef>
-              <a:fillRef idx="1">
-                <a:schemeClr val="accent1"/>
-              </a:fillRef>
-              <a:effectRef idx="0">
-                <a:schemeClr val="accent1"/>
-              </a:effectRef>
-              <a:fontRef idx="minor">
-                <a:schemeClr val="lt1"/>
-              </a:fontRef>
-            </p:style>
-            <p:txBody>
-              <a:bodyPr rtlCol="0" anchor="ctr"/>
-              <a:lstStyle/>
-              <a:p>
-                <a:pPr algn="ctr"/>
-                <a:endParaRPr lang="en-US" sz="2000"/>
-              </a:p>
-            </p:txBody>
-          </p:sp>
-          <p:grpSp>
-            <p:nvGrpSpPr>
-              <p:cNvPr id="6" name="Grup 5"/>
-              <p:cNvGrpSpPr/>
-              <p:nvPr/>
-            </p:nvGrpSpPr>
-            <p:grpSpPr>
-              <a:xfrm>
-                <a:off x="211667" y="6019800"/>
-                <a:ext cx="5012266" cy="605115"/>
-                <a:chOff x="211667" y="6019800"/>
-                <a:chExt cx="5012266" cy="605115"/>
-              </a:xfrm>
-            </p:grpSpPr>
-            <p:pic>
-              <p:nvPicPr>
-                <p:cNvPr id="4" name="Resim 3"/>
-                <p:cNvPicPr>
-                  <a:picLocks noChangeAspect="1"/>
-                </p:cNvPicPr>
-                <p:nvPr/>
-              </p:nvPicPr>
-              <p:blipFill rotWithShape="1">
-                <a:blip r:embed="rId2" cstate="print">
-                  <a:extLst>
-                    <a:ext uri="{28A0092B-C50C-407E-A947-70E740481C1C}">
-                      <a14:useLocalDpi xmlns:a14="http://schemas.microsoft.com/office/drawing/2010/main" val="0"/>
-                    </a:ext>
-                  </a:extLst>
-                </a:blip>
-                <a:srcRect l="24387" t="8319" r="18355" b="50150"/>
-                <a:stretch/>
-              </p:blipFill>
-              <p:spPr>
-                <a:xfrm>
-                  <a:off x="211667" y="6019800"/>
-                  <a:ext cx="1072095" cy="600892"/>
-                </a:xfrm>
-                <a:prstGeom prst="rect">
-                  <a:avLst/>
-                </a:prstGeom>
-              </p:spPr>
-            </p:pic>
-            <p:sp>
-              <p:nvSpPr>
-                <p:cNvPr id="5" name="Unvan 1"/>
-                <p:cNvSpPr txBox="1">
-                  <a:spLocks/>
-                </p:cNvSpPr>
-                <p:nvPr/>
-              </p:nvSpPr>
-              <p:spPr>
-                <a:xfrm>
-                  <a:off x="1283763" y="6024023"/>
-                  <a:ext cx="3940170" cy="600892"/>
-                </a:xfrm>
-                <a:prstGeom prst="rect">
-                  <a:avLst/>
-                </a:prstGeom>
-              </p:spPr>
-              <p:txBody>
-                <a:bodyPr vert="horz" lIns="91440" tIns="45720" rIns="91440" bIns="45720" rtlCol="0" anchor="b">
-                  <a:noAutofit/>
-                </a:bodyPr>
-                <a:lstStyle>
-                  <a:lvl1pPr algn="ctr" defTabSz="914400" rtl="0" eaLnBrk="1" latinLnBrk="0" hangingPunct="1">
-                    <a:lnSpc>
-                      <a:spcPct val="90000"/>
-                    </a:lnSpc>
-                    <a:spcBef>
-                      <a:spcPct val="0"/>
-                    </a:spcBef>
-                    <a:buNone/>
-                    <a:defRPr sz="6000" kern="1200">
-                      <a:solidFill>
-                        <a:schemeClr val="tx1"/>
-                      </a:solidFill>
-                      <a:latin typeface="+mj-lt"/>
-                      <a:ea typeface="+mj-ea"/>
-                      <a:cs typeface="+mj-cs"/>
-                    </a:defRPr>
-                  </a:lvl1pPr>
-                </a:lstStyle>
-                <a:p>
-                  <a:pPr algn="l"/>
-                  <a:r>
-                    <a:rPr lang="tr-TR" sz="2000" dirty="0">
-                      <a:solidFill>
-                        <a:srgbClr val="CB171F"/>
-                      </a:solidFill>
-                      <a:latin typeface="Constantia" panose="02030602050306030303" pitchFamily="18" charset="0"/>
-                      <a:ea typeface="Verdana" panose="020B0604030504040204" pitchFamily="34" charset="0"/>
-                      <a:cs typeface="Arial" panose="020B0604020202020204" pitchFamily="34" charset="0"/>
-                    </a:rPr>
-                    <a:t>Veri Bilimi Okulu</a:t>
-                  </a:r>
-                  <a:endParaRPr lang="en-US" sz="2000" dirty="0">
-                    <a:solidFill>
-                      <a:srgbClr val="CB171F"/>
-                    </a:solidFill>
-                    <a:latin typeface="Constantia" panose="02030602050306030303" pitchFamily="18" charset="0"/>
-                    <a:ea typeface="Verdana" panose="020B0604030504040204" pitchFamily="34" charset="0"/>
-                    <a:cs typeface="Arial" panose="020B0604020202020204" pitchFamily="34" charset="0"/>
-                  </a:endParaRPr>
-                </a:p>
-              </p:txBody>
-            </p:sp>
-          </p:grpSp>
-        </p:grpSp>
-        <p:sp>
-          <p:nvSpPr>
-            <p:cNvPr id="12" name="Metin kutusu 11"/>
-            <p:cNvSpPr txBox="1"/>
-            <p:nvPr/>
-          </p:nvSpPr>
-          <p:spPr>
-            <a:xfrm>
-              <a:off x="1582782" y="6493211"/>
-              <a:ext cx="1687468" cy="230832"/>
-            </a:xfrm>
-            <a:prstGeom prst="rect">
-              <a:avLst/>
-            </a:prstGeom>
-            <a:noFill/>
-          </p:spPr>
-          <p:txBody>
-            <a:bodyPr wrap="square" rtlCol="0">
-              <a:spAutoFit/>
-            </a:bodyPr>
-            <a:lstStyle/>
-            <a:p>
-              <a:r>
-                <a:rPr lang="en-US" sz="900" dirty="0">
-                  <a:solidFill>
-                    <a:srgbClr val="0B8043"/>
-                  </a:solidFill>
-                </a:rPr>
-                <a:t>https:</a:t>
-              </a:r>
-              <a:r>
-                <a:rPr lang="en-US" sz="900" dirty="0">
-                  <a:solidFill>
-                    <a:schemeClr val="bg1">
-                      <a:lumMod val="50000"/>
-                    </a:schemeClr>
-                  </a:solidFill>
-                </a:rPr>
-                <a:t>//www.veribilimi.co</a:t>
-              </a:r>
-            </a:p>
-          </p:txBody>
-        </p:sp>
-      </p:grpSp>
-      <p:grpSp>
-        <p:nvGrpSpPr>
-          <p:cNvPr id="11" name="Grup 10"/>
-          <p:cNvGrpSpPr/>
-          <p:nvPr/>
-        </p:nvGrpSpPr>
-        <p:grpSpPr>
-          <a:xfrm>
-            <a:off x="9194796" y="6231467"/>
-            <a:ext cx="2802471" cy="457084"/>
-            <a:chOff x="184993" y="5905369"/>
-            <a:chExt cx="5156200" cy="838200"/>
-          </a:xfrm>
-        </p:grpSpPr>
-        <p:sp>
-          <p:nvSpPr>
-            <p:cNvPr id="13" name="Dikdörtgen 12"/>
-            <p:cNvSpPr/>
-            <p:nvPr/>
-          </p:nvSpPr>
-          <p:spPr>
-            <a:xfrm>
-              <a:off x="184993" y="5905369"/>
-              <a:ext cx="5156200" cy="838200"/>
-            </a:xfrm>
-            <a:prstGeom prst="rect">
-              <a:avLst/>
-            </a:prstGeom>
-            <a:solidFill>
-              <a:schemeClr val="bg1">
-                <a:lumMod val="95000"/>
-              </a:schemeClr>
-            </a:solidFill>
-            <a:ln>
-              <a:noFill/>
-            </a:ln>
-          </p:spPr>
-          <p:style>
-            <a:lnRef idx="2">
-              <a:schemeClr val="accent1">
-                <a:shade val="50000"/>
-              </a:schemeClr>
-            </a:lnRef>
-            <a:fillRef idx="1">
-              <a:schemeClr val="accent1"/>
-            </a:fillRef>
-            <a:effectRef idx="0">
-              <a:schemeClr val="accent1"/>
-            </a:effectRef>
-            <a:fontRef idx="minor">
-              <a:schemeClr val="lt1"/>
-            </a:fontRef>
-          </p:style>
-          <p:txBody>
-            <a:bodyPr rtlCol="0" anchor="ctr"/>
-            <a:lstStyle/>
-            <a:p>
-              <a:pPr algn="ctr"/>
-              <a:endParaRPr lang="en-US" sz="2000"/>
-            </a:p>
-          </p:txBody>
-        </p:sp>
-        <p:sp>
-          <p:nvSpPr>
-            <p:cNvPr id="14" name="Unvan 1"/>
-            <p:cNvSpPr txBox="1">
-              <a:spLocks/>
-            </p:cNvSpPr>
-            <p:nvPr/>
-          </p:nvSpPr>
-          <p:spPr>
-            <a:xfrm>
-              <a:off x="302252" y="6024023"/>
-              <a:ext cx="4921678" cy="600892"/>
-            </a:xfrm>
-            <a:prstGeom prst="rect">
-              <a:avLst/>
-            </a:prstGeom>
-          </p:spPr>
-          <p:txBody>
-            <a:bodyPr vert="horz" lIns="91440" tIns="45720" rIns="91440" bIns="45720" rtlCol="0" anchor="b">
-              <a:noAutofit/>
-            </a:bodyPr>
-            <a:lstStyle>
-              <a:lvl1pPr algn="ctr" defTabSz="914400" rtl="0" eaLnBrk="1" latinLnBrk="0" hangingPunct="1">
-                <a:lnSpc>
-                  <a:spcPct val="90000"/>
-                </a:lnSpc>
-                <a:spcBef>
-                  <a:spcPct val="0"/>
-                </a:spcBef>
-                <a:buNone/>
-                <a:defRPr sz="6000" kern="1200">
-                  <a:solidFill>
-                    <a:schemeClr val="tx1"/>
-                  </a:solidFill>
-                  <a:latin typeface="+mj-lt"/>
-                  <a:ea typeface="+mj-ea"/>
-                  <a:cs typeface="+mj-cs"/>
-                </a:defRPr>
-              </a:lvl1pPr>
-            </a:lstStyle>
-            <a:p>
-              <a:pPr algn="l"/>
-              <a:r>
-                <a:rPr lang="tr-TR" sz="2000" dirty="0">
-                  <a:solidFill>
-                    <a:srgbClr val="CB171F"/>
-                  </a:solidFill>
-                  <a:latin typeface="Constantia" panose="02030602050306030303" pitchFamily="18" charset="0"/>
-                  <a:ea typeface="Verdana" panose="020B0604030504040204" pitchFamily="34" charset="0"/>
-                  <a:cs typeface="Arial" panose="020B0604020202020204" pitchFamily="34" charset="0"/>
-                </a:rPr>
-                <a:t>A’dan Z’ye Büyük Veri</a:t>
-              </a:r>
-              <a:endParaRPr lang="en-US" sz="2000" dirty="0">
-                <a:solidFill>
-                  <a:srgbClr val="CB171F"/>
-                </a:solidFill>
-                <a:latin typeface="Constantia" panose="02030602050306030303" pitchFamily="18" charset="0"/>
-                <a:ea typeface="Verdana" panose="020B0604030504040204" pitchFamily="34" charset="0"/>
-                <a:cs typeface="Arial" panose="020B0604020202020204" pitchFamily="34" charset="0"/>
-              </a:endParaRPr>
-            </a:p>
-          </p:txBody>
-        </p:sp>
-      </p:grpSp>
       <p:sp>
         <p:nvSpPr>
           <p:cNvPr id="16" name="Unvan 1"/>
@@ -14415,7 +12279,7 @@
           <p:nvPr/>
         </p:nvPicPr>
         <p:blipFill rotWithShape="1">
-          <a:blip r:embed="rId3" cstate="print">
+          <a:blip r:embed="rId2" cstate="print">
             <a:extLst>
               <a:ext uri="{28A0092B-C50C-407E-A947-70E740481C1C}">
                 <a14:useLocalDpi xmlns:a14="http://schemas.microsoft.com/office/drawing/2010/main" val="0"/>
@@ -14444,7 +12308,7 @@
           <p:nvPr/>
         </p:nvPicPr>
         <p:blipFill rotWithShape="1">
-          <a:blip r:embed="rId3" cstate="print">
+          <a:blip r:embed="rId2" cstate="print">
             <a:extLst>
               <a:ext uri="{28A0092B-C50C-407E-A947-70E740481C1C}">
                 <a14:useLocalDpi xmlns:a14="http://schemas.microsoft.com/office/drawing/2010/main" val="0"/>
@@ -14473,7 +12337,7 @@
           <p:nvPr/>
         </p:nvPicPr>
         <p:blipFill rotWithShape="1">
-          <a:blip r:embed="rId3" cstate="print">
+          <a:blip r:embed="rId2" cstate="print">
             <a:extLst>
               <a:ext uri="{28A0092B-C50C-407E-A947-70E740481C1C}">
                 <a14:useLocalDpi xmlns:a14="http://schemas.microsoft.com/office/drawing/2010/main" val="0"/>
@@ -14502,7 +12366,7 @@
           <p:nvPr/>
         </p:nvPicPr>
         <p:blipFill rotWithShape="1">
-          <a:blip r:embed="rId3" cstate="print">
+          <a:blip r:embed="rId2" cstate="print">
             <a:extLst>
               <a:ext uri="{28A0092B-C50C-407E-A947-70E740481C1C}">
                 <a14:useLocalDpi xmlns:a14="http://schemas.microsoft.com/office/drawing/2010/main" val="0"/>
@@ -14531,7 +12395,7 @@
           <p:nvPr/>
         </p:nvPicPr>
         <p:blipFill rotWithShape="1">
-          <a:blip r:embed="rId3" cstate="print">
+          <a:blip r:embed="rId2" cstate="print">
             <a:extLst>
               <a:ext uri="{28A0092B-C50C-407E-A947-70E740481C1C}">
                 <a14:useLocalDpi xmlns:a14="http://schemas.microsoft.com/office/drawing/2010/main" val="0"/>
@@ -14560,7 +12424,7 @@
           <p:nvPr/>
         </p:nvPicPr>
         <p:blipFill rotWithShape="1">
-          <a:blip r:embed="rId3" cstate="print">
+          <a:blip r:embed="rId2" cstate="print">
             <a:extLst>
               <a:ext uri="{28A0092B-C50C-407E-A947-70E740481C1C}">
                 <a14:useLocalDpi xmlns:a14="http://schemas.microsoft.com/office/drawing/2010/main" val="0"/>
@@ -14589,7 +12453,7 @@
           <p:nvPr/>
         </p:nvPicPr>
         <p:blipFill rotWithShape="1">
-          <a:blip r:embed="rId3" cstate="print">
+          <a:blip r:embed="rId2" cstate="print">
             <a:extLst>
               <a:ext uri="{28A0092B-C50C-407E-A947-70E740481C1C}">
                 <a14:useLocalDpi xmlns:a14="http://schemas.microsoft.com/office/drawing/2010/main" val="0"/>
@@ -14618,7 +12482,7 @@
           <p:nvPr/>
         </p:nvPicPr>
         <p:blipFill rotWithShape="1">
-          <a:blip r:embed="rId3" cstate="print">
+          <a:blip r:embed="rId2" cstate="print">
             <a:extLst>
               <a:ext uri="{28A0092B-C50C-407E-A947-70E740481C1C}">
                 <a14:useLocalDpi xmlns:a14="http://schemas.microsoft.com/office/drawing/2010/main" val="0"/>
@@ -14647,7 +12511,7 @@
           <p:nvPr/>
         </p:nvPicPr>
         <p:blipFill rotWithShape="1">
-          <a:blip r:embed="rId3" cstate="print">
+          <a:blip r:embed="rId2" cstate="print">
             <a:extLst>
               <a:ext uri="{28A0092B-C50C-407E-A947-70E740481C1C}">
                 <a14:useLocalDpi xmlns:a14="http://schemas.microsoft.com/office/drawing/2010/main" val="0"/>
@@ -14676,7 +12540,7 @@
           <p:nvPr/>
         </p:nvPicPr>
         <p:blipFill rotWithShape="1">
-          <a:blip r:embed="rId3" cstate="print">
+          <a:blip r:embed="rId2" cstate="print">
             <a:extLst>
               <a:ext uri="{28A0092B-C50C-407E-A947-70E740481C1C}">
                 <a14:useLocalDpi xmlns:a14="http://schemas.microsoft.com/office/drawing/2010/main" val="0"/>
@@ -14705,7 +12569,7 @@
           <p:nvPr/>
         </p:nvPicPr>
         <p:blipFill rotWithShape="1">
-          <a:blip r:embed="rId3" cstate="print">
+          <a:blip r:embed="rId2" cstate="print">
             <a:extLst>
               <a:ext uri="{28A0092B-C50C-407E-A947-70E740481C1C}">
                 <a14:useLocalDpi xmlns:a14="http://schemas.microsoft.com/office/drawing/2010/main" val="0"/>
@@ -14734,7 +12598,7 @@
           <p:nvPr/>
         </p:nvPicPr>
         <p:blipFill rotWithShape="1">
-          <a:blip r:embed="rId3" cstate="print">
+          <a:blip r:embed="rId2" cstate="print">
             <a:extLst>
               <a:ext uri="{28A0092B-C50C-407E-A947-70E740481C1C}">
                 <a14:useLocalDpi xmlns:a14="http://schemas.microsoft.com/office/drawing/2010/main" val="0"/>
@@ -14763,7 +12627,7 @@
           <p:nvPr/>
         </p:nvPicPr>
         <p:blipFill rotWithShape="1">
-          <a:blip r:embed="rId3" cstate="print">
+          <a:blip r:embed="rId2" cstate="print">
             <a:extLst>
               <a:ext uri="{28A0092B-C50C-407E-A947-70E740481C1C}">
                 <a14:useLocalDpi xmlns:a14="http://schemas.microsoft.com/office/drawing/2010/main" val="0"/>
@@ -14792,7 +12656,7 @@
           <p:nvPr/>
         </p:nvPicPr>
         <p:blipFill rotWithShape="1">
-          <a:blip r:embed="rId3" cstate="print">
+          <a:blip r:embed="rId2" cstate="print">
             <a:extLst>
               <a:ext uri="{28A0092B-C50C-407E-A947-70E740481C1C}">
                 <a14:useLocalDpi xmlns:a14="http://schemas.microsoft.com/office/drawing/2010/main" val="0"/>
@@ -14821,7 +12685,7 @@
           <p:nvPr/>
         </p:nvPicPr>
         <p:blipFill rotWithShape="1">
-          <a:blip r:embed="rId3" cstate="print">
+          <a:blip r:embed="rId2" cstate="print">
             <a:extLst>
               <a:ext uri="{28A0092B-C50C-407E-A947-70E740481C1C}">
                 <a14:useLocalDpi xmlns:a14="http://schemas.microsoft.com/office/drawing/2010/main" val="0"/>
@@ -14850,7 +12714,7 @@
           <p:nvPr/>
         </p:nvPicPr>
         <p:blipFill rotWithShape="1">
-          <a:blip r:embed="rId3" cstate="print">
+          <a:blip r:embed="rId2" cstate="print">
             <a:extLst>
               <a:ext uri="{28A0092B-C50C-407E-A947-70E740481C1C}">
                 <a14:useLocalDpi xmlns:a14="http://schemas.microsoft.com/office/drawing/2010/main" val="0"/>
@@ -14879,7 +12743,7 @@
           <p:nvPr/>
         </p:nvPicPr>
         <p:blipFill rotWithShape="1">
-          <a:blip r:embed="rId3" cstate="print">
+          <a:blip r:embed="rId2" cstate="print">
             <a:extLst>
               <a:ext uri="{28A0092B-C50C-407E-A947-70E740481C1C}">
                 <a14:useLocalDpi xmlns:a14="http://schemas.microsoft.com/office/drawing/2010/main" val="0"/>
@@ -14908,7 +12772,7 @@
           <p:nvPr/>
         </p:nvPicPr>
         <p:blipFill rotWithShape="1">
-          <a:blip r:embed="rId3" cstate="print">
+          <a:blip r:embed="rId2" cstate="print">
             <a:extLst>
               <a:ext uri="{28A0092B-C50C-407E-A947-70E740481C1C}">
                 <a14:useLocalDpi xmlns:a14="http://schemas.microsoft.com/office/drawing/2010/main" val="0"/>
@@ -14937,7 +12801,7 @@
           <p:nvPr/>
         </p:nvPicPr>
         <p:blipFill rotWithShape="1">
-          <a:blip r:embed="rId3" cstate="print">
+          <a:blip r:embed="rId2" cstate="print">
             <a:extLst>
               <a:ext uri="{28A0092B-C50C-407E-A947-70E740481C1C}">
                 <a14:useLocalDpi xmlns:a14="http://schemas.microsoft.com/office/drawing/2010/main" val="0"/>
@@ -14966,7 +12830,7 @@
           <p:nvPr/>
         </p:nvPicPr>
         <p:blipFill rotWithShape="1">
-          <a:blip r:embed="rId3" cstate="print">
+          <a:blip r:embed="rId2" cstate="print">
             <a:extLst>
               <a:ext uri="{28A0092B-C50C-407E-A947-70E740481C1C}">
                 <a14:useLocalDpi xmlns:a14="http://schemas.microsoft.com/office/drawing/2010/main" val="0"/>
@@ -14995,7 +12859,7 @@
           <p:nvPr/>
         </p:nvPicPr>
         <p:blipFill rotWithShape="1">
-          <a:blip r:embed="rId3" cstate="print">
+          <a:blip r:embed="rId2" cstate="print">
             <a:extLst>
               <a:ext uri="{28A0092B-C50C-407E-A947-70E740481C1C}">
                 <a14:useLocalDpi xmlns:a14="http://schemas.microsoft.com/office/drawing/2010/main" val="0"/>
@@ -15024,7 +12888,7 @@
           <p:nvPr/>
         </p:nvPicPr>
         <p:blipFill rotWithShape="1">
-          <a:blip r:embed="rId3" cstate="print">
+          <a:blip r:embed="rId2" cstate="print">
             <a:extLst>
               <a:ext uri="{28A0092B-C50C-407E-A947-70E740481C1C}">
                 <a14:useLocalDpi xmlns:a14="http://schemas.microsoft.com/office/drawing/2010/main" val="0"/>
@@ -15053,7 +12917,7 @@
           <p:nvPr/>
         </p:nvPicPr>
         <p:blipFill rotWithShape="1">
-          <a:blip r:embed="rId3" cstate="print">
+          <a:blip r:embed="rId2" cstate="print">
             <a:extLst>
               <a:ext uri="{28A0092B-C50C-407E-A947-70E740481C1C}">
                 <a14:useLocalDpi xmlns:a14="http://schemas.microsoft.com/office/drawing/2010/main" val="0"/>
@@ -15082,7 +12946,7 @@
           <p:nvPr/>
         </p:nvPicPr>
         <p:blipFill rotWithShape="1">
-          <a:blip r:embed="rId3" cstate="print">
+          <a:blip r:embed="rId2" cstate="print">
             <a:extLst>
               <a:ext uri="{28A0092B-C50C-407E-A947-70E740481C1C}">
                 <a14:useLocalDpi xmlns:a14="http://schemas.microsoft.com/office/drawing/2010/main" val="0"/>
@@ -15111,7 +12975,7 @@
           <p:nvPr/>
         </p:nvPicPr>
         <p:blipFill rotWithShape="1">
-          <a:blip r:embed="rId3" cstate="print">
+          <a:blip r:embed="rId2" cstate="print">
             <a:extLst>
               <a:ext uri="{28A0092B-C50C-407E-A947-70E740481C1C}">
                 <a14:useLocalDpi xmlns:a14="http://schemas.microsoft.com/office/drawing/2010/main" val="0"/>
@@ -15140,7 +13004,7 @@
           <p:nvPr/>
         </p:nvPicPr>
         <p:blipFill rotWithShape="1">
-          <a:blip r:embed="rId3" cstate="print">
+          <a:blip r:embed="rId2" cstate="print">
             <a:extLst>
               <a:ext uri="{28A0092B-C50C-407E-A947-70E740481C1C}">
                 <a14:useLocalDpi xmlns:a14="http://schemas.microsoft.com/office/drawing/2010/main" val="0"/>
@@ -15169,7 +13033,7 @@
           <p:nvPr/>
         </p:nvPicPr>
         <p:blipFill rotWithShape="1">
-          <a:blip r:embed="rId3" cstate="print">
+          <a:blip r:embed="rId2" cstate="print">
             <a:extLst>
               <a:ext uri="{28A0092B-C50C-407E-A947-70E740481C1C}">
                 <a14:useLocalDpi xmlns:a14="http://schemas.microsoft.com/office/drawing/2010/main" val="0"/>
@@ -15198,7 +13062,7 @@
           <p:nvPr/>
         </p:nvPicPr>
         <p:blipFill rotWithShape="1">
-          <a:blip r:embed="rId3" cstate="print">
+          <a:blip r:embed="rId2" cstate="print">
             <a:extLst>
               <a:ext uri="{28A0092B-C50C-407E-A947-70E740481C1C}">
                 <a14:useLocalDpi xmlns:a14="http://schemas.microsoft.com/office/drawing/2010/main" val="0"/>
@@ -15227,7 +13091,7 @@
           <p:nvPr/>
         </p:nvPicPr>
         <p:blipFill rotWithShape="1">
-          <a:blip r:embed="rId3" cstate="print">
+          <a:blip r:embed="rId2" cstate="print">
             <a:extLst>
               <a:ext uri="{28A0092B-C50C-407E-A947-70E740481C1C}">
                 <a14:useLocalDpi xmlns:a14="http://schemas.microsoft.com/office/drawing/2010/main" val="0"/>
@@ -16380,362 +14244,6 @@
           </a:fontRef>
         </p:style>
       </p:cxnSp>
-      <p:grpSp>
-        <p:nvGrpSpPr>
-          <p:cNvPr id="15" name="Grup 14"/>
-          <p:cNvGrpSpPr/>
-          <p:nvPr/>
-        </p:nvGrpSpPr>
-        <p:grpSpPr>
-          <a:xfrm>
-            <a:off x="228596" y="6231467"/>
-            <a:ext cx="3041654" cy="492576"/>
-            <a:chOff x="228596" y="6231467"/>
-            <a:chExt cx="3041654" cy="492576"/>
-          </a:xfrm>
-        </p:grpSpPr>
-        <p:grpSp>
-          <p:nvGrpSpPr>
-            <p:cNvPr id="8" name="Grup 7"/>
-            <p:cNvGrpSpPr/>
-            <p:nvPr/>
-          </p:nvGrpSpPr>
-          <p:grpSpPr>
-            <a:xfrm>
-              <a:off x="228596" y="6231467"/>
-              <a:ext cx="2802471" cy="457084"/>
-              <a:chOff x="127000" y="5901146"/>
-              <a:chExt cx="5156200" cy="838200"/>
-            </a:xfrm>
-          </p:grpSpPr>
-          <p:sp>
-            <p:nvSpPr>
-              <p:cNvPr id="7" name="Dikdörtgen 6"/>
-              <p:cNvSpPr/>
-              <p:nvPr/>
-            </p:nvSpPr>
-            <p:spPr>
-              <a:xfrm>
-                <a:off x="127000" y="5901146"/>
-                <a:ext cx="5156200" cy="838200"/>
-              </a:xfrm>
-              <a:prstGeom prst="rect">
-                <a:avLst/>
-              </a:prstGeom>
-              <a:solidFill>
-                <a:schemeClr val="bg1">
-                  <a:lumMod val="95000"/>
-                </a:schemeClr>
-              </a:solidFill>
-              <a:ln>
-                <a:noFill/>
-              </a:ln>
-            </p:spPr>
-            <p:style>
-              <a:lnRef idx="2">
-                <a:schemeClr val="accent1">
-                  <a:shade val="50000"/>
-                </a:schemeClr>
-              </a:lnRef>
-              <a:fillRef idx="1">
-                <a:schemeClr val="accent1"/>
-              </a:fillRef>
-              <a:effectRef idx="0">
-                <a:schemeClr val="accent1"/>
-              </a:effectRef>
-              <a:fontRef idx="minor">
-                <a:schemeClr val="lt1"/>
-              </a:fontRef>
-            </p:style>
-            <p:txBody>
-              <a:bodyPr rtlCol="0" anchor="ctr"/>
-              <a:lstStyle/>
-              <a:p>
-                <a:pPr algn="ctr"/>
-                <a:endParaRPr lang="en-US" sz="2000"/>
-              </a:p>
-            </p:txBody>
-          </p:sp>
-          <p:grpSp>
-            <p:nvGrpSpPr>
-              <p:cNvPr id="6" name="Grup 5"/>
-              <p:cNvGrpSpPr/>
-              <p:nvPr/>
-            </p:nvGrpSpPr>
-            <p:grpSpPr>
-              <a:xfrm>
-                <a:off x="211667" y="6019800"/>
-                <a:ext cx="5012266" cy="605115"/>
-                <a:chOff x="211667" y="6019800"/>
-                <a:chExt cx="5012266" cy="605115"/>
-              </a:xfrm>
-            </p:grpSpPr>
-            <p:pic>
-              <p:nvPicPr>
-                <p:cNvPr id="4" name="Resim 3"/>
-                <p:cNvPicPr>
-                  <a:picLocks noChangeAspect="1"/>
-                </p:cNvPicPr>
-                <p:nvPr/>
-              </p:nvPicPr>
-              <p:blipFill rotWithShape="1">
-                <a:blip r:embed="rId2" cstate="print">
-                  <a:extLst>
-                    <a:ext uri="{28A0092B-C50C-407E-A947-70E740481C1C}">
-                      <a14:useLocalDpi xmlns:a14="http://schemas.microsoft.com/office/drawing/2010/main" val="0"/>
-                    </a:ext>
-                  </a:extLst>
-                </a:blip>
-                <a:srcRect l="24387" t="8319" r="18355" b="50150"/>
-                <a:stretch/>
-              </p:blipFill>
-              <p:spPr>
-                <a:xfrm>
-                  <a:off x="211667" y="6019800"/>
-                  <a:ext cx="1072095" cy="600892"/>
-                </a:xfrm>
-                <a:prstGeom prst="rect">
-                  <a:avLst/>
-                </a:prstGeom>
-              </p:spPr>
-            </p:pic>
-            <p:sp>
-              <p:nvSpPr>
-                <p:cNvPr id="5" name="Unvan 1"/>
-                <p:cNvSpPr txBox="1">
-                  <a:spLocks/>
-                </p:cNvSpPr>
-                <p:nvPr/>
-              </p:nvSpPr>
-              <p:spPr>
-                <a:xfrm>
-                  <a:off x="1283763" y="6024023"/>
-                  <a:ext cx="3940170" cy="600892"/>
-                </a:xfrm>
-                <a:prstGeom prst="rect">
-                  <a:avLst/>
-                </a:prstGeom>
-              </p:spPr>
-              <p:txBody>
-                <a:bodyPr vert="horz" lIns="91440" tIns="45720" rIns="91440" bIns="45720" rtlCol="0" anchor="b">
-                  <a:noAutofit/>
-                </a:bodyPr>
-                <a:lstStyle>
-                  <a:lvl1pPr algn="ctr" defTabSz="914400" rtl="0" eaLnBrk="1" latinLnBrk="0" hangingPunct="1">
-                    <a:lnSpc>
-                      <a:spcPct val="90000"/>
-                    </a:lnSpc>
-                    <a:spcBef>
-                      <a:spcPct val="0"/>
-                    </a:spcBef>
-                    <a:buNone/>
-                    <a:defRPr sz="6000" kern="1200">
-                      <a:solidFill>
-                        <a:schemeClr val="tx1"/>
-                      </a:solidFill>
-                      <a:latin typeface="+mj-lt"/>
-                      <a:ea typeface="+mj-ea"/>
-                      <a:cs typeface="+mj-cs"/>
-                    </a:defRPr>
-                  </a:lvl1pPr>
-                </a:lstStyle>
-                <a:p>
-                  <a:pPr algn="l"/>
-                  <a:r>
-                    <a:rPr lang="tr-TR" sz="2000" dirty="0">
-                      <a:solidFill>
-                        <a:srgbClr val="CB171F"/>
-                      </a:solidFill>
-                      <a:latin typeface="Constantia" panose="02030602050306030303" pitchFamily="18" charset="0"/>
-                      <a:ea typeface="Verdana" panose="020B0604030504040204" pitchFamily="34" charset="0"/>
-                      <a:cs typeface="Arial" panose="020B0604020202020204" pitchFamily="34" charset="0"/>
-                    </a:rPr>
-                    <a:t>Veri Bilimi Okulu</a:t>
-                  </a:r>
-                  <a:endParaRPr lang="en-US" sz="2000" dirty="0">
-                    <a:solidFill>
-                      <a:srgbClr val="CB171F"/>
-                    </a:solidFill>
-                    <a:latin typeface="Constantia" panose="02030602050306030303" pitchFamily="18" charset="0"/>
-                    <a:ea typeface="Verdana" panose="020B0604030504040204" pitchFamily="34" charset="0"/>
-                    <a:cs typeface="Arial" panose="020B0604020202020204" pitchFamily="34" charset="0"/>
-                  </a:endParaRPr>
-                </a:p>
-              </p:txBody>
-            </p:sp>
-          </p:grpSp>
-        </p:grpSp>
-        <p:sp>
-          <p:nvSpPr>
-            <p:cNvPr id="12" name="Metin kutusu 11"/>
-            <p:cNvSpPr txBox="1"/>
-            <p:nvPr/>
-          </p:nvSpPr>
-          <p:spPr>
-            <a:xfrm>
-              <a:off x="1582782" y="6493211"/>
-              <a:ext cx="1687468" cy="230832"/>
-            </a:xfrm>
-            <a:prstGeom prst="rect">
-              <a:avLst/>
-            </a:prstGeom>
-            <a:noFill/>
-          </p:spPr>
-          <p:txBody>
-            <a:bodyPr wrap="square" rtlCol="0">
-              <a:spAutoFit/>
-            </a:bodyPr>
-            <a:lstStyle/>
-            <a:p>
-              <a:r>
-                <a:rPr lang="en-US" sz="900" dirty="0">
-                  <a:solidFill>
-                    <a:srgbClr val="0B8043"/>
-                  </a:solidFill>
-                </a:rPr>
-                <a:t>https:</a:t>
-              </a:r>
-              <a:r>
-                <a:rPr lang="en-US" sz="900" dirty="0">
-                  <a:solidFill>
-                    <a:schemeClr val="bg1">
-                      <a:lumMod val="50000"/>
-                    </a:schemeClr>
-                  </a:solidFill>
-                </a:rPr>
-                <a:t>//www.veribilimi.co</a:t>
-              </a:r>
-            </a:p>
-          </p:txBody>
-        </p:sp>
-      </p:grpSp>
-      <p:grpSp>
-        <p:nvGrpSpPr>
-          <p:cNvPr id="11" name="Grup 10"/>
-          <p:cNvGrpSpPr/>
-          <p:nvPr/>
-        </p:nvGrpSpPr>
-        <p:grpSpPr>
-          <a:xfrm>
-            <a:off x="9194796" y="6231467"/>
-            <a:ext cx="2802471" cy="457084"/>
-            <a:chOff x="184993" y="5905369"/>
-            <a:chExt cx="5156200" cy="838200"/>
-          </a:xfrm>
-        </p:grpSpPr>
-        <p:sp>
-          <p:nvSpPr>
-            <p:cNvPr id="13" name="Dikdörtgen 12"/>
-            <p:cNvSpPr/>
-            <p:nvPr/>
-          </p:nvSpPr>
-          <p:spPr>
-            <a:xfrm>
-              <a:off x="184993" y="5905369"/>
-              <a:ext cx="5156200" cy="838200"/>
-            </a:xfrm>
-            <a:prstGeom prst="rect">
-              <a:avLst/>
-            </a:prstGeom>
-            <a:solidFill>
-              <a:schemeClr val="bg1">
-                <a:lumMod val="95000"/>
-              </a:schemeClr>
-            </a:solidFill>
-            <a:ln>
-              <a:noFill/>
-            </a:ln>
-          </p:spPr>
-          <p:style>
-            <a:lnRef idx="2">
-              <a:schemeClr val="accent1">
-                <a:shade val="50000"/>
-              </a:schemeClr>
-            </a:lnRef>
-            <a:fillRef idx="1">
-              <a:schemeClr val="accent1"/>
-            </a:fillRef>
-            <a:effectRef idx="0">
-              <a:schemeClr val="accent1"/>
-            </a:effectRef>
-            <a:fontRef idx="minor">
-              <a:schemeClr val="lt1"/>
-            </a:fontRef>
-          </p:style>
-          <p:txBody>
-            <a:bodyPr rtlCol="0" anchor="ctr"/>
-            <a:lstStyle/>
-            <a:p>
-              <a:pPr algn="ctr"/>
-              <a:endParaRPr lang="en-US" sz="2000"/>
-            </a:p>
-          </p:txBody>
-        </p:sp>
-        <p:sp>
-          <p:nvSpPr>
-            <p:cNvPr id="14" name="Unvan 1"/>
-            <p:cNvSpPr txBox="1">
-              <a:spLocks/>
-            </p:cNvSpPr>
-            <p:nvPr/>
-          </p:nvSpPr>
-          <p:spPr>
-            <a:xfrm>
-              <a:off x="302252" y="6024023"/>
-              <a:ext cx="4921678" cy="600892"/>
-            </a:xfrm>
-            <a:prstGeom prst="rect">
-              <a:avLst/>
-            </a:prstGeom>
-          </p:spPr>
-          <p:txBody>
-            <a:bodyPr vert="horz" lIns="91440" tIns="45720" rIns="91440" bIns="45720" rtlCol="0" anchor="b">
-              <a:noAutofit/>
-            </a:bodyPr>
-            <a:lstStyle>
-              <a:lvl1pPr algn="ctr" defTabSz="914400" rtl="0" eaLnBrk="1" latinLnBrk="0" hangingPunct="1">
-                <a:lnSpc>
-                  <a:spcPct val="90000"/>
-                </a:lnSpc>
-                <a:spcBef>
-                  <a:spcPct val="0"/>
-                </a:spcBef>
-                <a:buNone/>
-                <a:defRPr sz="6000" kern="1200">
-                  <a:solidFill>
-                    <a:schemeClr val="tx1"/>
-                  </a:solidFill>
-                  <a:latin typeface="+mj-lt"/>
-                  <a:ea typeface="+mj-ea"/>
-                  <a:cs typeface="+mj-cs"/>
-                </a:defRPr>
-              </a:lvl1pPr>
-            </a:lstStyle>
-            <a:p>
-              <a:pPr algn="l"/>
-              <a:r>
-                <a:rPr lang="tr-TR" sz="2000" dirty="0">
-                  <a:solidFill>
-                    <a:srgbClr val="CB171F"/>
-                  </a:solidFill>
-                  <a:latin typeface="Constantia" panose="02030602050306030303" pitchFamily="18" charset="0"/>
-                  <a:ea typeface="Verdana" panose="020B0604030504040204" pitchFamily="34" charset="0"/>
-                  <a:cs typeface="Arial" panose="020B0604020202020204" pitchFamily="34" charset="0"/>
-                </a:rPr>
-                <a:t>A’dan Z’ye Büyük Veri</a:t>
-              </a:r>
-              <a:endParaRPr lang="en-US" sz="2000" dirty="0">
-                <a:solidFill>
-                  <a:srgbClr val="CB171F"/>
-                </a:solidFill>
-                <a:latin typeface="Constantia" panose="02030602050306030303" pitchFamily="18" charset="0"/>
-                <a:ea typeface="Verdana" panose="020B0604030504040204" pitchFamily="34" charset="0"/>
-                <a:cs typeface="Arial" panose="020B0604020202020204" pitchFamily="34" charset="0"/>
-              </a:endParaRPr>
-            </a:p>
-          </p:txBody>
-        </p:sp>
-      </p:grpSp>
       <p:pic>
         <p:nvPicPr>
           <p:cNvPr id="19" name="Resim 18"/>
@@ -16745,7 +14253,7 @@
           <p:nvPr/>
         </p:nvPicPr>
         <p:blipFill rotWithShape="1">
-          <a:blip r:embed="rId3" cstate="print">
+          <a:blip r:embed="rId2" cstate="print">
             <a:extLst>
               <a:ext uri="{28A0092B-C50C-407E-A947-70E740481C1C}">
                 <a14:useLocalDpi xmlns:a14="http://schemas.microsoft.com/office/drawing/2010/main" val="0"/>
@@ -16774,7 +14282,7 @@
           <p:nvPr/>
         </p:nvPicPr>
         <p:blipFill rotWithShape="1">
-          <a:blip r:embed="rId3" cstate="print">
+          <a:blip r:embed="rId2" cstate="print">
             <a:extLst>
               <a:ext uri="{28A0092B-C50C-407E-A947-70E740481C1C}">
                 <a14:useLocalDpi xmlns:a14="http://schemas.microsoft.com/office/drawing/2010/main" val="0"/>
@@ -16803,7 +14311,7 @@
           <p:nvPr/>
         </p:nvPicPr>
         <p:blipFill rotWithShape="1">
-          <a:blip r:embed="rId3" cstate="print">
+          <a:blip r:embed="rId2" cstate="print">
             <a:extLst>
               <a:ext uri="{28A0092B-C50C-407E-A947-70E740481C1C}">
                 <a14:useLocalDpi xmlns:a14="http://schemas.microsoft.com/office/drawing/2010/main" val="0"/>
@@ -16832,7 +14340,7 @@
           <p:nvPr/>
         </p:nvPicPr>
         <p:blipFill rotWithShape="1">
-          <a:blip r:embed="rId3" cstate="print">
+          <a:blip r:embed="rId2" cstate="print">
             <a:extLst>
               <a:ext uri="{28A0092B-C50C-407E-A947-70E740481C1C}">
                 <a14:useLocalDpi xmlns:a14="http://schemas.microsoft.com/office/drawing/2010/main" val="0"/>
@@ -16861,7 +14369,7 @@
           <p:nvPr/>
         </p:nvPicPr>
         <p:blipFill rotWithShape="1">
-          <a:blip r:embed="rId3" cstate="print">
+          <a:blip r:embed="rId2" cstate="print">
             <a:extLst>
               <a:ext uri="{28A0092B-C50C-407E-A947-70E740481C1C}">
                 <a14:useLocalDpi xmlns:a14="http://schemas.microsoft.com/office/drawing/2010/main" val="0"/>
@@ -16890,7 +14398,7 @@
           <p:nvPr/>
         </p:nvPicPr>
         <p:blipFill rotWithShape="1">
-          <a:blip r:embed="rId3" cstate="print">
+          <a:blip r:embed="rId2" cstate="print">
             <a:extLst>
               <a:ext uri="{28A0092B-C50C-407E-A947-70E740481C1C}">
                 <a14:useLocalDpi xmlns:a14="http://schemas.microsoft.com/office/drawing/2010/main" val="0"/>
@@ -16919,7 +14427,7 @@
           <p:nvPr/>
         </p:nvPicPr>
         <p:blipFill rotWithShape="1">
-          <a:blip r:embed="rId3" cstate="print">
+          <a:blip r:embed="rId2" cstate="print">
             <a:extLst>
               <a:ext uri="{28A0092B-C50C-407E-A947-70E740481C1C}">
                 <a14:useLocalDpi xmlns:a14="http://schemas.microsoft.com/office/drawing/2010/main" val="0"/>
@@ -16948,7 +14456,7 @@
           <p:nvPr/>
         </p:nvPicPr>
         <p:blipFill rotWithShape="1">
-          <a:blip r:embed="rId3" cstate="print">
+          <a:blip r:embed="rId2" cstate="print">
             <a:extLst>
               <a:ext uri="{28A0092B-C50C-407E-A947-70E740481C1C}">
                 <a14:useLocalDpi xmlns:a14="http://schemas.microsoft.com/office/drawing/2010/main" val="0"/>
@@ -16977,7 +14485,7 @@
           <p:nvPr/>
         </p:nvPicPr>
         <p:blipFill rotWithShape="1">
-          <a:blip r:embed="rId3" cstate="print">
+          <a:blip r:embed="rId2" cstate="print">
             <a:extLst>
               <a:ext uri="{28A0092B-C50C-407E-A947-70E740481C1C}">
                 <a14:useLocalDpi xmlns:a14="http://schemas.microsoft.com/office/drawing/2010/main" val="0"/>
@@ -17006,7 +14514,7 @@
           <p:nvPr/>
         </p:nvPicPr>
         <p:blipFill rotWithShape="1">
-          <a:blip r:embed="rId3" cstate="print">
+          <a:blip r:embed="rId2" cstate="print">
             <a:extLst>
               <a:ext uri="{28A0092B-C50C-407E-A947-70E740481C1C}">
                 <a14:useLocalDpi xmlns:a14="http://schemas.microsoft.com/office/drawing/2010/main" val="0"/>
@@ -17035,7 +14543,7 @@
           <p:nvPr/>
         </p:nvPicPr>
         <p:blipFill rotWithShape="1">
-          <a:blip r:embed="rId3" cstate="print">
+          <a:blip r:embed="rId2" cstate="print">
             <a:extLst>
               <a:ext uri="{28A0092B-C50C-407E-A947-70E740481C1C}">
                 <a14:useLocalDpi xmlns:a14="http://schemas.microsoft.com/office/drawing/2010/main" val="0"/>
@@ -17064,7 +14572,7 @@
           <p:nvPr/>
         </p:nvPicPr>
         <p:blipFill rotWithShape="1">
-          <a:blip r:embed="rId3" cstate="print">
+          <a:blip r:embed="rId2" cstate="print">
             <a:extLst>
               <a:ext uri="{28A0092B-C50C-407E-A947-70E740481C1C}">
                 <a14:useLocalDpi xmlns:a14="http://schemas.microsoft.com/office/drawing/2010/main" val="0"/>
@@ -17093,7 +14601,7 @@
           <p:nvPr/>
         </p:nvPicPr>
         <p:blipFill rotWithShape="1">
-          <a:blip r:embed="rId3" cstate="print">
+          <a:blip r:embed="rId2" cstate="print">
             <a:extLst>
               <a:ext uri="{28A0092B-C50C-407E-A947-70E740481C1C}">
                 <a14:useLocalDpi xmlns:a14="http://schemas.microsoft.com/office/drawing/2010/main" val="0"/>
@@ -17122,7 +14630,7 @@
           <p:nvPr/>
         </p:nvPicPr>
         <p:blipFill rotWithShape="1">
-          <a:blip r:embed="rId3" cstate="print">
+          <a:blip r:embed="rId2" cstate="print">
             <a:extLst>
               <a:ext uri="{28A0092B-C50C-407E-A947-70E740481C1C}">
                 <a14:useLocalDpi xmlns:a14="http://schemas.microsoft.com/office/drawing/2010/main" val="0"/>
@@ -17151,7 +14659,7 @@
           <p:nvPr/>
         </p:nvPicPr>
         <p:blipFill rotWithShape="1">
-          <a:blip r:embed="rId3" cstate="print">
+          <a:blip r:embed="rId2" cstate="print">
             <a:extLst>
               <a:ext uri="{28A0092B-C50C-407E-A947-70E740481C1C}">
                 <a14:useLocalDpi xmlns:a14="http://schemas.microsoft.com/office/drawing/2010/main" val="0"/>
@@ -17180,7 +14688,7 @@
           <p:nvPr/>
         </p:nvPicPr>
         <p:blipFill rotWithShape="1">
-          <a:blip r:embed="rId3" cstate="print">
+          <a:blip r:embed="rId2" cstate="print">
             <a:extLst>
               <a:ext uri="{28A0092B-C50C-407E-A947-70E740481C1C}">
                 <a14:useLocalDpi xmlns:a14="http://schemas.microsoft.com/office/drawing/2010/main" val="0"/>
@@ -24943,362 +22451,6 @@
           </a:fontRef>
         </p:style>
       </p:cxnSp>
-      <p:grpSp>
-        <p:nvGrpSpPr>
-          <p:cNvPr id="15" name="Grup 14"/>
-          <p:cNvGrpSpPr/>
-          <p:nvPr/>
-        </p:nvGrpSpPr>
-        <p:grpSpPr>
-          <a:xfrm>
-            <a:off x="228596" y="6231467"/>
-            <a:ext cx="3041654" cy="492576"/>
-            <a:chOff x="228596" y="6231467"/>
-            <a:chExt cx="3041654" cy="492576"/>
-          </a:xfrm>
-        </p:grpSpPr>
-        <p:grpSp>
-          <p:nvGrpSpPr>
-            <p:cNvPr id="8" name="Grup 7"/>
-            <p:cNvGrpSpPr/>
-            <p:nvPr/>
-          </p:nvGrpSpPr>
-          <p:grpSpPr>
-            <a:xfrm>
-              <a:off x="228596" y="6231467"/>
-              <a:ext cx="2802471" cy="457084"/>
-              <a:chOff x="127000" y="5901146"/>
-              <a:chExt cx="5156200" cy="838200"/>
-            </a:xfrm>
-          </p:grpSpPr>
-          <p:sp>
-            <p:nvSpPr>
-              <p:cNvPr id="7" name="Dikdörtgen 6"/>
-              <p:cNvSpPr/>
-              <p:nvPr/>
-            </p:nvSpPr>
-            <p:spPr>
-              <a:xfrm>
-                <a:off x="127000" y="5901146"/>
-                <a:ext cx="5156200" cy="838200"/>
-              </a:xfrm>
-              <a:prstGeom prst="rect">
-                <a:avLst/>
-              </a:prstGeom>
-              <a:solidFill>
-                <a:schemeClr val="bg1">
-                  <a:lumMod val="95000"/>
-                </a:schemeClr>
-              </a:solidFill>
-              <a:ln>
-                <a:noFill/>
-              </a:ln>
-            </p:spPr>
-            <p:style>
-              <a:lnRef idx="2">
-                <a:schemeClr val="accent1">
-                  <a:shade val="50000"/>
-                </a:schemeClr>
-              </a:lnRef>
-              <a:fillRef idx="1">
-                <a:schemeClr val="accent1"/>
-              </a:fillRef>
-              <a:effectRef idx="0">
-                <a:schemeClr val="accent1"/>
-              </a:effectRef>
-              <a:fontRef idx="minor">
-                <a:schemeClr val="lt1"/>
-              </a:fontRef>
-            </p:style>
-            <p:txBody>
-              <a:bodyPr rtlCol="0" anchor="ctr"/>
-              <a:lstStyle/>
-              <a:p>
-                <a:pPr algn="ctr"/>
-                <a:endParaRPr lang="en-US" sz="2000"/>
-              </a:p>
-            </p:txBody>
-          </p:sp>
-          <p:grpSp>
-            <p:nvGrpSpPr>
-              <p:cNvPr id="6" name="Grup 5"/>
-              <p:cNvGrpSpPr/>
-              <p:nvPr/>
-            </p:nvGrpSpPr>
-            <p:grpSpPr>
-              <a:xfrm>
-                <a:off x="211667" y="6019800"/>
-                <a:ext cx="5012266" cy="605115"/>
-                <a:chOff x="211667" y="6019800"/>
-                <a:chExt cx="5012266" cy="605115"/>
-              </a:xfrm>
-            </p:grpSpPr>
-            <p:pic>
-              <p:nvPicPr>
-                <p:cNvPr id="4" name="Resim 3"/>
-                <p:cNvPicPr>
-                  <a:picLocks noChangeAspect="1"/>
-                </p:cNvPicPr>
-                <p:nvPr/>
-              </p:nvPicPr>
-              <p:blipFill rotWithShape="1">
-                <a:blip r:embed="rId2" cstate="print">
-                  <a:extLst>
-                    <a:ext uri="{28A0092B-C50C-407E-A947-70E740481C1C}">
-                      <a14:useLocalDpi xmlns:a14="http://schemas.microsoft.com/office/drawing/2010/main" val="0"/>
-                    </a:ext>
-                  </a:extLst>
-                </a:blip>
-                <a:srcRect l="24387" t="8319" r="18355" b="50150"/>
-                <a:stretch/>
-              </p:blipFill>
-              <p:spPr>
-                <a:xfrm>
-                  <a:off x="211667" y="6019800"/>
-                  <a:ext cx="1072095" cy="600892"/>
-                </a:xfrm>
-                <a:prstGeom prst="rect">
-                  <a:avLst/>
-                </a:prstGeom>
-              </p:spPr>
-            </p:pic>
-            <p:sp>
-              <p:nvSpPr>
-                <p:cNvPr id="5" name="Unvan 1"/>
-                <p:cNvSpPr txBox="1">
-                  <a:spLocks/>
-                </p:cNvSpPr>
-                <p:nvPr/>
-              </p:nvSpPr>
-              <p:spPr>
-                <a:xfrm>
-                  <a:off x="1283763" y="6024023"/>
-                  <a:ext cx="3940170" cy="600892"/>
-                </a:xfrm>
-                <a:prstGeom prst="rect">
-                  <a:avLst/>
-                </a:prstGeom>
-              </p:spPr>
-              <p:txBody>
-                <a:bodyPr vert="horz" lIns="91440" tIns="45720" rIns="91440" bIns="45720" rtlCol="0" anchor="b">
-                  <a:noAutofit/>
-                </a:bodyPr>
-                <a:lstStyle>
-                  <a:lvl1pPr algn="ctr" defTabSz="914400" rtl="0" eaLnBrk="1" latinLnBrk="0" hangingPunct="1">
-                    <a:lnSpc>
-                      <a:spcPct val="90000"/>
-                    </a:lnSpc>
-                    <a:spcBef>
-                      <a:spcPct val="0"/>
-                    </a:spcBef>
-                    <a:buNone/>
-                    <a:defRPr sz="6000" kern="1200">
-                      <a:solidFill>
-                        <a:schemeClr val="tx1"/>
-                      </a:solidFill>
-                      <a:latin typeface="+mj-lt"/>
-                      <a:ea typeface="+mj-ea"/>
-                      <a:cs typeface="+mj-cs"/>
-                    </a:defRPr>
-                  </a:lvl1pPr>
-                </a:lstStyle>
-                <a:p>
-                  <a:pPr algn="l"/>
-                  <a:r>
-                    <a:rPr lang="tr-TR" sz="2000" dirty="0">
-                      <a:solidFill>
-                        <a:srgbClr val="CB171F"/>
-                      </a:solidFill>
-                      <a:latin typeface="Constantia" panose="02030602050306030303" pitchFamily="18" charset="0"/>
-                      <a:ea typeface="Verdana" panose="020B0604030504040204" pitchFamily="34" charset="0"/>
-                      <a:cs typeface="Arial" panose="020B0604020202020204" pitchFamily="34" charset="0"/>
-                    </a:rPr>
-                    <a:t>Veri Bilimi Okulu</a:t>
-                  </a:r>
-                  <a:endParaRPr lang="en-US" sz="2000" dirty="0">
-                    <a:solidFill>
-                      <a:srgbClr val="CB171F"/>
-                    </a:solidFill>
-                    <a:latin typeface="Constantia" panose="02030602050306030303" pitchFamily="18" charset="0"/>
-                    <a:ea typeface="Verdana" panose="020B0604030504040204" pitchFamily="34" charset="0"/>
-                    <a:cs typeface="Arial" panose="020B0604020202020204" pitchFamily="34" charset="0"/>
-                  </a:endParaRPr>
-                </a:p>
-              </p:txBody>
-            </p:sp>
-          </p:grpSp>
-        </p:grpSp>
-        <p:sp>
-          <p:nvSpPr>
-            <p:cNvPr id="12" name="Metin kutusu 11"/>
-            <p:cNvSpPr txBox="1"/>
-            <p:nvPr/>
-          </p:nvSpPr>
-          <p:spPr>
-            <a:xfrm>
-              <a:off x="1582782" y="6493211"/>
-              <a:ext cx="1687468" cy="230832"/>
-            </a:xfrm>
-            <a:prstGeom prst="rect">
-              <a:avLst/>
-            </a:prstGeom>
-            <a:noFill/>
-          </p:spPr>
-          <p:txBody>
-            <a:bodyPr wrap="square" rtlCol="0">
-              <a:spAutoFit/>
-            </a:bodyPr>
-            <a:lstStyle/>
-            <a:p>
-              <a:r>
-                <a:rPr lang="en-US" sz="900" dirty="0">
-                  <a:solidFill>
-                    <a:srgbClr val="0B8043"/>
-                  </a:solidFill>
-                </a:rPr>
-                <a:t>https:</a:t>
-              </a:r>
-              <a:r>
-                <a:rPr lang="en-US" sz="900" dirty="0">
-                  <a:solidFill>
-                    <a:schemeClr val="bg1">
-                      <a:lumMod val="50000"/>
-                    </a:schemeClr>
-                  </a:solidFill>
-                </a:rPr>
-                <a:t>//www.veribilimi.co</a:t>
-              </a:r>
-            </a:p>
-          </p:txBody>
-        </p:sp>
-      </p:grpSp>
-      <p:grpSp>
-        <p:nvGrpSpPr>
-          <p:cNvPr id="11" name="Grup 10"/>
-          <p:cNvGrpSpPr/>
-          <p:nvPr/>
-        </p:nvGrpSpPr>
-        <p:grpSpPr>
-          <a:xfrm>
-            <a:off x="9194796" y="6231467"/>
-            <a:ext cx="2802471" cy="457084"/>
-            <a:chOff x="184993" y="5905369"/>
-            <a:chExt cx="5156200" cy="838200"/>
-          </a:xfrm>
-        </p:grpSpPr>
-        <p:sp>
-          <p:nvSpPr>
-            <p:cNvPr id="13" name="Dikdörtgen 12"/>
-            <p:cNvSpPr/>
-            <p:nvPr/>
-          </p:nvSpPr>
-          <p:spPr>
-            <a:xfrm>
-              <a:off x="184993" y="5905369"/>
-              <a:ext cx="5156200" cy="838200"/>
-            </a:xfrm>
-            <a:prstGeom prst="rect">
-              <a:avLst/>
-            </a:prstGeom>
-            <a:solidFill>
-              <a:schemeClr val="bg1">
-                <a:lumMod val="95000"/>
-              </a:schemeClr>
-            </a:solidFill>
-            <a:ln>
-              <a:noFill/>
-            </a:ln>
-          </p:spPr>
-          <p:style>
-            <a:lnRef idx="2">
-              <a:schemeClr val="accent1">
-                <a:shade val="50000"/>
-              </a:schemeClr>
-            </a:lnRef>
-            <a:fillRef idx="1">
-              <a:schemeClr val="accent1"/>
-            </a:fillRef>
-            <a:effectRef idx="0">
-              <a:schemeClr val="accent1"/>
-            </a:effectRef>
-            <a:fontRef idx="minor">
-              <a:schemeClr val="lt1"/>
-            </a:fontRef>
-          </p:style>
-          <p:txBody>
-            <a:bodyPr rtlCol="0" anchor="ctr"/>
-            <a:lstStyle/>
-            <a:p>
-              <a:pPr algn="ctr"/>
-              <a:endParaRPr lang="en-US" sz="2000"/>
-            </a:p>
-          </p:txBody>
-        </p:sp>
-        <p:sp>
-          <p:nvSpPr>
-            <p:cNvPr id="14" name="Unvan 1"/>
-            <p:cNvSpPr txBox="1">
-              <a:spLocks/>
-            </p:cNvSpPr>
-            <p:nvPr/>
-          </p:nvSpPr>
-          <p:spPr>
-            <a:xfrm>
-              <a:off x="302252" y="6024023"/>
-              <a:ext cx="4921678" cy="600892"/>
-            </a:xfrm>
-            <a:prstGeom prst="rect">
-              <a:avLst/>
-            </a:prstGeom>
-          </p:spPr>
-          <p:txBody>
-            <a:bodyPr vert="horz" lIns="91440" tIns="45720" rIns="91440" bIns="45720" rtlCol="0" anchor="b">
-              <a:noAutofit/>
-            </a:bodyPr>
-            <a:lstStyle>
-              <a:lvl1pPr algn="ctr" defTabSz="914400" rtl="0" eaLnBrk="1" latinLnBrk="0" hangingPunct="1">
-                <a:lnSpc>
-                  <a:spcPct val="90000"/>
-                </a:lnSpc>
-                <a:spcBef>
-                  <a:spcPct val="0"/>
-                </a:spcBef>
-                <a:buNone/>
-                <a:defRPr sz="6000" kern="1200">
-                  <a:solidFill>
-                    <a:schemeClr val="tx1"/>
-                  </a:solidFill>
-                  <a:latin typeface="+mj-lt"/>
-                  <a:ea typeface="+mj-ea"/>
-                  <a:cs typeface="+mj-cs"/>
-                </a:defRPr>
-              </a:lvl1pPr>
-            </a:lstStyle>
-            <a:p>
-              <a:pPr algn="l"/>
-              <a:r>
-                <a:rPr lang="tr-TR" sz="2000" dirty="0">
-                  <a:solidFill>
-                    <a:srgbClr val="CB171F"/>
-                  </a:solidFill>
-                  <a:latin typeface="Constantia" panose="02030602050306030303" pitchFamily="18" charset="0"/>
-                  <a:ea typeface="Verdana" panose="020B0604030504040204" pitchFamily="34" charset="0"/>
-                  <a:cs typeface="Arial" panose="020B0604020202020204" pitchFamily="34" charset="0"/>
-                </a:rPr>
-                <a:t>A’dan Z’ye Büyük Veri</a:t>
-              </a:r>
-              <a:endParaRPr lang="en-US" sz="2000" dirty="0">
-                <a:solidFill>
-                  <a:srgbClr val="CB171F"/>
-                </a:solidFill>
-                <a:latin typeface="Constantia" panose="02030602050306030303" pitchFamily="18" charset="0"/>
-                <a:ea typeface="Verdana" panose="020B0604030504040204" pitchFamily="34" charset="0"/>
-                <a:cs typeface="Arial" panose="020B0604020202020204" pitchFamily="34" charset="0"/>
-              </a:endParaRPr>
-            </a:p>
-          </p:txBody>
-        </p:sp>
-      </p:grpSp>
       <p:pic>
         <p:nvPicPr>
           <p:cNvPr id="36" name="Resim 35"/>
@@ -25308,7 +22460,7 @@
           <p:nvPr/>
         </p:nvPicPr>
         <p:blipFill rotWithShape="1">
-          <a:blip r:embed="rId3" cstate="print">
+          <a:blip r:embed="rId2" cstate="print">
             <a:extLst>
               <a:ext uri="{28A0092B-C50C-407E-A947-70E740481C1C}">
                 <a14:useLocalDpi xmlns:a14="http://schemas.microsoft.com/office/drawing/2010/main" val="0"/>
@@ -32969,7 +30121,7 @@
           <p:nvPr/>
         </p:nvPicPr>
         <p:blipFill rotWithShape="1">
-          <a:blip r:embed="rId3" cstate="print">
+          <a:blip r:embed="rId2" cstate="print">
             <a:extLst>
               <a:ext uri="{28A0092B-C50C-407E-A947-70E740481C1C}">
                 <a14:useLocalDpi xmlns:a14="http://schemas.microsoft.com/office/drawing/2010/main" val="0"/>
@@ -32998,7 +30150,7 @@
           <p:nvPr/>
         </p:nvPicPr>
         <p:blipFill rotWithShape="1">
-          <a:blip r:embed="rId3" cstate="print">
+          <a:blip r:embed="rId2" cstate="print">
             <a:extLst>
               <a:ext uri="{28A0092B-C50C-407E-A947-70E740481C1C}">
                 <a14:useLocalDpi xmlns:a14="http://schemas.microsoft.com/office/drawing/2010/main" val="0"/>
@@ -33027,7 +30179,7 @@
           <p:nvPr/>
         </p:nvPicPr>
         <p:blipFill rotWithShape="1">
-          <a:blip r:embed="rId3" cstate="print">
+          <a:blip r:embed="rId2" cstate="print">
             <a:extLst>
               <a:ext uri="{28A0092B-C50C-407E-A947-70E740481C1C}">
                 <a14:useLocalDpi xmlns:a14="http://schemas.microsoft.com/office/drawing/2010/main" val="0"/>
@@ -33056,7 +30208,7 @@
           <p:nvPr/>
         </p:nvPicPr>
         <p:blipFill rotWithShape="1">
-          <a:blip r:embed="rId3" cstate="print">
+          <a:blip r:embed="rId2" cstate="print">
             <a:extLst>
               <a:ext uri="{28A0092B-C50C-407E-A947-70E740481C1C}">
                 <a14:useLocalDpi xmlns:a14="http://schemas.microsoft.com/office/drawing/2010/main" val="0"/>
@@ -33085,7 +30237,7 @@
           <p:nvPr/>
         </p:nvPicPr>
         <p:blipFill rotWithShape="1">
-          <a:blip r:embed="rId3" cstate="print">
+          <a:blip r:embed="rId2" cstate="print">
             <a:extLst>
               <a:ext uri="{28A0092B-C50C-407E-A947-70E740481C1C}">
                 <a14:useLocalDpi xmlns:a14="http://schemas.microsoft.com/office/drawing/2010/main" val="0"/>
@@ -33114,7 +30266,7 @@
           <p:nvPr/>
         </p:nvPicPr>
         <p:blipFill rotWithShape="1">
-          <a:blip r:embed="rId3" cstate="print">
+          <a:blip r:embed="rId2" cstate="print">
             <a:extLst>
               <a:ext uri="{28A0092B-C50C-407E-A947-70E740481C1C}">
                 <a14:useLocalDpi xmlns:a14="http://schemas.microsoft.com/office/drawing/2010/main" val="0"/>
@@ -33722,362 +30874,6 @@
           </a:fontRef>
         </p:style>
       </p:cxnSp>
-      <p:grpSp>
-        <p:nvGrpSpPr>
-          <p:cNvPr id="15" name="Grup 14"/>
-          <p:cNvGrpSpPr/>
-          <p:nvPr/>
-        </p:nvGrpSpPr>
-        <p:grpSpPr>
-          <a:xfrm>
-            <a:off x="228596" y="6231467"/>
-            <a:ext cx="3041654" cy="492576"/>
-            <a:chOff x="228596" y="6231467"/>
-            <a:chExt cx="3041654" cy="492576"/>
-          </a:xfrm>
-        </p:grpSpPr>
-        <p:grpSp>
-          <p:nvGrpSpPr>
-            <p:cNvPr id="8" name="Grup 7"/>
-            <p:cNvGrpSpPr/>
-            <p:nvPr/>
-          </p:nvGrpSpPr>
-          <p:grpSpPr>
-            <a:xfrm>
-              <a:off x="228596" y="6231467"/>
-              <a:ext cx="2802471" cy="457084"/>
-              <a:chOff x="127000" y="5901146"/>
-              <a:chExt cx="5156200" cy="838200"/>
-            </a:xfrm>
-          </p:grpSpPr>
-          <p:sp>
-            <p:nvSpPr>
-              <p:cNvPr id="7" name="Dikdörtgen 6"/>
-              <p:cNvSpPr/>
-              <p:nvPr/>
-            </p:nvSpPr>
-            <p:spPr>
-              <a:xfrm>
-                <a:off x="127000" y="5901146"/>
-                <a:ext cx="5156200" cy="838200"/>
-              </a:xfrm>
-              <a:prstGeom prst="rect">
-                <a:avLst/>
-              </a:prstGeom>
-              <a:solidFill>
-                <a:schemeClr val="bg1">
-                  <a:lumMod val="95000"/>
-                </a:schemeClr>
-              </a:solidFill>
-              <a:ln>
-                <a:noFill/>
-              </a:ln>
-            </p:spPr>
-            <p:style>
-              <a:lnRef idx="2">
-                <a:schemeClr val="accent1">
-                  <a:shade val="50000"/>
-                </a:schemeClr>
-              </a:lnRef>
-              <a:fillRef idx="1">
-                <a:schemeClr val="accent1"/>
-              </a:fillRef>
-              <a:effectRef idx="0">
-                <a:schemeClr val="accent1"/>
-              </a:effectRef>
-              <a:fontRef idx="minor">
-                <a:schemeClr val="lt1"/>
-              </a:fontRef>
-            </p:style>
-            <p:txBody>
-              <a:bodyPr rtlCol="0" anchor="ctr"/>
-              <a:lstStyle/>
-              <a:p>
-                <a:pPr algn="ctr"/>
-                <a:endParaRPr lang="en-US" sz="2000"/>
-              </a:p>
-            </p:txBody>
-          </p:sp>
-          <p:grpSp>
-            <p:nvGrpSpPr>
-              <p:cNvPr id="6" name="Grup 5"/>
-              <p:cNvGrpSpPr/>
-              <p:nvPr/>
-            </p:nvGrpSpPr>
-            <p:grpSpPr>
-              <a:xfrm>
-                <a:off x="211667" y="6019800"/>
-                <a:ext cx="5012266" cy="605115"/>
-                <a:chOff x="211667" y="6019800"/>
-                <a:chExt cx="5012266" cy="605115"/>
-              </a:xfrm>
-            </p:grpSpPr>
-            <p:pic>
-              <p:nvPicPr>
-                <p:cNvPr id="4" name="Resim 3"/>
-                <p:cNvPicPr>
-                  <a:picLocks noChangeAspect="1"/>
-                </p:cNvPicPr>
-                <p:nvPr/>
-              </p:nvPicPr>
-              <p:blipFill rotWithShape="1">
-                <a:blip r:embed="rId2" cstate="print">
-                  <a:extLst>
-                    <a:ext uri="{28A0092B-C50C-407E-A947-70E740481C1C}">
-                      <a14:useLocalDpi xmlns:a14="http://schemas.microsoft.com/office/drawing/2010/main" val="0"/>
-                    </a:ext>
-                  </a:extLst>
-                </a:blip>
-                <a:srcRect l="24387" t="8319" r="18355" b="50150"/>
-                <a:stretch/>
-              </p:blipFill>
-              <p:spPr>
-                <a:xfrm>
-                  <a:off x="211667" y="6019800"/>
-                  <a:ext cx="1072095" cy="600892"/>
-                </a:xfrm>
-                <a:prstGeom prst="rect">
-                  <a:avLst/>
-                </a:prstGeom>
-              </p:spPr>
-            </p:pic>
-            <p:sp>
-              <p:nvSpPr>
-                <p:cNvPr id="5" name="Unvan 1"/>
-                <p:cNvSpPr txBox="1">
-                  <a:spLocks/>
-                </p:cNvSpPr>
-                <p:nvPr/>
-              </p:nvSpPr>
-              <p:spPr>
-                <a:xfrm>
-                  <a:off x="1283763" y="6024023"/>
-                  <a:ext cx="3940170" cy="600892"/>
-                </a:xfrm>
-                <a:prstGeom prst="rect">
-                  <a:avLst/>
-                </a:prstGeom>
-              </p:spPr>
-              <p:txBody>
-                <a:bodyPr vert="horz" lIns="91440" tIns="45720" rIns="91440" bIns="45720" rtlCol="0" anchor="b">
-                  <a:noAutofit/>
-                </a:bodyPr>
-                <a:lstStyle>
-                  <a:lvl1pPr algn="ctr" defTabSz="914400" rtl="0" eaLnBrk="1" latinLnBrk="0" hangingPunct="1">
-                    <a:lnSpc>
-                      <a:spcPct val="90000"/>
-                    </a:lnSpc>
-                    <a:spcBef>
-                      <a:spcPct val="0"/>
-                    </a:spcBef>
-                    <a:buNone/>
-                    <a:defRPr sz="6000" kern="1200">
-                      <a:solidFill>
-                        <a:schemeClr val="tx1"/>
-                      </a:solidFill>
-                      <a:latin typeface="+mj-lt"/>
-                      <a:ea typeface="+mj-ea"/>
-                      <a:cs typeface="+mj-cs"/>
-                    </a:defRPr>
-                  </a:lvl1pPr>
-                </a:lstStyle>
-                <a:p>
-                  <a:pPr algn="l"/>
-                  <a:r>
-                    <a:rPr lang="tr-TR" sz="2000" dirty="0">
-                      <a:solidFill>
-                        <a:srgbClr val="CB171F"/>
-                      </a:solidFill>
-                      <a:latin typeface="Constantia" panose="02030602050306030303" pitchFamily="18" charset="0"/>
-                      <a:ea typeface="Verdana" panose="020B0604030504040204" pitchFamily="34" charset="0"/>
-                      <a:cs typeface="Arial" panose="020B0604020202020204" pitchFamily="34" charset="0"/>
-                    </a:rPr>
-                    <a:t>Veri Bilimi Okulu</a:t>
-                  </a:r>
-                  <a:endParaRPr lang="en-US" sz="2000" dirty="0">
-                    <a:solidFill>
-                      <a:srgbClr val="CB171F"/>
-                    </a:solidFill>
-                    <a:latin typeface="Constantia" panose="02030602050306030303" pitchFamily="18" charset="0"/>
-                    <a:ea typeface="Verdana" panose="020B0604030504040204" pitchFamily="34" charset="0"/>
-                    <a:cs typeface="Arial" panose="020B0604020202020204" pitchFamily="34" charset="0"/>
-                  </a:endParaRPr>
-                </a:p>
-              </p:txBody>
-            </p:sp>
-          </p:grpSp>
-        </p:grpSp>
-        <p:sp>
-          <p:nvSpPr>
-            <p:cNvPr id="12" name="Metin kutusu 11"/>
-            <p:cNvSpPr txBox="1"/>
-            <p:nvPr/>
-          </p:nvSpPr>
-          <p:spPr>
-            <a:xfrm>
-              <a:off x="1582782" y="6493211"/>
-              <a:ext cx="1687468" cy="230832"/>
-            </a:xfrm>
-            <a:prstGeom prst="rect">
-              <a:avLst/>
-            </a:prstGeom>
-            <a:noFill/>
-          </p:spPr>
-          <p:txBody>
-            <a:bodyPr wrap="square" rtlCol="0">
-              <a:spAutoFit/>
-            </a:bodyPr>
-            <a:lstStyle/>
-            <a:p>
-              <a:r>
-                <a:rPr lang="en-US" sz="900" dirty="0">
-                  <a:solidFill>
-                    <a:srgbClr val="0B8043"/>
-                  </a:solidFill>
-                </a:rPr>
-                <a:t>https:</a:t>
-              </a:r>
-              <a:r>
-                <a:rPr lang="en-US" sz="900" dirty="0">
-                  <a:solidFill>
-                    <a:schemeClr val="bg1">
-                      <a:lumMod val="50000"/>
-                    </a:schemeClr>
-                  </a:solidFill>
-                </a:rPr>
-                <a:t>//www.veribilimi.co</a:t>
-              </a:r>
-            </a:p>
-          </p:txBody>
-        </p:sp>
-      </p:grpSp>
-      <p:grpSp>
-        <p:nvGrpSpPr>
-          <p:cNvPr id="11" name="Grup 10"/>
-          <p:cNvGrpSpPr/>
-          <p:nvPr/>
-        </p:nvGrpSpPr>
-        <p:grpSpPr>
-          <a:xfrm>
-            <a:off x="9194796" y="6231467"/>
-            <a:ext cx="2802471" cy="457084"/>
-            <a:chOff x="184993" y="5905369"/>
-            <a:chExt cx="5156200" cy="838200"/>
-          </a:xfrm>
-        </p:grpSpPr>
-        <p:sp>
-          <p:nvSpPr>
-            <p:cNvPr id="13" name="Dikdörtgen 12"/>
-            <p:cNvSpPr/>
-            <p:nvPr/>
-          </p:nvSpPr>
-          <p:spPr>
-            <a:xfrm>
-              <a:off x="184993" y="5905369"/>
-              <a:ext cx="5156200" cy="838200"/>
-            </a:xfrm>
-            <a:prstGeom prst="rect">
-              <a:avLst/>
-            </a:prstGeom>
-            <a:solidFill>
-              <a:schemeClr val="bg1">
-                <a:lumMod val="95000"/>
-              </a:schemeClr>
-            </a:solidFill>
-            <a:ln>
-              <a:noFill/>
-            </a:ln>
-          </p:spPr>
-          <p:style>
-            <a:lnRef idx="2">
-              <a:schemeClr val="accent1">
-                <a:shade val="50000"/>
-              </a:schemeClr>
-            </a:lnRef>
-            <a:fillRef idx="1">
-              <a:schemeClr val="accent1"/>
-            </a:fillRef>
-            <a:effectRef idx="0">
-              <a:schemeClr val="accent1"/>
-            </a:effectRef>
-            <a:fontRef idx="minor">
-              <a:schemeClr val="lt1"/>
-            </a:fontRef>
-          </p:style>
-          <p:txBody>
-            <a:bodyPr rtlCol="0" anchor="ctr"/>
-            <a:lstStyle/>
-            <a:p>
-              <a:pPr algn="ctr"/>
-              <a:endParaRPr lang="en-US" sz="2000"/>
-            </a:p>
-          </p:txBody>
-        </p:sp>
-        <p:sp>
-          <p:nvSpPr>
-            <p:cNvPr id="14" name="Unvan 1"/>
-            <p:cNvSpPr txBox="1">
-              <a:spLocks/>
-            </p:cNvSpPr>
-            <p:nvPr/>
-          </p:nvSpPr>
-          <p:spPr>
-            <a:xfrm>
-              <a:off x="302252" y="6024023"/>
-              <a:ext cx="4921678" cy="600892"/>
-            </a:xfrm>
-            <a:prstGeom prst="rect">
-              <a:avLst/>
-            </a:prstGeom>
-          </p:spPr>
-          <p:txBody>
-            <a:bodyPr vert="horz" lIns="91440" tIns="45720" rIns="91440" bIns="45720" rtlCol="0" anchor="b">
-              <a:noAutofit/>
-            </a:bodyPr>
-            <a:lstStyle>
-              <a:lvl1pPr algn="ctr" defTabSz="914400" rtl="0" eaLnBrk="1" latinLnBrk="0" hangingPunct="1">
-                <a:lnSpc>
-                  <a:spcPct val="90000"/>
-                </a:lnSpc>
-                <a:spcBef>
-                  <a:spcPct val="0"/>
-                </a:spcBef>
-                <a:buNone/>
-                <a:defRPr sz="6000" kern="1200">
-                  <a:solidFill>
-                    <a:schemeClr val="tx1"/>
-                  </a:solidFill>
-                  <a:latin typeface="+mj-lt"/>
-                  <a:ea typeface="+mj-ea"/>
-                  <a:cs typeface="+mj-cs"/>
-                </a:defRPr>
-              </a:lvl1pPr>
-            </a:lstStyle>
-            <a:p>
-              <a:pPr algn="l"/>
-              <a:r>
-                <a:rPr lang="tr-TR" sz="2000" dirty="0">
-                  <a:solidFill>
-                    <a:srgbClr val="CB171F"/>
-                  </a:solidFill>
-                  <a:latin typeface="Constantia" panose="02030602050306030303" pitchFamily="18" charset="0"/>
-                  <a:ea typeface="Verdana" panose="020B0604030504040204" pitchFamily="34" charset="0"/>
-                  <a:cs typeface="Arial" panose="020B0604020202020204" pitchFamily="34" charset="0"/>
-                </a:rPr>
-                <a:t>A’dan Z’ye Büyük Veri</a:t>
-              </a:r>
-              <a:endParaRPr lang="en-US" sz="2000" dirty="0">
-                <a:solidFill>
-                  <a:srgbClr val="CB171F"/>
-                </a:solidFill>
-                <a:latin typeface="Constantia" panose="02030602050306030303" pitchFamily="18" charset="0"/>
-                <a:ea typeface="Verdana" panose="020B0604030504040204" pitchFamily="34" charset="0"/>
-                <a:cs typeface="Arial" panose="020B0604020202020204" pitchFamily="34" charset="0"/>
-              </a:endParaRPr>
-            </a:p>
-          </p:txBody>
-        </p:sp>
-      </p:grpSp>
       <p:pic>
         <p:nvPicPr>
           <p:cNvPr id="36" name="Resim 35"/>
@@ -34087,7 +30883,7 @@
           <p:nvPr/>
         </p:nvPicPr>
         <p:blipFill rotWithShape="1">
-          <a:blip r:embed="rId3" cstate="print">
+          <a:blip r:embed="rId2" cstate="print">
             <a:extLst>
               <a:ext uri="{28A0092B-C50C-407E-A947-70E740481C1C}">
                 <a14:useLocalDpi xmlns:a14="http://schemas.microsoft.com/office/drawing/2010/main" val="0"/>
@@ -41748,7 +38544,7 @@
           <p:nvPr/>
         </p:nvPicPr>
         <p:blipFill rotWithShape="1">
-          <a:blip r:embed="rId3" cstate="print">
+          <a:blip r:embed="rId2" cstate="print">
             <a:extLst>
               <a:ext uri="{28A0092B-C50C-407E-A947-70E740481C1C}">
                 <a14:useLocalDpi xmlns:a14="http://schemas.microsoft.com/office/drawing/2010/main" val="0"/>
@@ -41777,7 +38573,7 @@
           <p:nvPr/>
         </p:nvPicPr>
         <p:blipFill rotWithShape="1">
-          <a:blip r:embed="rId3" cstate="print">
+          <a:blip r:embed="rId2" cstate="print">
             <a:extLst>
               <a:ext uri="{28A0092B-C50C-407E-A947-70E740481C1C}">
                 <a14:useLocalDpi xmlns:a14="http://schemas.microsoft.com/office/drawing/2010/main" val="0"/>
@@ -41806,7 +38602,7 @@
           <p:nvPr/>
         </p:nvPicPr>
         <p:blipFill rotWithShape="1">
-          <a:blip r:embed="rId3" cstate="print">
+          <a:blip r:embed="rId2" cstate="print">
             <a:extLst>
               <a:ext uri="{28A0092B-C50C-407E-A947-70E740481C1C}">
                 <a14:useLocalDpi xmlns:a14="http://schemas.microsoft.com/office/drawing/2010/main" val="0"/>
@@ -41835,7 +38631,7 @@
           <p:nvPr/>
         </p:nvPicPr>
         <p:blipFill rotWithShape="1">
-          <a:blip r:embed="rId3" cstate="print">
+          <a:blip r:embed="rId2" cstate="print">
             <a:extLst>
               <a:ext uri="{28A0092B-C50C-407E-A947-70E740481C1C}">
                 <a14:useLocalDpi xmlns:a14="http://schemas.microsoft.com/office/drawing/2010/main" val="0"/>
@@ -41864,7 +38660,7 @@
           <p:nvPr/>
         </p:nvPicPr>
         <p:blipFill rotWithShape="1">
-          <a:blip r:embed="rId3" cstate="print">
+          <a:blip r:embed="rId2" cstate="print">
             <a:extLst>
               <a:ext uri="{28A0092B-C50C-407E-A947-70E740481C1C}">
                 <a14:useLocalDpi xmlns:a14="http://schemas.microsoft.com/office/drawing/2010/main" val="0"/>
@@ -41893,7 +38689,7 @@
           <p:nvPr/>
         </p:nvPicPr>
         <p:blipFill rotWithShape="1">
-          <a:blip r:embed="rId3" cstate="print">
+          <a:blip r:embed="rId2" cstate="print">
             <a:extLst>
               <a:ext uri="{28A0092B-C50C-407E-A947-70E740481C1C}">
                 <a14:useLocalDpi xmlns:a14="http://schemas.microsoft.com/office/drawing/2010/main" val="0"/>
@@ -42448,362 +39244,6 @@
           </a:fontRef>
         </p:style>
       </p:cxnSp>
-      <p:grpSp>
-        <p:nvGrpSpPr>
-          <p:cNvPr id="15" name="Grup 14"/>
-          <p:cNvGrpSpPr/>
-          <p:nvPr/>
-        </p:nvGrpSpPr>
-        <p:grpSpPr>
-          <a:xfrm>
-            <a:off x="228596" y="6231467"/>
-            <a:ext cx="3041654" cy="492576"/>
-            <a:chOff x="228596" y="6231467"/>
-            <a:chExt cx="3041654" cy="492576"/>
-          </a:xfrm>
-        </p:grpSpPr>
-        <p:grpSp>
-          <p:nvGrpSpPr>
-            <p:cNvPr id="8" name="Grup 7"/>
-            <p:cNvGrpSpPr/>
-            <p:nvPr/>
-          </p:nvGrpSpPr>
-          <p:grpSpPr>
-            <a:xfrm>
-              <a:off x="228596" y="6231467"/>
-              <a:ext cx="2802471" cy="457084"/>
-              <a:chOff x="127000" y="5901146"/>
-              <a:chExt cx="5156200" cy="838200"/>
-            </a:xfrm>
-          </p:grpSpPr>
-          <p:sp>
-            <p:nvSpPr>
-              <p:cNvPr id="7" name="Dikdörtgen 6"/>
-              <p:cNvSpPr/>
-              <p:nvPr/>
-            </p:nvSpPr>
-            <p:spPr>
-              <a:xfrm>
-                <a:off x="127000" y="5901146"/>
-                <a:ext cx="5156200" cy="838200"/>
-              </a:xfrm>
-              <a:prstGeom prst="rect">
-                <a:avLst/>
-              </a:prstGeom>
-              <a:solidFill>
-                <a:schemeClr val="bg1">
-                  <a:lumMod val="95000"/>
-                </a:schemeClr>
-              </a:solidFill>
-              <a:ln>
-                <a:noFill/>
-              </a:ln>
-            </p:spPr>
-            <p:style>
-              <a:lnRef idx="2">
-                <a:schemeClr val="accent1">
-                  <a:shade val="50000"/>
-                </a:schemeClr>
-              </a:lnRef>
-              <a:fillRef idx="1">
-                <a:schemeClr val="accent1"/>
-              </a:fillRef>
-              <a:effectRef idx="0">
-                <a:schemeClr val="accent1"/>
-              </a:effectRef>
-              <a:fontRef idx="minor">
-                <a:schemeClr val="lt1"/>
-              </a:fontRef>
-            </p:style>
-            <p:txBody>
-              <a:bodyPr rtlCol="0" anchor="ctr"/>
-              <a:lstStyle/>
-              <a:p>
-                <a:pPr algn="ctr"/>
-                <a:endParaRPr lang="en-US" sz="2000"/>
-              </a:p>
-            </p:txBody>
-          </p:sp>
-          <p:grpSp>
-            <p:nvGrpSpPr>
-              <p:cNvPr id="6" name="Grup 5"/>
-              <p:cNvGrpSpPr/>
-              <p:nvPr/>
-            </p:nvGrpSpPr>
-            <p:grpSpPr>
-              <a:xfrm>
-                <a:off x="211667" y="6019800"/>
-                <a:ext cx="5012266" cy="605115"/>
-                <a:chOff x="211667" y="6019800"/>
-                <a:chExt cx="5012266" cy="605115"/>
-              </a:xfrm>
-            </p:grpSpPr>
-            <p:pic>
-              <p:nvPicPr>
-                <p:cNvPr id="4" name="Resim 3"/>
-                <p:cNvPicPr>
-                  <a:picLocks noChangeAspect="1"/>
-                </p:cNvPicPr>
-                <p:nvPr/>
-              </p:nvPicPr>
-              <p:blipFill rotWithShape="1">
-                <a:blip r:embed="rId2" cstate="print">
-                  <a:extLst>
-                    <a:ext uri="{28A0092B-C50C-407E-A947-70E740481C1C}">
-                      <a14:useLocalDpi xmlns:a14="http://schemas.microsoft.com/office/drawing/2010/main" val="0"/>
-                    </a:ext>
-                  </a:extLst>
-                </a:blip>
-                <a:srcRect l="24387" t="8319" r="18355" b="50150"/>
-                <a:stretch/>
-              </p:blipFill>
-              <p:spPr>
-                <a:xfrm>
-                  <a:off x="211667" y="6019800"/>
-                  <a:ext cx="1072095" cy="600892"/>
-                </a:xfrm>
-                <a:prstGeom prst="rect">
-                  <a:avLst/>
-                </a:prstGeom>
-              </p:spPr>
-            </p:pic>
-            <p:sp>
-              <p:nvSpPr>
-                <p:cNvPr id="5" name="Unvan 1"/>
-                <p:cNvSpPr txBox="1">
-                  <a:spLocks/>
-                </p:cNvSpPr>
-                <p:nvPr/>
-              </p:nvSpPr>
-              <p:spPr>
-                <a:xfrm>
-                  <a:off x="1283763" y="6024023"/>
-                  <a:ext cx="3940170" cy="600892"/>
-                </a:xfrm>
-                <a:prstGeom prst="rect">
-                  <a:avLst/>
-                </a:prstGeom>
-              </p:spPr>
-              <p:txBody>
-                <a:bodyPr vert="horz" lIns="91440" tIns="45720" rIns="91440" bIns="45720" rtlCol="0" anchor="b">
-                  <a:noAutofit/>
-                </a:bodyPr>
-                <a:lstStyle>
-                  <a:lvl1pPr algn="ctr" defTabSz="914400" rtl="0" eaLnBrk="1" latinLnBrk="0" hangingPunct="1">
-                    <a:lnSpc>
-                      <a:spcPct val="90000"/>
-                    </a:lnSpc>
-                    <a:spcBef>
-                      <a:spcPct val="0"/>
-                    </a:spcBef>
-                    <a:buNone/>
-                    <a:defRPr sz="6000" kern="1200">
-                      <a:solidFill>
-                        <a:schemeClr val="tx1"/>
-                      </a:solidFill>
-                      <a:latin typeface="+mj-lt"/>
-                      <a:ea typeface="+mj-ea"/>
-                      <a:cs typeface="+mj-cs"/>
-                    </a:defRPr>
-                  </a:lvl1pPr>
-                </a:lstStyle>
-                <a:p>
-                  <a:pPr algn="l"/>
-                  <a:r>
-                    <a:rPr lang="tr-TR" sz="2000" dirty="0">
-                      <a:solidFill>
-                        <a:srgbClr val="CB171F"/>
-                      </a:solidFill>
-                      <a:latin typeface="Constantia" panose="02030602050306030303" pitchFamily="18" charset="0"/>
-                      <a:ea typeface="Verdana" panose="020B0604030504040204" pitchFamily="34" charset="0"/>
-                      <a:cs typeface="Arial" panose="020B0604020202020204" pitchFamily="34" charset="0"/>
-                    </a:rPr>
-                    <a:t>Veri Bilimi Okulu</a:t>
-                  </a:r>
-                  <a:endParaRPr lang="en-US" sz="2000" dirty="0">
-                    <a:solidFill>
-                      <a:srgbClr val="CB171F"/>
-                    </a:solidFill>
-                    <a:latin typeface="Constantia" panose="02030602050306030303" pitchFamily="18" charset="0"/>
-                    <a:ea typeface="Verdana" panose="020B0604030504040204" pitchFamily="34" charset="0"/>
-                    <a:cs typeface="Arial" panose="020B0604020202020204" pitchFamily="34" charset="0"/>
-                  </a:endParaRPr>
-                </a:p>
-              </p:txBody>
-            </p:sp>
-          </p:grpSp>
-        </p:grpSp>
-        <p:sp>
-          <p:nvSpPr>
-            <p:cNvPr id="12" name="Metin kutusu 11"/>
-            <p:cNvSpPr txBox="1"/>
-            <p:nvPr/>
-          </p:nvSpPr>
-          <p:spPr>
-            <a:xfrm>
-              <a:off x="1582782" y="6493211"/>
-              <a:ext cx="1687468" cy="230832"/>
-            </a:xfrm>
-            <a:prstGeom prst="rect">
-              <a:avLst/>
-            </a:prstGeom>
-            <a:noFill/>
-          </p:spPr>
-          <p:txBody>
-            <a:bodyPr wrap="square" rtlCol="0">
-              <a:spAutoFit/>
-            </a:bodyPr>
-            <a:lstStyle/>
-            <a:p>
-              <a:r>
-                <a:rPr lang="en-US" sz="900" dirty="0">
-                  <a:solidFill>
-                    <a:srgbClr val="0B8043"/>
-                  </a:solidFill>
-                </a:rPr>
-                <a:t>https:</a:t>
-              </a:r>
-              <a:r>
-                <a:rPr lang="en-US" sz="900" dirty="0">
-                  <a:solidFill>
-                    <a:schemeClr val="bg1">
-                      <a:lumMod val="50000"/>
-                    </a:schemeClr>
-                  </a:solidFill>
-                </a:rPr>
-                <a:t>//www.veribilimi.co</a:t>
-              </a:r>
-            </a:p>
-          </p:txBody>
-        </p:sp>
-      </p:grpSp>
-      <p:grpSp>
-        <p:nvGrpSpPr>
-          <p:cNvPr id="11" name="Grup 10"/>
-          <p:cNvGrpSpPr/>
-          <p:nvPr/>
-        </p:nvGrpSpPr>
-        <p:grpSpPr>
-          <a:xfrm>
-            <a:off x="9194796" y="6231467"/>
-            <a:ext cx="2802471" cy="457084"/>
-            <a:chOff x="184993" y="5905369"/>
-            <a:chExt cx="5156200" cy="838200"/>
-          </a:xfrm>
-        </p:grpSpPr>
-        <p:sp>
-          <p:nvSpPr>
-            <p:cNvPr id="13" name="Dikdörtgen 12"/>
-            <p:cNvSpPr/>
-            <p:nvPr/>
-          </p:nvSpPr>
-          <p:spPr>
-            <a:xfrm>
-              <a:off x="184993" y="5905369"/>
-              <a:ext cx="5156200" cy="838200"/>
-            </a:xfrm>
-            <a:prstGeom prst="rect">
-              <a:avLst/>
-            </a:prstGeom>
-            <a:solidFill>
-              <a:schemeClr val="bg1">
-                <a:lumMod val="95000"/>
-              </a:schemeClr>
-            </a:solidFill>
-            <a:ln>
-              <a:noFill/>
-            </a:ln>
-          </p:spPr>
-          <p:style>
-            <a:lnRef idx="2">
-              <a:schemeClr val="accent1">
-                <a:shade val="50000"/>
-              </a:schemeClr>
-            </a:lnRef>
-            <a:fillRef idx="1">
-              <a:schemeClr val="accent1"/>
-            </a:fillRef>
-            <a:effectRef idx="0">
-              <a:schemeClr val="accent1"/>
-            </a:effectRef>
-            <a:fontRef idx="minor">
-              <a:schemeClr val="lt1"/>
-            </a:fontRef>
-          </p:style>
-          <p:txBody>
-            <a:bodyPr rtlCol="0" anchor="ctr"/>
-            <a:lstStyle/>
-            <a:p>
-              <a:pPr algn="ctr"/>
-              <a:endParaRPr lang="en-US" sz="2000"/>
-            </a:p>
-          </p:txBody>
-        </p:sp>
-        <p:sp>
-          <p:nvSpPr>
-            <p:cNvPr id="14" name="Unvan 1"/>
-            <p:cNvSpPr txBox="1">
-              <a:spLocks/>
-            </p:cNvSpPr>
-            <p:nvPr/>
-          </p:nvSpPr>
-          <p:spPr>
-            <a:xfrm>
-              <a:off x="302252" y="6024023"/>
-              <a:ext cx="4921678" cy="600892"/>
-            </a:xfrm>
-            <a:prstGeom prst="rect">
-              <a:avLst/>
-            </a:prstGeom>
-          </p:spPr>
-          <p:txBody>
-            <a:bodyPr vert="horz" lIns="91440" tIns="45720" rIns="91440" bIns="45720" rtlCol="0" anchor="b">
-              <a:noAutofit/>
-            </a:bodyPr>
-            <a:lstStyle>
-              <a:lvl1pPr algn="ctr" defTabSz="914400" rtl="0" eaLnBrk="1" latinLnBrk="0" hangingPunct="1">
-                <a:lnSpc>
-                  <a:spcPct val="90000"/>
-                </a:lnSpc>
-                <a:spcBef>
-                  <a:spcPct val="0"/>
-                </a:spcBef>
-                <a:buNone/>
-                <a:defRPr sz="6000" kern="1200">
-                  <a:solidFill>
-                    <a:schemeClr val="tx1"/>
-                  </a:solidFill>
-                  <a:latin typeface="+mj-lt"/>
-                  <a:ea typeface="+mj-ea"/>
-                  <a:cs typeface="+mj-cs"/>
-                </a:defRPr>
-              </a:lvl1pPr>
-            </a:lstStyle>
-            <a:p>
-              <a:pPr algn="l"/>
-              <a:r>
-                <a:rPr lang="tr-TR" sz="2000" dirty="0">
-                  <a:solidFill>
-                    <a:srgbClr val="CB171F"/>
-                  </a:solidFill>
-                  <a:latin typeface="Constantia" panose="02030602050306030303" pitchFamily="18" charset="0"/>
-                  <a:ea typeface="Verdana" panose="020B0604030504040204" pitchFamily="34" charset="0"/>
-                  <a:cs typeface="Arial" panose="020B0604020202020204" pitchFamily="34" charset="0"/>
-                </a:rPr>
-                <a:t>A’dan Z’ye Büyük Veri</a:t>
-              </a:r>
-              <a:endParaRPr lang="en-US" sz="2000" dirty="0">
-                <a:solidFill>
-                  <a:srgbClr val="CB171F"/>
-                </a:solidFill>
-                <a:latin typeface="Constantia" panose="02030602050306030303" pitchFamily="18" charset="0"/>
-                <a:ea typeface="Verdana" panose="020B0604030504040204" pitchFamily="34" charset="0"/>
-                <a:cs typeface="Arial" panose="020B0604020202020204" pitchFamily="34" charset="0"/>
-              </a:endParaRPr>
-            </a:p>
-          </p:txBody>
-        </p:sp>
-      </p:grpSp>
       <p:pic>
         <p:nvPicPr>
           <p:cNvPr id="36" name="Resim 35"/>
@@ -42813,7 +39253,7 @@
           <p:nvPr/>
         </p:nvPicPr>
         <p:blipFill rotWithShape="1">
-          <a:blip r:embed="rId3" cstate="print">
+          <a:blip r:embed="rId2" cstate="print">
             <a:extLst>
               <a:ext uri="{28A0092B-C50C-407E-A947-70E740481C1C}">
                 <a14:useLocalDpi xmlns:a14="http://schemas.microsoft.com/office/drawing/2010/main" val="0"/>
@@ -50474,7 +46914,7 @@
           <p:nvPr/>
         </p:nvPicPr>
         <p:blipFill rotWithShape="1">
-          <a:blip r:embed="rId3" cstate="print">
+          <a:blip r:embed="rId2" cstate="print">
             <a:extLst>
               <a:ext uri="{28A0092B-C50C-407E-A947-70E740481C1C}">
                 <a14:useLocalDpi xmlns:a14="http://schemas.microsoft.com/office/drawing/2010/main" val="0"/>
@@ -50503,7 +46943,7 @@
           <p:nvPr/>
         </p:nvPicPr>
         <p:blipFill rotWithShape="1">
-          <a:blip r:embed="rId3" cstate="print">
+          <a:blip r:embed="rId2" cstate="print">
             <a:extLst>
               <a:ext uri="{28A0092B-C50C-407E-A947-70E740481C1C}">
                 <a14:useLocalDpi xmlns:a14="http://schemas.microsoft.com/office/drawing/2010/main" val="0"/>
@@ -50532,7 +46972,7 @@
           <p:nvPr/>
         </p:nvPicPr>
         <p:blipFill rotWithShape="1">
-          <a:blip r:embed="rId3" cstate="print">
+          <a:blip r:embed="rId2" cstate="print">
             <a:extLst>
               <a:ext uri="{28A0092B-C50C-407E-A947-70E740481C1C}">
                 <a14:useLocalDpi xmlns:a14="http://schemas.microsoft.com/office/drawing/2010/main" val="0"/>
@@ -50561,7 +47001,7 @@
           <p:nvPr/>
         </p:nvPicPr>
         <p:blipFill rotWithShape="1">
-          <a:blip r:embed="rId3" cstate="print">
+          <a:blip r:embed="rId2" cstate="print">
             <a:extLst>
               <a:ext uri="{28A0092B-C50C-407E-A947-70E740481C1C}">
                 <a14:useLocalDpi xmlns:a14="http://schemas.microsoft.com/office/drawing/2010/main" val="0"/>
@@ -50590,7 +47030,7 @@
           <p:nvPr/>
         </p:nvPicPr>
         <p:blipFill rotWithShape="1">
-          <a:blip r:embed="rId3" cstate="print">
+          <a:blip r:embed="rId2" cstate="print">
             <a:extLst>
               <a:ext uri="{28A0092B-C50C-407E-A947-70E740481C1C}">
                 <a14:useLocalDpi xmlns:a14="http://schemas.microsoft.com/office/drawing/2010/main" val="0"/>
@@ -50619,7 +47059,7 @@
           <p:nvPr/>
         </p:nvPicPr>
         <p:blipFill rotWithShape="1">
-          <a:blip r:embed="rId3" cstate="print">
+          <a:blip r:embed="rId2" cstate="print">
             <a:extLst>
               <a:ext uri="{28A0092B-C50C-407E-A947-70E740481C1C}">
                 <a14:useLocalDpi xmlns:a14="http://schemas.microsoft.com/office/drawing/2010/main" val="0"/>
